--- a/presentation/Python Einführung.pptx
+++ b/presentation/Python Einführung.pptx
@@ -412,7 +412,7 @@
                   <a:schemeClr val="tx2"/>
                 </a:solidFill>
               </a:rPr>
-              <a:t>20.03.2019</a:t>
+              <a:t>12.03.2020</a:t>
             </a:fld>
             <a:endParaRPr lang="de-DE">
               <a:solidFill>
@@ -762,7 +762,7 @@
             <a:fld id="{B4113CCE-1A1A-46DB-884A-AE560F65C3AF}" type="datetimeFigureOut">
               <a:rPr lang="de-DE" smtClean="0"/>
               <a:pPr/>
-              <a:t>20.03.2019</a:t>
+              <a:t>12.03.2020</a:t>
             </a:fld>
             <a:endParaRPr lang="de-DE"/>
           </a:p>
@@ -826,38 +826,37 @@
           <a:p>
             <a:pPr lvl="0"/>
             <a:r>
-              <a:rPr lang="de-DE" smtClean="0"/>
+              <a:rPr lang="de-DE"/>
               <a:t>Formatvorlagen des Textmasters bearbeiten</a:t>
             </a:r>
           </a:p>
           <a:p>
             <a:pPr lvl="1"/>
             <a:r>
-              <a:rPr lang="de-DE" smtClean="0"/>
+              <a:rPr lang="de-DE"/>
               <a:t>Zweite Ebene</a:t>
             </a:r>
           </a:p>
           <a:p>
             <a:pPr lvl="2"/>
             <a:r>
-              <a:rPr lang="de-DE" smtClean="0"/>
+              <a:rPr lang="de-DE"/>
               <a:t>Dritte Ebene</a:t>
             </a:r>
           </a:p>
           <a:p>
             <a:pPr lvl="3"/>
             <a:r>
-              <a:rPr lang="de-DE" smtClean="0"/>
+              <a:rPr lang="de-DE"/>
               <a:t>Vierte Ebene</a:t>
             </a:r>
           </a:p>
           <a:p>
             <a:pPr lvl="4"/>
             <a:r>
-              <a:rPr lang="de-DE" smtClean="0"/>
+              <a:rPr lang="de-DE"/>
               <a:t>Fünfte Ebene</a:t>
             </a:r>
-            <a:endParaRPr lang="de-DE"/>
           </a:p>
         </p:txBody>
       </p:sp>
@@ -1246,45 +1245,45 @@
           <a:lstStyle/>
           <a:p>
             <a:r>
-              <a:rPr lang="de-DE" dirty="0" smtClean="0"/>
+              <a:rPr lang="de-DE" dirty="0"/>
               <a:t>Ein Prozessor ist eine elektronische</a:t>
             </a:r>
             <a:r>
-              <a:rPr lang="de-DE" baseline="0" dirty="0" smtClean="0"/>
+              <a:rPr lang="de-DE" baseline="0" dirty="0"/>
               <a:t> </a:t>
             </a:r>
             <a:r>
-              <a:rPr lang="de-DE" dirty="0" smtClean="0"/>
+              <a:rPr lang="de-DE" dirty="0"/>
               <a:t>Platine. Diese</a:t>
             </a:r>
             <a:r>
-              <a:rPr lang="de-DE" baseline="0" dirty="0" smtClean="0"/>
+              <a:rPr lang="de-DE" baseline="0" dirty="0"/>
               <a:t> Platine versteht Anweisungen und Befehle nicht wie ein Mensch, sondern kann „nur“ elektronische Signale verarbeiten. Dennoch hat man es geschafft, dass ein Prozessor Zahlen in elektronischer Form (dargestellt durch „Spannung an“ und „Spannung aus“) verarbeiten kann und dann auch Ergebnisse (wiederum dargestellt als Spannungen) liefert.</a:t>
             </a:r>
           </a:p>
           <a:p>
-            <a:endParaRPr lang="de-DE" baseline="0" dirty="0" smtClean="0"/>
-          </a:p>
-          <a:p>
-            <a:r>
-              <a:rPr lang="de-DE" baseline="0" dirty="0" smtClean="0"/>
+            <a:endParaRPr lang="de-DE" baseline="0" dirty="0"/>
+          </a:p>
+          <a:p>
+            <a:r>
+              <a:rPr lang="de-DE" baseline="0" dirty="0"/>
               <a:t>Befehle werden auf dieser Ebene auch als Zahlen dargestellt. Diese Zahlen werden meist im 16er-Zahlensystem dargestellt. Man nennt dieses Zahlensystem auch Hexadezimalsystem. Weil uns Menschen nur 10 Ziffern zur Verfügung stehen, haben wir die sechs Buchstaben A, B, C, D, E und F ergänzt, um die fehlenden Ziffern darzustellen. Ein Übertrag findet dann auch </a:t>
             </a:r>
             <a:r>
-              <a:rPr lang="de-DE" baseline="0" dirty="0" err="1" smtClean="0"/>
+              <a:rPr lang="de-DE" baseline="0" dirty="0" err="1"/>
               <a:t>nichtvon</a:t>
             </a:r>
             <a:r>
-              <a:rPr lang="de-DE" baseline="0" dirty="0" smtClean="0"/>
+              <a:rPr lang="de-DE" baseline="0" dirty="0"/>
               <a:t> 9 nach 10 statt, sondern von F (also 15 dezimal) auf 10 (also 16 dezimal).</a:t>
             </a:r>
           </a:p>
           <a:p>
-            <a:endParaRPr lang="de-DE" baseline="0" dirty="0" smtClean="0"/>
-          </a:p>
-          <a:p>
-            <a:r>
-              <a:rPr lang="de-DE" baseline="0" dirty="0" smtClean="0"/>
+            <a:endParaRPr lang="de-DE" baseline="0" dirty="0"/>
+          </a:p>
+          <a:p>
+            <a:r>
+              <a:rPr lang="de-DE" baseline="0" dirty="0"/>
               <a:t>In dieser Form zu Programmieren ist sehr aufwändig, da man sich entweder sehr viel Befehle in Form von Zahlen merken muss, oder entsprechend nachschlagen muss. Für jeden Prozessortyp gibt es eine eigene Liste.</a:t>
             </a:r>
           </a:p>
@@ -1377,29 +1376,29 @@
           <a:lstStyle/>
           <a:p>
             <a:r>
-              <a:rPr lang="de-DE" dirty="0" smtClean="0"/>
+              <a:rPr lang="de-DE" dirty="0"/>
               <a:t>Eine IDE vereint</a:t>
             </a:r>
             <a:r>
-              <a:rPr lang="de-DE" baseline="0" dirty="0" smtClean="0"/>
+              <a:rPr lang="de-DE" baseline="0" dirty="0"/>
               <a:t> mehrere Programme, die ansonsten einzeln vorliegen, zu einem großen Programm, das alle Aufgaben eines Entwicklers unterstützt.</a:t>
             </a:r>
           </a:p>
           <a:p>
             <a:r>
-              <a:rPr lang="de-DE" baseline="0" dirty="0" smtClean="0"/>
+              <a:rPr lang="de-DE" baseline="0" dirty="0"/>
               <a:t>Sie hilft beim Schreiben, weil es bekannte Befehle farblich hervorhebt.</a:t>
             </a:r>
           </a:p>
           <a:p>
             <a:r>
-              <a:rPr lang="de-DE" baseline="0" dirty="0" smtClean="0"/>
+              <a:rPr lang="de-DE" baseline="0" dirty="0"/>
               <a:t>Sie hilft während des Tippens, weil es mögliche Befehle ergänzt und aus einer Liste auswählbar macht.</a:t>
             </a:r>
           </a:p>
           <a:p>
             <a:r>
-              <a:rPr lang="de-DE" baseline="0" dirty="0" smtClean="0"/>
+              <a:rPr lang="de-DE" baseline="0" dirty="0"/>
               <a:t>Die IDE kann Programme direkt starten, diese auch Schritt für Schritt ausführen und man kann den Inhalt von Variablen ansehen („Debugger“)</a:t>
             </a:r>
             <a:endParaRPr lang="de-DE" dirty="0"/>
@@ -1493,53 +1492,53 @@
           <a:lstStyle/>
           <a:p>
             <a:r>
-              <a:rPr lang="de-DE" dirty="0" smtClean="0"/>
+              <a:rPr lang="de-DE" dirty="0"/>
               <a:t>IDLE ist die Abkürzung für Integrated Development </a:t>
             </a:r>
             <a:r>
-              <a:rPr lang="de-DE" dirty="0" err="1" smtClean="0"/>
+              <a:rPr lang="de-DE" dirty="0" err="1"/>
               <a:t>and</a:t>
             </a:r>
             <a:r>
-              <a:rPr lang="de-DE" dirty="0" smtClean="0"/>
+              <a:rPr lang="de-DE" dirty="0"/>
               <a:t> Learning Environment.</a:t>
             </a:r>
           </a:p>
           <a:p>
             <a:r>
-              <a:rPr lang="de-DE" dirty="0" smtClean="0"/>
+              <a:rPr lang="de-DE" dirty="0"/>
               <a:t>Sie ist bei </a:t>
             </a:r>
             <a:r>
-              <a:rPr lang="de-DE" dirty="0" err="1" smtClean="0"/>
+              <a:rPr lang="de-DE" dirty="0" err="1"/>
               <a:t>Raspberry</a:t>
             </a:r>
             <a:r>
-              <a:rPr lang="de-DE" dirty="0" smtClean="0"/>
+              <a:rPr lang="de-DE" dirty="0"/>
               <a:t> vorinstalliert, bietet aber leider wenig Funktionalität und ist umständlich zu bedienen.</a:t>
             </a:r>
           </a:p>
           <a:p>
             <a:r>
-              <a:rPr lang="de-DE" dirty="0" smtClean="0"/>
+              <a:rPr lang="de-DE" dirty="0"/>
               <a:t>Besser ist </a:t>
             </a:r>
             <a:r>
-              <a:rPr lang="de-DE" dirty="0" err="1" smtClean="0"/>
+              <a:rPr lang="de-DE" dirty="0" err="1"/>
               <a:t>PyCharm</a:t>
             </a:r>
             <a:r>
-              <a:rPr lang="de-DE" dirty="0" smtClean="0"/>
+              <a:rPr lang="de-DE" dirty="0"/>
               <a:t>, das ebenfalls kostenlos verfügbar ist („Community Edition“). Es</a:t>
             </a:r>
             <a:r>
-              <a:rPr lang="de-DE" baseline="0" dirty="0" smtClean="0"/>
+              <a:rPr lang="de-DE" baseline="0" dirty="0"/>
               <a:t> gibt auch eine kostenpflichtige Version, die noch mehr Funktionen bietet.</a:t>
             </a:r>
           </a:p>
           <a:p>
             <a:r>
-              <a:rPr lang="de-DE" baseline="0" dirty="0" smtClean="0"/>
+              <a:rPr lang="de-DE" baseline="0" dirty="0"/>
               <a:t>Selbst die kostenlose Version genügt schon für anspruchsvolle Programmieraufgaben.</a:t>
             </a:r>
             <a:endParaRPr lang="de-DE" dirty="0"/>
@@ -1628,15 +1627,15 @@
           <a:lstStyle/>
           <a:p>
             <a:r>
-              <a:rPr lang="de-DE" dirty="0" err="1" smtClean="0"/>
+              <a:rPr lang="de-DE" dirty="0" err="1"/>
               <a:t>PyCharm</a:t>
             </a:r>
             <a:r>
-              <a:rPr lang="de-DE" dirty="0" smtClean="0"/>
+              <a:rPr lang="de-DE" dirty="0"/>
               <a:t> ist auch für Windows</a:t>
             </a:r>
             <a:r>
-              <a:rPr lang="de-DE" baseline="0" dirty="0" smtClean="0"/>
+              <a:rPr lang="de-DE" baseline="0" dirty="0"/>
               <a:t> erhältlich und funktioniert genau gleich.</a:t>
             </a:r>
             <a:endParaRPr lang="de-DE" dirty="0"/>
@@ -1725,27 +1724,27 @@
           <a:lstStyle/>
           <a:p>
             <a:r>
-              <a:rPr lang="de-DE" dirty="0" smtClean="0"/>
+              <a:rPr lang="de-DE" dirty="0"/>
               <a:t>Wer Python zuhause ausprobieren will, kann</a:t>
             </a:r>
             <a:r>
-              <a:rPr lang="de-DE" baseline="0" dirty="0" smtClean="0"/>
+              <a:rPr lang="de-DE" baseline="0" dirty="0"/>
               <a:t> natürlich </a:t>
             </a:r>
             <a:r>
-              <a:rPr lang="de-DE" baseline="0" dirty="0" err="1" smtClean="0"/>
+              <a:rPr lang="de-DE" baseline="0" dirty="0" err="1"/>
               <a:t>PyCharm</a:t>
             </a:r>
             <a:r>
-              <a:rPr lang="de-DE" baseline="0" dirty="0" smtClean="0"/>
+              <a:rPr lang="de-DE" baseline="0" dirty="0"/>
               <a:t> verwenden. Um „mal schnell“ ein Programm zu schreiben, eignen sich aber auch Python-Seiten im Netz wie beispielsweise </a:t>
             </a:r>
             <a:r>
-              <a:rPr lang="de-DE" baseline="0" dirty="0" err="1" smtClean="0"/>
+              <a:rPr lang="de-DE" baseline="0" dirty="0" err="1"/>
               <a:t>IDEone</a:t>
             </a:r>
             <a:r>
-              <a:rPr lang="de-DE" baseline="0" dirty="0" smtClean="0"/>
+              <a:rPr lang="de-DE" baseline="0" dirty="0"/>
               <a:t>. Ihnen fehlen natürlich einige Features, z.B. der Zugriff auf Dateien, oft fehlt auch ein Debugger.</a:t>
             </a:r>
           </a:p>
@@ -1833,11 +1832,11 @@
           <a:lstStyle/>
           <a:p>
             <a:r>
-              <a:rPr lang="de-DE" dirty="0" smtClean="0"/>
+              <a:rPr lang="de-DE" dirty="0"/>
               <a:t>Eine weitere Seite ist Python Tutor. Im Gegensatz zu vielen anderen Online-Python-Seiten</a:t>
             </a:r>
             <a:r>
-              <a:rPr lang="de-DE" baseline="0" dirty="0" smtClean="0"/>
+              <a:rPr lang="de-DE" baseline="0" dirty="0"/>
               <a:t> kommt es mit Debugger.</a:t>
             </a:r>
           </a:p>
@@ -1925,25 +1924,25 @@
           <a:lstStyle/>
           <a:p>
             <a:r>
-              <a:rPr lang="de-DE" dirty="0" smtClean="0"/>
+              <a:rPr lang="de-DE" dirty="0"/>
               <a:t>Wer weniger tippen mag und lieber Programmierblöcke visuell zusammensetzt, kann auch </a:t>
             </a:r>
             <a:r>
-              <a:rPr lang="de-DE" dirty="0" err="1" smtClean="0"/>
+              <a:rPr lang="de-DE" dirty="0" err="1"/>
               <a:t>Blockly</a:t>
             </a:r>
             <a:r>
-              <a:rPr lang="de-DE" dirty="0" smtClean="0"/>
+              <a:rPr lang="de-DE" dirty="0"/>
               <a:t> versuchen.</a:t>
             </a:r>
           </a:p>
           <a:p>
             <a:r>
-              <a:rPr lang="de-DE" dirty="0" smtClean="0"/>
+              <a:rPr lang="de-DE" dirty="0"/>
               <a:t>Auf der rechten Seite wird dann das</a:t>
             </a:r>
             <a:r>
-              <a:rPr lang="de-DE" baseline="0" dirty="0" smtClean="0"/>
+              <a:rPr lang="de-DE" baseline="0" dirty="0"/>
               <a:t> gleiche Programm in Python angezeigt.</a:t>
             </a:r>
             <a:endParaRPr lang="de-DE" dirty="0"/>
@@ -2032,11 +2031,11 @@
           <a:lstStyle/>
           <a:p>
             <a:r>
-              <a:rPr lang="de-DE" dirty="0" smtClean="0"/>
+              <a:rPr lang="de-DE" dirty="0"/>
               <a:t>Zu</a:t>
             </a:r>
             <a:r>
-              <a:rPr lang="de-DE" baseline="0" dirty="0" smtClean="0"/>
+              <a:rPr lang="de-DE" baseline="0" dirty="0"/>
               <a:t> den Grundlagen zählt ziemlich viel. Es handelt sich im Prinzip um die Grundbegriffe jeder Programmiersprache.</a:t>
             </a:r>
             <a:endParaRPr lang="de-DE" dirty="0"/>
@@ -2130,23 +2129,23 @@
           <a:lstStyle/>
           <a:p>
             <a:r>
-              <a:rPr lang="de-DE" dirty="0" smtClean="0"/>
+              <a:rPr lang="de-DE" dirty="0"/>
               <a:t>UTF-8 Encoding: gilt bei Python 3. Bei</a:t>
             </a:r>
             <a:r>
-              <a:rPr lang="de-DE" baseline="0" dirty="0" smtClean="0"/>
+              <a:rPr lang="de-DE" baseline="0" dirty="0"/>
               <a:t> Python 2 musste dies noch extra angegeben werden.</a:t>
             </a:r>
           </a:p>
           <a:p>
             <a:r>
-              <a:rPr lang="de-DE" baseline="0" dirty="0" smtClean="0"/>
+              <a:rPr lang="de-DE" baseline="0" dirty="0"/>
               <a:t>Bei anderen Programmiersprachen gibt es auch die Empfehlung, dass nur eine Anweisung pro Zeile stehen soll. Dem Compiler ist es letztlich jedoch egal.</a:t>
             </a:r>
           </a:p>
           <a:p>
             <a:r>
-              <a:rPr lang="de-DE" baseline="0" dirty="0" smtClean="0"/>
+              <a:rPr lang="de-DE" baseline="0" dirty="0"/>
               <a:t>Ebenso verhält es sich mit der Einrückung: eine korrekte Einrückung macht das Programm lesbarer.</a:t>
             </a:r>
             <a:endParaRPr lang="de-DE" dirty="0"/>
@@ -2241,7 +2240,7 @@
           <a:p>
             <a:pPr lvl="0"/>
             <a:r>
-              <a:rPr lang="de-DE" sz="1200" kern="1200" dirty="0" smtClean="0">
+              <a:rPr lang="de-DE" sz="1200" kern="1200" dirty="0">
                 <a:solidFill>
                   <a:schemeClr val="tx1"/>
                 </a:solidFill>
@@ -2252,7 +2251,7 @@
               <a:t>Kommentare sind z.B. für Beschreibungen und Erklärungen nützlich, damit man auch nach einiger Zeit noch versteht, was</a:t>
             </a:r>
             <a:r>
-              <a:rPr lang="de-DE" sz="1200" kern="1200" baseline="0" dirty="0" smtClean="0">
+              <a:rPr lang="de-DE" sz="1200" kern="1200" baseline="0" dirty="0">
                 <a:solidFill>
                   <a:schemeClr val="tx1"/>
                 </a:solidFill>
@@ -2263,7 +2262,7 @@
               <a:t> das Programm tut oder tun sollte. Ein Kommentar </a:t>
             </a:r>
             <a:r>
-              <a:rPr lang="de-DE" sz="1200" kern="1200" dirty="0" smtClean="0">
+              <a:rPr lang="de-DE" sz="1200" kern="1200" dirty="0">
                 <a:solidFill>
                   <a:schemeClr val="tx1"/>
                 </a:solidFill>
@@ -2366,29 +2365,29 @@
           <a:lstStyle/>
           <a:p>
             <a:r>
-              <a:rPr lang="de-DE" dirty="0" smtClean="0"/>
+              <a:rPr lang="de-DE" dirty="0"/>
               <a:t>Vor dem Gleichheitszeichen steht</a:t>
             </a:r>
             <a:r>
-              <a:rPr lang="de-DE" baseline="0" dirty="0" smtClean="0"/>
+              <a:rPr lang="de-DE" baseline="0" dirty="0"/>
               <a:t> bei Python der Name der Variablen, wie in Mathematik auch.</a:t>
             </a:r>
           </a:p>
           <a:p>
             <a:r>
-              <a:rPr lang="de-DE" baseline="0" dirty="0" smtClean="0"/>
+              <a:rPr lang="de-DE" baseline="0" dirty="0"/>
               <a:t>Die Zuweisung eines Werts erfolgt mit dem Gleichheitszeichen.</a:t>
             </a:r>
           </a:p>
           <a:p>
             <a:r>
-              <a:rPr lang="de-DE" baseline="0" dirty="0" smtClean="0"/>
+              <a:rPr lang="de-DE" baseline="0" dirty="0"/>
               <a:t>Mathematische Grundrechenarten funktionieren wie in der Mathematik auch, mit den gleichen Regeln.</a:t>
             </a:r>
           </a:p>
           <a:p>
             <a:r>
-              <a:rPr lang="de-DE" baseline="0" dirty="0" smtClean="0"/>
+              <a:rPr lang="de-DE" baseline="0" dirty="0"/>
               <a:t>Im Gegensatz zu anderen Programmiersprachen führt Python automatisch eine Typkonvertierung durch.</a:t>
             </a:r>
             <a:endParaRPr lang="de-DE" dirty="0"/>
@@ -2477,20 +2476,20 @@
           <a:lstStyle/>
           <a:p>
             <a:r>
-              <a:rPr lang="de-DE" dirty="0" smtClean="0"/>
+              <a:rPr lang="de-DE" dirty="0"/>
               <a:t>Die nächste</a:t>
             </a:r>
             <a:r>
-              <a:rPr lang="de-DE" baseline="0" dirty="0" smtClean="0"/>
+              <a:rPr lang="de-DE" baseline="0" dirty="0"/>
               <a:t> Ebene ist die Programmiersprache Assembler. Sie ist immer noch sehr hardwarenah, d.h. auch sie ist abhängig vom Prozessortyp, z.B. x86 (Intel) oder ARM. Allerdings handelt es sich nicht mehr um reine Zahlen, sondern schon um „lesbare“ Befehle und Daten.</a:t>
             </a:r>
           </a:p>
           <a:p>
-            <a:endParaRPr lang="de-DE" baseline="0" dirty="0" smtClean="0"/>
-          </a:p>
-          <a:p>
-            <a:r>
-              <a:rPr lang="de-DE" baseline="0" dirty="0" smtClean="0"/>
+            <a:endParaRPr lang="de-DE" baseline="0" dirty="0"/>
+          </a:p>
+          <a:p>
+            <a:r>
+              <a:rPr lang="de-DE" baseline="0" dirty="0"/>
               <a:t>Eingefleischte Programmierer, die das letzte aus der Hardware herausholen möchten, programmieren auch heute noch in Assembler.</a:t>
             </a:r>
             <a:endParaRPr lang="de-DE" dirty="0"/>
@@ -2579,25 +2578,25 @@
           <a:lstStyle/>
           <a:p>
             <a:r>
-              <a:rPr lang="de-DE" dirty="0" smtClean="0"/>
+              <a:rPr lang="de-DE" dirty="0"/>
               <a:t>Entgegen dem Mathematik-Unterricht, wo die Angabe „ab“ gleichzusetzten</a:t>
             </a:r>
             <a:r>
-              <a:rPr lang="de-DE" baseline="0" dirty="0" smtClean="0"/>
+              <a:rPr lang="de-DE" baseline="0" dirty="0"/>
               <a:t> ist mit „a*b“, muss das Multiplizieren immer getippt werden.</a:t>
             </a:r>
           </a:p>
           <a:p>
             <a:r>
-              <a:rPr lang="de-DE" baseline="0" dirty="0" smtClean="0"/>
+              <a:rPr lang="de-DE" baseline="0" dirty="0"/>
               <a:t>Das liegt daran, dass wir „sprechende“ Variablennamen wie „</a:t>
             </a:r>
             <a:r>
-              <a:rPr lang="de-DE" baseline="0" dirty="0" err="1" smtClean="0"/>
+              <a:rPr lang="de-DE" baseline="0" dirty="0" err="1"/>
               <a:t>krokodil</a:t>
             </a:r>
             <a:r>
-              <a:rPr lang="de-DE" baseline="0" dirty="0" smtClean="0"/>
+              <a:rPr lang="de-DE" baseline="0" dirty="0"/>
               <a:t>“ haben möchten, ohne gleiche 8 Multiplikationen durchzuführen.</a:t>
             </a:r>
             <a:endParaRPr lang="de-DE" dirty="0"/>
@@ -2686,23 +2685,23 @@
           <a:lstStyle/>
           <a:p>
             <a:r>
-              <a:rPr lang="de-DE" dirty="0" smtClean="0"/>
+              <a:rPr lang="de-DE" dirty="0"/>
               <a:t>Auf zu kryptische</a:t>
             </a:r>
             <a:r>
-              <a:rPr lang="de-DE" baseline="0" dirty="0" smtClean="0"/>
+              <a:rPr lang="de-DE" baseline="0" dirty="0"/>
               <a:t> Befehle sollte man verzichten.</a:t>
             </a:r>
           </a:p>
           <a:p>
             <a:r>
-              <a:rPr lang="de-DE" baseline="0" dirty="0" smtClean="0"/>
+              <a:rPr lang="de-DE" baseline="0" dirty="0"/>
               <a:t>Es geht beim Programmieren auch darum, das Programm in einem halben Jahr auch noch zu verstehen.</a:t>
             </a:r>
           </a:p>
           <a:p>
             <a:r>
-              <a:rPr lang="de-DE" baseline="0" dirty="0" smtClean="0"/>
+              <a:rPr lang="de-DE" baseline="0" dirty="0"/>
               <a:t>Daher beschränkt man sich oft auf Befehle, die es in anderen Programmiersprachen auch gibt, so dass z.B. einem C-Programmierer der Umstieg nicht so schwer fällt.</a:t>
             </a:r>
             <a:endParaRPr lang="de-DE" dirty="0"/>
@@ -2876,18 +2875,17 @@
           <a:lstStyle/>
           <a:p>
             <a:r>
-              <a:rPr lang="de-DE" dirty="0" smtClean="0"/>
+              <a:rPr lang="de-DE" dirty="0"/>
               <a:t>Das Zerteilen von Texten wird auch „</a:t>
             </a:r>
             <a:r>
-              <a:rPr lang="de-DE" dirty="0" err="1" smtClean="0"/>
+              <a:rPr lang="de-DE" dirty="0" err="1"/>
               <a:t>Slicing</a:t>
             </a:r>
             <a:r>
-              <a:rPr lang="de-DE" dirty="0" smtClean="0"/>
+              <a:rPr lang="de-DE" dirty="0"/>
               <a:t>“ genannt.</a:t>
             </a:r>
-            <a:endParaRPr lang="de-DE" dirty="0"/>
           </a:p>
         </p:txBody>
       </p:sp>
@@ -2978,32 +2976,32 @@
           <a:lstStyle/>
           <a:p>
             <a:r>
-              <a:rPr lang="de-DE" dirty="0" smtClean="0"/>
+              <a:rPr lang="de-DE" dirty="0"/>
               <a:t>36² = 1296</a:t>
             </a:r>
           </a:p>
           <a:p>
             <a:r>
-              <a:rPr lang="de-DE" dirty="0" smtClean="0"/>
+              <a:rPr lang="de-DE" dirty="0"/>
               <a:t>mittlere beiden Stellen: 29</a:t>
             </a:r>
           </a:p>
           <a:p>
             <a:r>
-              <a:rPr lang="de-DE" dirty="0" smtClean="0"/>
+              <a:rPr lang="de-DE" dirty="0"/>
               <a:t>Lösung: 29² = 841</a:t>
             </a:r>
           </a:p>
           <a:p>
-            <a:endParaRPr lang="de-DE" dirty="0" smtClean="0"/>
-          </a:p>
-          <a:p>
-            <a:r>
-              <a:rPr lang="de-DE" dirty="0" smtClean="0"/>
+            <a:endParaRPr lang="de-DE" dirty="0"/>
+          </a:p>
+          <a:p>
+            <a:r>
+              <a:rPr lang="de-DE" dirty="0"/>
               <a:t>Da das Ergebnis nur schwer vorherzusehen ist,</a:t>
             </a:r>
             <a:r>
-              <a:rPr lang="de-DE" baseline="0" dirty="0" smtClean="0"/>
+              <a:rPr lang="de-DE" baseline="0" dirty="0"/>
               <a:t> wird dieses Verfahren auch zur Erzeugung von Zufallszahlen eingesetzt. Es nennt sich „Mittquadratmethode“ und wird natürlich nicht nur mit vierstelligen Zahlen eingesetzt, sondern mit längeren.</a:t>
             </a:r>
             <a:endParaRPr lang="de-DE" dirty="0"/>
@@ -3097,25 +3095,25 @@
           <a:lstStyle/>
           <a:p>
             <a:r>
-              <a:rPr lang="de-DE" dirty="0" smtClean="0"/>
+              <a:rPr lang="de-DE" dirty="0"/>
               <a:t>Eine Liste verhält sich ähnlich wie Text. Auch hier kann </a:t>
             </a:r>
             <a:r>
-              <a:rPr lang="de-DE" dirty="0" err="1" smtClean="0"/>
+              <a:rPr lang="de-DE" dirty="0" err="1"/>
               <a:t>Slicing</a:t>
             </a:r>
             <a:r>
-              <a:rPr lang="de-DE" dirty="0" smtClean="0"/>
+              <a:rPr lang="de-DE" dirty="0"/>
               <a:t> angewendet werden.</a:t>
             </a:r>
           </a:p>
           <a:p>
             <a:r>
-              <a:rPr lang="de-DE" dirty="0" smtClean="0"/>
+              <a:rPr lang="de-DE" dirty="0"/>
               <a:t>Tatsächlich</a:t>
             </a:r>
             <a:r>
-              <a:rPr lang="de-DE" baseline="0" dirty="0" smtClean="0"/>
+              <a:rPr lang="de-DE" baseline="0" dirty="0"/>
               <a:t> handelt es sich bei Text um eine Liste von Buchstaben.</a:t>
             </a:r>
             <a:endParaRPr lang="de-DE" dirty="0"/>
@@ -3208,7 +3206,7 @@
           <a:bodyPr/>
           <a:lstStyle/>
           <a:p>
-            <a:endParaRPr lang="de-DE" dirty="0" smtClean="0"/>
+            <a:endParaRPr lang="de-DE" dirty="0"/>
           </a:p>
         </p:txBody>
       </p:sp>
@@ -3299,17 +3297,17 @@
           <a:lstStyle/>
           <a:p>
             <a:r>
-              <a:rPr lang="de-DE" dirty="0" smtClean="0"/>
+              <a:rPr lang="de-DE" dirty="0"/>
               <a:t>Eine Besonderheit in Python ist, dass einem Teil einer</a:t>
             </a:r>
             <a:r>
-              <a:rPr lang="de-DE" baseline="0" dirty="0" smtClean="0"/>
+              <a:rPr lang="de-DE" baseline="0" dirty="0"/>
               <a:t> Liste auch ein neuer Wert zugewiesen kann, d.h. der Slice steht auf der linken Seite des Gleichheitszeichens.</a:t>
             </a:r>
           </a:p>
           <a:p>
             <a:r>
-              <a:rPr lang="de-DE" baseline="0" dirty="0" smtClean="0"/>
+              <a:rPr lang="de-DE" baseline="0" dirty="0"/>
               <a:t>Das lässt sich auch „missbrauchen“, indem man einem Teil einer Liste eine leere Liste zuweist, wodurch der Teil effektiv gelöscht wird.</a:t>
             </a:r>
             <a:endParaRPr lang="de-DE" dirty="0"/>
@@ -3403,53 +3401,53 @@
           <a:lstStyle/>
           <a:p>
             <a:r>
-              <a:rPr lang="de-DE" dirty="0" smtClean="0"/>
+              <a:rPr lang="de-DE" dirty="0"/>
               <a:t>Eine Liste kann unterschiedliche Dinge enthalten, z.B. Zahlen, Text oder andere Dinge.</a:t>
             </a:r>
             <a:r>
-              <a:rPr lang="de-DE" baseline="0" dirty="0" smtClean="0"/>
+              <a:rPr lang="de-DE" baseline="0" dirty="0"/>
               <a:t> </a:t>
             </a:r>
             <a:r>
-              <a:rPr lang="de-DE" dirty="0" smtClean="0"/>
+              <a:rPr lang="de-DE" dirty="0"/>
               <a:t>Üblicherweise bringt das aber nichts und wir raten davon ab, unterschiedliche Dinge hineinzufüllen.</a:t>
             </a:r>
           </a:p>
           <a:p>
-            <a:endParaRPr lang="de-DE" dirty="0" smtClean="0"/>
-          </a:p>
-          <a:p>
-            <a:r>
-              <a:rPr lang="de-DE" dirty="0" smtClean="0"/>
+            <a:endParaRPr lang="de-DE" dirty="0"/>
+          </a:p>
+          <a:p>
+            <a:r>
+              <a:rPr lang="de-DE" dirty="0"/>
               <a:t>Man möchte Listen oft dazu verwenden,</a:t>
             </a:r>
             <a:r>
-              <a:rPr lang="de-DE" baseline="0" dirty="0" smtClean="0"/>
+              <a:rPr lang="de-DE" baseline="0" dirty="0"/>
               <a:t> um mit jedem Element der Liste die gleiche Operation auszuführen. Genau darin sind Computer ja gut: </a:t>
             </a:r>
             <a:r>
-              <a:rPr lang="de-DE" baseline="0" dirty="0" err="1" smtClean="0"/>
+              <a:rPr lang="de-DE" baseline="0" dirty="0" err="1"/>
               <a:t>millionenmal</a:t>
             </a:r>
             <a:r>
-              <a:rPr lang="de-DE" baseline="0" dirty="0" smtClean="0"/>
+              <a:rPr lang="de-DE" baseline="0" dirty="0"/>
               <a:t> das gleiche ohne Fehler zu wiederholen. Mit sehr unterschiedlichen Daten ist es aber unwahrscheinlich, dass man den Ablauf gleich halten kann.</a:t>
             </a:r>
           </a:p>
           <a:p>
-            <a:endParaRPr lang="de-DE" baseline="0" dirty="0" smtClean="0"/>
-          </a:p>
-          <a:p>
-            <a:r>
-              <a:rPr lang="de-DE" baseline="0" dirty="0" smtClean="0"/>
+            <a:endParaRPr lang="de-DE" baseline="0" dirty="0"/>
+          </a:p>
+          <a:p>
+            <a:r>
+              <a:rPr lang="de-DE" baseline="0" dirty="0"/>
               <a:t>Beispiel: man kann </a:t>
             </a:r>
             <a:r>
-              <a:rPr lang="de-DE" baseline="0" dirty="0" err="1" smtClean="0"/>
+              <a:rPr lang="de-DE" baseline="0" dirty="0" err="1"/>
               <a:t>millionenmal</a:t>
             </a:r>
             <a:r>
-              <a:rPr lang="de-DE" baseline="0" dirty="0" smtClean="0"/>
+              <a:rPr lang="de-DE" baseline="0" dirty="0"/>
               <a:t> die Mehrwertsteuer von unterschiedlichen Beträgen ausrechnen. Man kann aber schlecht die Mehrwertsteuer von einem Betrag, den 10 Geboten und dem Mount Everest ausrechnen.</a:t>
             </a:r>
             <a:endParaRPr lang="de-DE" dirty="0"/>
@@ -3628,26 +3626,26 @@
           <a:lstStyle/>
           <a:p>
             <a:r>
-              <a:rPr lang="de-DE" dirty="0" smtClean="0"/>
+              <a:rPr lang="de-DE" dirty="0"/>
               <a:t>1972 wurde dann die Möglichkeit geschaffen, dass ein Computer ein</a:t>
             </a:r>
             <a:r>
-              <a:rPr lang="de-DE" baseline="0" dirty="0" smtClean="0"/>
+              <a:rPr lang="de-DE" baseline="0" dirty="0"/>
               <a:t> Programm in Textform in Maschinensprache übersetzt.</a:t>
             </a:r>
           </a:p>
           <a:p>
             <a:r>
-              <a:rPr lang="de-DE" baseline="0" dirty="0" smtClean="0"/>
+              <a:rPr lang="de-DE" baseline="0" dirty="0"/>
               <a:t>Ab jetzt war man in der Lage, Programme als Funktionen zu beschreiben. Außerdem gab es andere für Menschen besser verständliche Konzepte, wie z.B. Speicher als Variablen mit aussagekräftigen Namen.</a:t>
             </a:r>
           </a:p>
           <a:p>
-            <a:endParaRPr lang="de-DE" baseline="0" dirty="0" smtClean="0"/>
-          </a:p>
-          <a:p>
-            <a:r>
-              <a:rPr lang="de-DE" baseline="0" dirty="0" smtClean="0"/>
+            <a:endParaRPr lang="de-DE" baseline="0" dirty="0"/>
+          </a:p>
+          <a:p>
+            <a:r>
+              <a:rPr lang="de-DE" baseline="0" dirty="0"/>
               <a:t>Allerdings muss man sich schon bei der Übersetzung in Maschinensprache auf einen bestimmten Prozessor festlegen. Soll das Programm auf mehreren Prozessoren laufen, muss man es entsprechend oft übersetzen (z.B. drei Mal: für PC (x86), für Android (ARM), für Apple (Motorola)).</a:t>
             </a:r>
           </a:p>
@@ -3847,7 +3845,7 @@
               <a:defRPr/>
             </a:pPr>
             <a:r>
-              <a:rPr lang="de-DE" dirty="0" smtClean="0"/>
+              <a:rPr lang="de-DE" dirty="0"/>
               <a:t>Wahrheiten können miteinander verknüpft werden</a:t>
             </a:r>
           </a:p>
@@ -3940,33 +3938,25 @@
           <a:lstStyle/>
           <a:p>
             <a:r>
-              <a:rPr lang="de-DE" dirty="0" smtClean="0"/>
+              <a:rPr lang="de-DE" dirty="0"/>
               <a:t>Im Gegensatz zu vielen anderen Programmiersprachen lässt Python tatsächlich eine Aussage wie a&lt;=b&gt;=c</a:t>
             </a:r>
             <a:r>
-              <a:rPr lang="de-DE" baseline="0" dirty="0" smtClean="0"/>
+              <a:rPr lang="de-DE" baseline="0" dirty="0"/>
               <a:t> zu.</a:t>
             </a:r>
           </a:p>
           <a:p>
             <a:r>
-              <a:rPr lang="de-DE" baseline="0" dirty="0" smtClean="0"/>
-              <a:t>Bei anderen Programmiersprachen muss man das meist in zwei Aussagen zerlegen:</a:t>
-            </a:r>
-            <a:r>
               <a:rPr lang="de-DE" baseline="0" dirty="0"/>
-              <a:t> </a:t>
-            </a:r>
-            <a:r>
-              <a:rPr lang="de-DE" baseline="0" dirty="0" smtClean="0"/>
-              <a:t>a&lt;=b </a:t>
-            </a:r>
-            <a:r>
-              <a:rPr lang="de-DE" baseline="0" dirty="0" err="1" smtClean="0"/>
+              <a:t>Bei anderen Programmiersprachen muss man das meist in zwei Aussagen zerlegen: a&lt;=b </a:t>
+            </a:r>
+            <a:r>
+              <a:rPr lang="de-DE" baseline="0" dirty="0" err="1"/>
               <a:t>and</a:t>
             </a:r>
             <a:r>
-              <a:rPr lang="de-DE" baseline="0" dirty="0" smtClean="0"/>
+              <a:rPr lang="de-DE" baseline="0" dirty="0"/>
               <a:t> b&gt;=c.</a:t>
             </a:r>
           </a:p>
@@ -4239,34 +4229,33 @@
           <a:lstStyle/>
           <a:p>
             <a:r>
-              <a:rPr lang="de-DE" dirty="0" smtClean="0"/>
+              <a:rPr lang="de-DE" dirty="0"/>
               <a:t>Bei anderen Programmiersprachen heißt </a:t>
             </a:r>
             <a:r>
-              <a:rPr lang="de-DE" dirty="0" err="1" smtClean="0"/>
+              <a:rPr lang="de-DE" dirty="0" err="1"/>
               <a:t>elif</a:t>
             </a:r>
             <a:r>
-              <a:rPr lang="de-DE" dirty="0" smtClean="0"/>
+              <a:rPr lang="de-DE" dirty="0"/>
               <a:t> meist </a:t>
             </a:r>
             <a:r>
-              <a:rPr lang="de-DE" dirty="0" err="1" smtClean="0"/>
+              <a:rPr lang="de-DE" dirty="0" err="1"/>
               <a:t>else</a:t>
             </a:r>
             <a:r>
-              <a:rPr lang="de-DE" dirty="0" smtClean="0"/>
+              <a:rPr lang="de-DE" dirty="0"/>
               <a:t> </a:t>
             </a:r>
             <a:r>
-              <a:rPr lang="de-DE" dirty="0" err="1" smtClean="0"/>
+              <a:rPr lang="de-DE" dirty="0" err="1"/>
               <a:t>if</a:t>
             </a:r>
             <a:r>
-              <a:rPr lang="de-DE" dirty="0" smtClean="0"/>
+              <a:rPr lang="de-DE" dirty="0"/>
               <a:t>.</a:t>
             </a:r>
-            <a:endParaRPr lang="de-DE" dirty="0"/>
           </a:p>
         </p:txBody>
       </p:sp>
@@ -4447,11 +4436,11 @@
           <a:lstStyle/>
           <a:p>
             <a:r>
-              <a:rPr lang="de-DE" dirty="0" smtClean="0"/>
+              <a:rPr lang="de-DE" dirty="0"/>
               <a:t>Die</a:t>
             </a:r>
             <a:r>
-              <a:rPr lang="de-DE" baseline="0" dirty="0" smtClean="0"/>
+              <a:rPr lang="de-DE" baseline="0" dirty="0"/>
               <a:t> Namensgebung der Variablen in einem Programm kann wesentlich zu dessen Verständnis beitragen.</a:t>
             </a:r>
             <a:endParaRPr lang="de-DE" dirty="0"/>
@@ -4720,63 +4709,63 @@
           <a:lstStyle/>
           <a:p>
             <a:r>
-              <a:rPr lang="de-DE" dirty="0" smtClean="0"/>
+              <a:rPr lang="de-DE" dirty="0"/>
               <a:t>Python ist eine Hochsprache, die in den 1990er Jahren entstanden</a:t>
             </a:r>
             <a:r>
-              <a:rPr lang="de-DE" baseline="0" dirty="0" smtClean="0"/>
+              <a:rPr lang="de-DE" baseline="0" dirty="0"/>
               <a:t> ist, als die PCs schon leistungsfähiger waren.</a:t>
             </a:r>
           </a:p>
           <a:p>
             <a:r>
-              <a:rPr lang="de-DE" dirty="0" smtClean="0"/>
+              <a:rPr lang="de-DE" dirty="0"/>
               <a:t>Es</a:t>
             </a:r>
             <a:r>
-              <a:rPr lang="de-DE" baseline="0" dirty="0" smtClean="0"/>
+              <a:rPr lang="de-DE" baseline="0" dirty="0"/>
               <a:t> ist mehrere Ebenen vom Prozessor entfernt, d.h. man braucht sich nicht mehr um die Details des Prozessors kümmern. Python-Programme laufen z.B. auf x86-Rechnern (Intel) und Arm Prozessoren, ohne dass man vorher den Prozessor festgelegt hätte.</a:t>
             </a:r>
           </a:p>
           <a:p>
-            <a:endParaRPr lang="de-DE" baseline="0" dirty="0" smtClean="0"/>
-          </a:p>
-          <a:p>
-            <a:r>
-              <a:rPr lang="de-DE" baseline="0" dirty="0" smtClean="0"/>
+            <a:endParaRPr lang="de-DE" baseline="0" dirty="0"/>
+          </a:p>
+          <a:p>
+            <a:r>
+              <a:rPr lang="de-DE" baseline="0" dirty="0"/>
               <a:t>Python ist kostenlos für den PC und für den </a:t>
             </a:r>
             <a:r>
-              <a:rPr lang="de-DE" baseline="0" dirty="0" err="1" smtClean="0"/>
+              <a:rPr lang="de-DE" baseline="0" dirty="0" err="1"/>
               <a:t>Raspberry</a:t>
             </a:r>
             <a:r>
-              <a:rPr lang="de-DE" baseline="0" dirty="0" smtClean="0"/>
+              <a:rPr lang="de-DE" baseline="0" dirty="0"/>
               <a:t> verfügbar. Es gibt sogar Webseiten, bei denen man online Python ausprobieren kann.</a:t>
             </a:r>
           </a:p>
           <a:p>
-            <a:endParaRPr lang="de-DE" baseline="0" dirty="0" smtClean="0"/>
-          </a:p>
-          <a:p>
-            <a:r>
-              <a:rPr lang="de-DE" baseline="0" dirty="0" smtClean="0"/>
+            <a:endParaRPr lang="de-DE" baseline="0" dirty="0"/>
+          </a:p>
+          <a:p>
+            <a:r>
+              <a:rPr lang="de-DE" baseline="0" dirty="0"/>
               <a:t>Python ist eine Universalsprache, mit der man „beliebige“ Probleme lösen kann. Im Gegensatz dazu gibt es auch sogenannte Domain </a:t>
             </a:r>
             <a:r>
-              <a:rPr lang="de-DE" baseline="0" dirty="0" err="1" smtClean="0"/>
+              <a:rPr lang="de-DE" baseline="0" dirty="0" err="1"/>
               <a:t>Specific</a:t>
             </a:r>
             <a:r>
-              <a:rPr lang="de-DE" baseline="0" dirty="0" smtClean="0"/>
+              <a:rPr lang="de-DE" baseline="0" dirty="0"/>
               <a:t> </a:t>
             </a:r>
             <a:r>
-              <a:rPr lang="de-DE" baseline="0" dirty="0" err="1" smtClean="0"/>
+              <a:rPr lang="de-DE" baseline="0" dirty="0" err="1"/>
               <a:t>Languages</a:t>
             </a:r>
             <a:r>
-              <a:rPr lang="de-DE" baseline="0" dirty="0" smtClean="0"/>
+              <a:rPr lang="de-DE" baseline="0" dirty="0"/>
               <a:t>, die auf ein Aufgabengebiet begrenzt sind, dies aber umso einfacher oder eleganter lösen können.</a:t>
             </a:r>
           </a:p>
@@ -5322,61 +5311,61 @@
           <a:lstStyle/>
           <a:p>
             <a:r>
-              <a:rPr lang="de-DE" dirty="0" smtClean="0"/>
+              <a:rPr lang="de-DE" dirty="0"/>
               <a:t>Diese</a:t>
             </a:r>
             <a:r>
-              <a:rPr lang="de-DE" baseline="0" dirty="0" smtClean="0"/>
+              <a:rPr lang="de-DE" baseline="0" dirty="0"/>
               <a:t> Folie ist sehr biologisch. Manchmal sind wir Informatiker froh, dass wir Informatiker und keine Biologen sind.</a:t>
             </a:r>
-            <a:endParaRPr lang="de-DE" dirty="0" smtClean="0"/>
-          </a:p>
-          <a:p>
-            <a:endParaRPr lang="de-DE" dirty="0" smtClean="0"/>
-          </a:p>
-          <a:p>
-            <a:r>
-              <a:rPr lang="de-DE" dirty="0" smtClean="0"/>
+            <a:endParaRPr lang="de-DE" dirty="0"/>
+          </a:p>
+          <a:p>
+            <a:endParaRPr lang="de-DE" dirty="0"/>
+          </a:p>
+          <a:p>
+            <a:r>
+              <a:rPr lang="de-DE" dirty="0"/>
               <a:t>Alle echten Nüsse</a:t>
             </a:r>
             <a:r>
-              <a:rPr lang="de-DE" baseline="0" dirty="0" smtClean="0"/>
+              <a:rPr lang="de-DE" baseline="0" dirty="0"/>
               <a:t> zählen zum Obst.</a:t>
             </a:r>
-            <a:endParaRPr lang="de-DE" dirty="0" smtClean="0"/>
-          </a:p>
-          <a:p>
-            <a:r>
-              <a:rPr lang="de-DE" dirty="0" smtClean="0"/>
+            <a:endParaRPr lang="de-DE" dirty="0"/>
+          </a:p>
+          <a:p>
+            <a:r>
+              <a:rPr lang="de-DE" dirty="0"/>
               <a:t>Die Frucht der Erdnuss ist botanisch gesehen eine Hülsenfrucht</a:t>
             </a:r>
             <a:r>
-              <a:rPr lang="de-DE" baseline="0" dirty="0" smtClean="0"/>
+              <a:rPr lang="de-DE" baseline="0" dirty="0"/>
               <a:t> und damit mit den Erbsen und Bohnen verwandt.</a:t>
             </a:r>
           </a:p>
           <a:p>
             <a:r>
-              <a:rPr lang="de-DE" baseline="0" dirty="0" smtClean="0"/>
+              <a:rPr lang="de-DE" baseline="0" dirty="0"/>
               <a:t>Die Mandel zählt zu den Rosengewächsen und ist mit Pfirsich und Aprikose verwandt. Wir essen also die Steinkerne einer Steinfrucht.</a:t>
             </a:r>
           </a:p>
           <a:p>
             <a:r>
-              <a:rPr lang="de-DE" dirty="0" smtClean="0"/>
+              <a:rPr lang="de-DE" dirty="0"/>
               <a:t>Die Melone</a:t>
             </a:r>
             <a:r>
-              <a:rPr lang="de-DE" baseline="0" dirty="0" smtClean="0"/>
+              <a:rPr lang="de-DE" baseline="0" dirty="0"/>
               <a:t> zählt zu den Kürbisgewächsen, ist einjährig und zählt daher zum Gemüse.</a:t>
             </a:r>
           </a:p>
           <a:p>
-            <a:endParaRPr lang="de-DE" baseline="0" dirty="0" smtClean="0"/>
-          </a:p>
-          <a:p>
-            <a:r>
-              <a:rPr lang="de-DE" baseline="0" dirty="0" smtClean="0"/>
+            <a:endParaRPr lang="de-DE" baseline="0" dirty="0"/>
+          </a:p>
+          <a:p>
+            <a:r>
+              <a:rPr lang="de-DE" baseline="0" dirty="0"/>
               <a:t>Es gibt jedoch sicher auch Momente, da verfluchen wir Informatiker unseren Beruf und wären lieber Biologen.</a:t>
             </a:r>
             <a:endParaRPr lang="de-DE" dirty="0"/>
@@ -5560,7 +5549,7 @@
           <a:lstStyle/>
           <a:p>
             <a:r>
-              <a:rPr lang="de-DE" sz="1200" dirty="0" smtClean="0"/>
+              <a:rPr lang="de-DE" sz="1200" dirty="0"/>
               <a:t>Bei Schleifen über Wörterbücher lassen sich Name und Wert abrufen.</a:t>
             </a:r>
             <a:endParaRPr lang="de-DE" dirty="0"/>
@@ -5671,15 +5660,15 @@
               <a:defRPr/>
             </a:pPr>
             <a:r>
-              <a:rPr lang="de-DE" dirty="0" smtClean="0"/>
+              <a:rPr lang="de-DE" dirty="0"/>
               <a:t>Wir haben schon zuvor kurz über Bibliotheken gesprochen.</a:t>
             </a:r>
             <a:r>
-              <a:rPr lang="de-DE" baseline="0" dirty="0" smtClean="0"/>
+              <a:rPr lang="de-DE" baseline="0" dirty="0"/>
               <a:t> </a:t>
             </a:r>
             <a:r>
-              <a:rPr lang="de-DE" dirty="0" smtClean="0"/>
+              <a:rPr lang="de-DE" dirty="0"/>
               <a:t>Das Rad nicht neu erfinden: wiederverwenden von fremdem Code.</a:t>
             </a:r>
           </a:p>
@@ -5702,22 +5691,22 @@
               <a:defRPr/>
             </a:pPr>
             <a:r>
-              <a:rPr lang="de-DE" dirty="0" smtClean="0"/>
+              <a:rPr lang="de-DE" dirty="0"/>
               <a:t>Der zugehörige Befehl heißt </a:t>
             </a:r>
             <a:r>
-              <a:rPr lang="de-DE" dirty="0" err="1" smtClean="0"/>
+              <a:rPr lang="de-DE" dirty="0" err="1"/>
               <a:t>import</a:t>
             </a:r>
             <a:r>
-              <a:rPr lang="de-DE" dirty="0" smtClean="0"/>
+              <a:rPr lang="de-DE" dirty="0"/>
               <a:t>. Wir werden ihn bestimmt noch</a:t>
             </a:r>
             <a:r>
-              <a:rPr lang="de-DE" baseline="0" dirty="0" smtClean="0"/>
+              <a:rPr lang="de-DE" baseline="0" dirty="0"/>
               <a:t> brauchen und Varianten davon kennenlernen.</a:t>
             </a:r>
-            <a:endParaRPr lang="de-DE" dirty="0" smtClean="0"/>
+            <a:endParaRPr lang="de-DE" dirty="0"/>
           </a:p>
           <a:p>
             <a:pPr marL="0" marR="0" lvl="0" indent="0" algn="l" defTabSz="914400" rtl="0" eaLnBrk="1" fontAlgn="auto" latinLnBrk="0" hangingPunct="1">
@@ -5737,7 +5726,7 @@
               <a:tabLst/>
               <a:defRPr/>
             </a:pPr>
-            <a:endParaRPr lang="de-DE" dirty="0" smtClean="0"/>
+            <a:endParaRPr lang="de-DE" dirty="0"/>
           </a:p>
         </p:txBody>
       </p:sp>
@@ -5913,57 +5902,57 @@
           <a:lstStyle/>
           <a:p>
             <a:r>
-              <a:rPr lang="de-DE" dirty="0" smtClean="0"/>
+              <a:rPr lang="de-DE" dirty="0"/>
               <a:t>Für Python gibt es Bibliotheken, d.h. ganze</a:t>
             </a:r>
             <a:r>
-              <a:rPr lang="de-DE" baseline="0" dirty="0" smtClean="0"/>
+              <a:rPr lang="de-DE" baseline="0" dirty="0"/>
               <a:t> Sammlungen von </a:t>
             </a:r>
             <a:r>
-              <a:rPr lang="de-DE" dirty="0" smtClean="0"/>
+              <a:rPr lang="de-DE" dirty="0"/>
               <a:t>Funktionen, die einem das</a:t>
             </a:r>
             <a:r>
-              <a:rPr lang="de-DE" baseline="0" dirty="0" smtClean="0"/>
+              <a:rPr lang="de-DE" baseline="0" dirty="0"/>
               <a:t> Leben erleichtern. Mit Bibliotheken kann Spezialwissen von einzelnen Fachleuten an andere Personen übergeben werden. Zu den Vorteilen gehört, dass man bereits getestete Algorithmen als Teilergebnis nutzen kann und somit bei komplexen Problemen schneller zu Ziel kommt. </a:t>
             </a:r>
           </a:p>
           <a:p>
-            <a:endParaRPr lang="de-DE" baseline="0" dirty="0" smtClean="0"/>
-          </a:p>
-          <a:p>
-            <a:r>
-              <a:rPr lang="de-DE" baseline="0" dirty="0" smtClean="0"/>
+            <a:endParaRPr lang="de-DE" baseline="0" dirty="0"/>
+          </a:p>
+          <a:p>
+            <a:r>
+              <a:rPr lang="de-DE" baseline="0" dirty="0"/>
               <a:t>Python unterstützt objektorientiertes Programmieren, was eine Denkweise ist, dass die Natur im PC nachgebildet wird. Dabei wird davon ausgegangen, dass alles ein Ding ist und dass man mit diesem Ding Aufgaben erledigen kann.</a:t>
             </a:r>
           </a:p>
           <a:p>
             <a:r>
-              <a:rPr lang="de-DE" baseline="0" dirty="0" smtClean="0"/>
+              <a:rPr lang="de-DE" baseline="0" dirty="0"/>
               <a:t>Eine andere Denkweise ist, dass alles eine Vorgehensweise ist, d.h. eine Prozedur, ein Algorithmus oder eine Funktion. Die Prozedur muss nur die nötigen Informationen bekommen, dann wird sie die Aufgabe erledigen.</a:t>
             </a:r>
           </a:p>
           <a:p>
             <a:r>
-              <a:rPr lang="de-DE" baseline="0" dirty="0" smtClean="0"/>
+              <a:rPr lang="de-DE" baseline="0" dirty="0"/>
               <a:t>In Python kann man auf beide Weisen vorgehen. Wir werden im BOGY vermutlich beides mischen, da wir keine Vorgabe haben und Euch die Trennung der Konzepte noch nicht sehr leicht fällt.</a:t>
             </a:r>
           </a:p>
           <a:p>
-            <a:endParaRPr lang="de-DE" baseline="0" dirty="0" smtClean="0"/>
-          </a:p>
-          <a:p>
-            <a:r>
-              <a:rPr lang="de-DE" baseline="0" dirty="0" smtClean="0"/>
+            <a:endParaRPr lang="de-DE" baseline="0" dirty="0"/>
+          </a:p>
+          <a:p>
+            <a:r>
+              <a:rPr lang="de-DE" baseline="0" dirty="0"/>
               <a:t>Python ist interpretiert, d.h. der Text aus der Python Datei wird genau auf dem Rechner in Maschinenbefehle übersetzt, der diese Befehle dann auch ausführt. Das ist etwas langsamer als bei </a:t>
             </a:r>
             <a:r>
-              <a:rPr lang="de-DE" baseline="0" dirty="0" err="1" smtClean="0"/>
+              <a:rPr lang="de-DE" baseline="0" dirty="0" err="1"/>
               <a:t>compilierten</a:t>
             </a:r>
             <a:r>
-              <a:rPr lang="de-DE" baseline="0" dirty="0" smtClean="0"/>
+              <a:rPr lang="de-DE" baseline="0" dirty="0"/>
               <a:t> Sprachen, wo dieser Prozess vom und beim Hersteller der Software geschieht. Dafür ist dieser Ansatz plattformunabhängig, d.h. man muss eben nicht vorher wissen, welcher Prozessor zugrunde liegt.</a:t>
             </a:r>
             <a:endParaRPr lang="de-DE" dirty="0"/>
@@ -6146,35 +6135,35 @@
           <a:lstStyle/>
           <a:p>
             <a:r>
-              <a:rPr lang="de-DE" dirty="0" smtClean="0"/>
+              <a:rPr lang="de-DE" dirty="0"/>
               <a:t>Der Name Python geht auf Monty Python zurück und nicht auf die Riesenschlange. Dennoch hat</a:t>
             </a:r>
             <a:r>
-              <a:rPr lang="de-DE" baseline="0" dirty="0" smtClean="0"/>
+              <a:rPr lang="de-DE" baseline="0" dirty="0"/>
               <a:t> sich das Python Logo mit den beiden stilisierten Schlangen durchgesetzt.</a:t>
             </a:r>
-            <a:endParaRPr lang="de-DE" dirty="0" smtClean="0"/>
-          </a:p>
-          <a:p>
-            <a:endParaRPr lang="de-DE" dirty="0" smtClean="0"/>
-          </a:p>
-          <a:p>
-            <a:r>
-              <a:rPr lang="de-DE" dirty="0" smtClean="0"/>
+            <a:endParaRPr lang="de-DE" dirty="0"/>
+          </a:p>
+          <a:p>
+            <a:endParaRPr lang="de-DE" dirty="0"/>
+          </a:p>
+          <a:p>
+            <a:r>
+              <a:rPr lang="de-DE" dirty="0"/>
               <a:t>Bild: https://en.wikipedia.org/wiki/Monty_Python</a:t>
             </a:r>
           </a:p>
           <a:p>
             <a:r>
-              <a:rPr lang="de-DE" dirty="0" smtClean="0"/>
+              <a:rPr lang="de-DE" dirty="0"/>
               <a:t>Bild:</a:t>
             </a:r>
             <a:r>
-              <a:rPr lang="de-DE" baseline="0" dirty="0" smtClean="0"/>
+              <a:rPr lang="de-DE" baseline="0" dirty="0"/>
               <a:t> https://en.wikipedia.org/wiki/Python_(genus)#/media/File:Spider_Morph_Ball_Python.png, CC-BY-SA 3.0 </a:t>
             </a:r>
             <a:r>
-              <a:rPr lang="de-DE" baseline="0" dirty="0" err="1" smtClean="0"/>
+              <a:rPr lang="de-DE" baseline="0" dirty="0" err="1"/>
               <a:t>WingedWolfPsion</a:t>
             </a:r>
             <a:endParaRPr lang="de-DE" dirty="0"/>
@@ -6263,19 +6252,19 @@
           <a:lstStyle/>
           <a:p>
             <a:r>
-              <a:rPr lang="de-DE" dirty="0" smtClean="0"/>
+              <a:rPr lang="de-DE" dirty="0"/>
               <a:t>Python ist bei</a:t>
             </a:r>
             <a:r>
-              <a:rPr lang="de-DE" baseline="0" dirty="0" smtClean="0"/>
+              <a:rPr lang="de-DE" baseline="0" dirty="0"/>
               <a:t> </a:t>
             </a:r>
             <a:r>
-              <a:rPr lang="de-DE" baseline="0" dirty="0" err="1" smtClean="0"/>
+              <a:rPr lang="de-DE" baseline="0" dirty="0" err="1"/>
               <a:t>Raspbian</a:t>
             </a:r>
             <a:r>
-              <a:rPr lang="de-DE" baseline="0" dirty="0" smtClean="0"/>
+              <a:rPr lang="de-DE" baseline="0" dirty="0"/>
               <a:t> bereits vorinstalliert. Im Menü seht ihr zwei Programmierumgebungen für die beiden Versionen Python 2 und Python 3.</a:t>
             </a:r>
             <a:endParaRPr lang="de-DE" dirty="0"/>
@@ -6364,16 +6353,15 @@
           <a:lstStyle/>
           <a:p>
             <a:r>
-              <a:rPr lang="de-DE" dirty="0" smtClean="0"/>
+              <a:rPr lang="de-DE" dirty="0"/>
               <a:t>Bei Windows wird Python nicht standardmäßig mitgeliefert.</a:t>
             </a:r>
           </a:p>
           <a:p>
             <a:r>
-              <a:rPr lang="de-DE" dirty="0" smtClean="0"/>
+              <a:rPr lang="de-DE" dirty="0"/>
               <a:t>Man kann es aber kostenlos herunterladen und installieren.</a:t>
             </a:r>
-            <a:endParaRPr lang="de-DE" dirty="0"/>
           </a:p>
         </p:txBody>
       </p:sp>
@@ -6459,33 +6447,33 @@
           <a:lstStyle/>
           <a:p>
             <a:r>
-              <a:rPr lang="de-DE" dirty="0" smtClean="0"/>
+              <a:rPr lang="de-DE" dirty="0"/>
               <a:t>Das „nackte“ Python bringt kaum Bibliotheken mit.</a:t>
             </a:r>
           </a:p>
           <a:p>
             <a:r>
-              <a:rPr lang="de-DE" dirty="0" smtClean="0"/>
+              <a:rPr lang="de-DE" dirty="0"/>
               <a:t>Es gibt aber Menschen,</a:t>
             </a:r>
             <a:r>
-              <a:rPr lang="de-DE" baseline="0" dirty="0" smtClean="0"/>
+              <a:rPr lang="de-DE" baseline="0" dirty="0"/>
               <a:t> die haben Python gleich mit einer großen Anzahl an </a:t>
             </a:r>
             <a:r>
-              <a:rPr lang="de-DE" baseline="0" dirty="0" err="1" smtClean="0"/>
+              <a:rPr lang="de-DE" baseline="0" dirty="0" err="1"/>
               <a:t>Bbliotheken</a:t>
             </a:r>
             <a:r>
-              <a:rPr lang="de-DE" baseline="0" dirty="0" smtClean="0"/>
+              <a:rPr lang="de-DE" baseline="0" dirty="0"/>
               <a:t> ausgestattet und bieten es unter dem Namen „</a:t>
             </a:r>
             <a:r>
-              <a:rPr lang="de-DE" baseline="0" dirty="0" err="1" smtClean="0"/>
+              <a:rPr lang="de-DE" baseline="0" dirty="0" err="1"/>
               <a:t>Anaconda</a:t>
             </a:r>
             <a:r>
-              <a:rPr lang="de-DE" baseline="0" dirty="0" smtClean="0"/>
+              <a:rPr lang="de-DE" baseline="0" dirty="0"/>
               <a:t>“ (in Anspielung an die Schlange) ebenfalls kostenlos zum Download an.</a:t>
             </a:r>
             <a:endParaRPr lang="de-DE" dirty="0"/>
@@ -6575,7 +6563,7 @@
           </a:lstStyle>
           <a:p>
             <a:r>
-              <a:rPr lang="de-DE" smtClean="0"/>
+              <a:rPr lang="de-DE"/>
               <a:t>Titelmasterformat durch Klicken bearbeiten</a:t>
             </a:r>
             <a:endParaRPr lang="de-DE" dirty="0"/>
@@ -6644,7 +6632,7 @@
           </a:lstStyle>
           <a:p>
             <a:r>
-              <a:rPr lang="de-DE" smtClean="0"/>
+              <a:rPr lang="de-DE"/>
               <a:t>Formatvorlage des Untertitelmasters durch Klicken bearbeiten</a:t>
             </a:r>
             <a:endParaRPr lang="de-DE" dirty="0"/>
@@ -6668,7 +6656,7 @@
           <a:p>
             <a:fld id="{B629FF5D-C1A5-48C8-8545-07B501EE72D4}" type="datetime1">
               <a:rPr lang="de-DE" smtClean="0"/>
-              <a:t>20.03.2019</a:t>
+              <a:t>12.03.2020</a:t>
             </a:fld>
             <a:endParaRPr lang="de-DE"/>
           </a:p>
@@ -6690,10 +6678,9 @@
           <a:lstStyle/>
           <a:p>
             <a:r>
-              <a:rPr lang="de-DE" smtClean="0"/>
+              <a:rPr lang="de-DE"/>
               <a:t>Python Einführung</a:t>
             </a:r>
-            <a:endParaRPr lang="de-DE"/>
           </a:p>
         </p:txBody>
       </p:sp>
@@ -6730,13 +6717,6 @@
   <p:clrMapOvr>
     <a:masterClrMapping/>
   </p:clrMapOvr>
-  <p:timing>
-    <p:tnLst>
-      <p:par>
-        <p:cTn id="1" dur="indefinite" restart="never" nodeType="tmRoot"/>
-      </p:par>
-    </p:tnLst>
-  </p:timing>
 </p:sldLayout>
 </file>
 
@@ -6777,10 +6757,9 @@
           </a:lstStyle>
           <a:p>
             <a:r>
-              <a:rPr lang="de-DE" dirty="0" smtClean="0"/>
+              <a:rPr lang="de-DE" dirty="0"/>
               <a:t>Zusammenfassung</a:t>
             </a:r>
-            <a:endParaRPr lang="de-DE" dirty="0"/>
           </a:p>
         </p:txBody>
       </p:sp>
@@ -6801,38 +6780,37 @@
           <a:p>
             <a:pPr lvl="0"/>
             <a:r>
-              <a:rPr lang="de-DE" smtClean="0"/>
+              <a:rPr lang="de-DE"/>
               <a:t>Formatvorlagen des Textmasters bearbeiten</a:t>
             </a:r>
           </a:p>
           <a:p>
             <a:pPr lvl="1"/>
             <a:r>
-              <a:rPr lang="de-DE" smtClean="0"/>
+              <a:rPr lang="de-DE"/>
               <a:t>Zweite Ebene</a:t>
             </a:r>
           </a:p>
           <a:p>
             <a:pPr lvl="2"/>
             <a:r>
-              <a:rPr lang="de-DE" smtClean="0"/>
+              <a:rPr lang="de-DE"/>
               <a:t>Dritte Ebene</a:t>
             </a:r>
           </a:p>
           <a:p>
             <a:pPr lvl="3"/>
             <a:r>
-              <a:rPr lang="de-DE" smtClean="0"/>
+              <a:rPr lang="de-DE"/>
               <a:t>Vierte Ebene</a:t>
             </a:r>
           </a:p>
           <a:p>
             <a:pPr lvl="4"/>
             <a:r>
-              <a:rPr lang="de-DE" smtClean="0"/>
+              <a:rPr lang="de-DE"/>
               <a:t>Fünfte Ebene</a:t>
             </a:r>
-            <a:endParaRPr lang="de-DE"/>
           </a:p>
         </p:txBody>
       </p:sp>
@@ -6853,7 +6831,7 @@
           <a:p>
             <a:fld id="{8C4C0ABC-76E8-4FF4-86A8-DEC3D511F3B2}" type="datetime1">
               <a:rPr lang="de-DE" smtClean="0"/>
-              <a:t>20.03.2019</a:t>
+              <a:t>12.03.2020</a:t>
             </a:fld>
             <a:endParaRPr lang="de-DE"/>
           </a:p>
@@ -6875,10 +6853,9 @@
           <a:lstStyle/>
           <a:p>
             <a:r>
-              <a:rPr lang="de-DE" smtClean="0"/>
+              <a:rPr lang="de-DE"/>
               <a:t>Python Einführung</a:t>
             </a:r>
-            <a:endParaRPr lang="de-DE"/>
           </a:p>
         </p:txBody>
       </p:sp>
@@ -6939,13 +6916,6 @@
   <p:clrMapOvr>
     <a:masterClrMapping/>
   </p:clrMapOvr>
-  <p:timing>
-    <p:tnLst>
-      <p:par>
-        <p:cTn id="1" dur="indefinite" restart="never" nodeType="tmRoot"/>
-      </p:par>
-    </p:tnLst>
-  </p:timing>
 </p:sldLayout>
 </file>
 
@@ -6986,10 +6956,9 @@
           </a:lstStyle>
           <a:p>
             <a:r>
-              <a:rPr lang="de-DE" dirty="0" smtClean="0"/>
+              <a:rPr lang="de-DE" dirty="0"/>
               <a:t>Fragen</a:t>
             </a:r>
-            <a:endParaRPr lang="de-DE" dirty="0"/>
           </a:p>
         </p:txBody>
       </p:sp>
@@ -7010,7 +6979,7 @@
           <a:p>
             <a:fld id="{E187AA6A-184D-40F7-A482-E244A841FFB7}" type="datetime1">
               <a:rPr lang="de-DE" smtClean="0"/>
-              <a:t>20.03.2019</a:t>
+              <a:t>12.03.2020</a:t>
             </a:fld>
             <a:endParaRPr lang="de-DE"/>
           </a:p>
@@ -7032,10 +7001,9 @@
           <a:lstStyle/>
           <a:p>
             <a:r>
-              <a:rPr lang="de-DE" smtClean="0"/>
+              <a:rPr lang="de-DE"/>
               <a:t>Python Einführung</a:t>
             </a:r>
-            <a:endParaRPr lang="de-DE"/>
           </a:p>
         </p:txBody>
       </p:sp>
@@ -7096,13 +7064,6 @@
   <p:clrMapOvr>
     <a:masterClrMapping/>
   </p:clrMapOvr>
-  <p:timing>
-    <p:tnLst>
-      <p:par>
-        <p:cTn id="1" dur="indefinite" restart="never" nodeType="tmRoot"/>
-      </p:par>
-    </p:tnLst>
-  </p:timing>
 </p:sldLayout>
 </file>
 
@@ -7139,10 +7100,9 @@
           <a:lstStyle/>
           <a:p>
             <a:r>
-              <a:rPr lang="de-DE" smtClean="0"/>
+              <a:rPr lang="de-DE"/>
               <a:t>Titelmasterformat durch Klicken bearbeiten</a:t>
             </a:r>
-            <a:endParaRPr lang="de-DE"/>
           </a:p>
         </p:txBody>
       </p:sp>
@@ -7168,38 +7128,37 @@
           <a:p>
             <a:pPr lvl="0"/>
             <a:r>
-              <a:rPr lang="de-DE" smtClean="0"/>
+              <a:rPr lang="de-DE"/>
               <a:t>Formatvorlagen des Textmasters bearbeiten</a:t>
             </a:r>
           </a:p>
           <a:p>
             <a:pPr lvl="1"/>
             <a:r>
-              <a:rPr lang="de-DE" smtClean="0"/>
+              <a:rPr lang="de-DE"/>
               <a:t>Zweite Ebene</a:t>
             </a:r>
           </a:p>
           <a:p>
             <a:pPr lvl="2"/>
             <a:r>
-              <a:rPr lang="de-DE" smtClean="0"/>
+              <a:rPr lang="de-DE"/>
               <a:t>Dritte Ebene</a:t>
             </a:r>
           </a:p>
           <a:p>
             <a:pPr lvl="3"/>
             <a:r>
-              <a:rPr lang="de-DE" smtClean="0"/>
+              <a:rPr lang="de-DE"/>
               <a:t>Vierte Ebene</a:t>
             </a:r>
           </a:p>
           <a:p>
             <a:pPr lvl="4"/>
             <a:r>
-              <a:rPr lang="de-DE" smtClean="0"/>
+              <a:rPr lang="de-DE"/>
               <a:t>Fünfte Ebene</a:t>
             </a:r>
-            <a:endParaRPr lang="de-DE"/>
           </a:p>
         </p:txBody>
       </p:sp>
@@ -7225,38 +7184,37 @@
           <a:p>
             <a:pPr lvl="0"/>
             <a:r>
-              <a:rPr lang="de-DE" smtClean="0"/>
+              <a:rPr lang="de-DE"/>
               <a:t>Formatvorlagen des Textmasters bearbeiten</a:t>
             </a:r>
           </a:p>
           <a:p>
             <a:pPr lvl="1"/>
             <a:r>
-              <a:rPr lang="de-DE" smtClean="0"/>
+              <a:rPr lang="de-DE"/>
               <a:t>Zweite Ebene</a:t>
             </a:r>
           </a:p>
           <a:p>
             <a:pPr lvl="2"/>
             <a:r>
-              <a:rPr lang="de-DE" smtClean="0"/>
+              <a:rPr lang="de-DE"/>
               <a:t>Dritte Ebene</a:t>
             </a:r>
           </a:p>
           <a:p>
             <a:pPr lvl="3"/>
             <a:r>
-              <a:rPr lang="de-DE" smtClean="0"/>
+              <a:rPr lang="de-DE"/>
               <a:t>Vierte Ebene</a:t>
             </a:r>
           </a:p>
           <a:p>
             <a:pPr lvl="4"/>
             <a:r>
-              <a:rPr lang="de-DE" smtClean="0"/>
+              <a:rPr lang="de-DE"/>
               <a:t>Fünfte Ebene</a:t>
             </a:r>
-            <a:endParaRPr lang="de-DE"/>
           </a:p>
         </p:txBody>
       </p:sp>
@@ -7277,7 +7235,7 @@
           <a:p>
             <a:fld id="{EF4D3471-921C-4F2B-95F2-45CF9F80E55E}" type="datetime1">
               <a:rPr lang="de-DE" smtClean="0"/>
-              <a:t>20.03.2019</a:t>
+              <a:t>12.03.2020</a:t>
             </a:fld>
             <a:endParaRPr lang="de-DE"/>
           </a:p>
@@ -7299,10 +7257,9 @@
           <a:lstStyle/>
           <a:p>
             <a:r>
-              <a:rPr lang="de-DE" smtClean="0"/>
+              <a:rPr lang="de-DE"/>
               <a:t>Python Einführung</a:t>
             </a:r>
-            <a:endParaRPr lang="de-DE"/>
           </a:p>
         </p:txBody>
       </p:sp>
@@ -7339,13 +7296,6 @@
   <p:clrMapOvr>
     <a:masterClrMapping/>
   </p:clrMapOvr>
-  <p:timing>
-    <p:tnLst>
-      <p:par>
-        <p:cTn id="1" dur="indefinite" restart="never" nodeType="tmRoot"/>
-      </p:par>
-    </p:tnLst>
-  </p:timing>
 </p:sldLayout>
 </file>
 
@@ -7382,10 +7332,9 @@
           <a:lstStyle/>
           <a:p>
             <a:r>
-              <a:rPr lang="de-DE" smtClean="0"/>
+              <a:rPr lang="de-DE"/>
               <a:t>Titelmasterformat durch Klicken bearbeiten</a:t>
             </a:r>
-            <a:endParaRPr lang="de-DE"/>
           </a:p>
         </p:txBody>
       </p:sp>
@@ -7406,38 +7355,37 @@
           <a:p>
             <a:pPr lvl="0"/>
             <a:r>
-              <a:rPr lang="de-DE" smtClean="0"/>
+              <a:rPr lang="de-DE"/>
               <a:t>Formatvorlagen des Textmasters bearbeiten</a:t>
             </a:r>
           </a:p>
           <a:p>
             <a:pPr lvl="1"/>
             <a:r>
-              <a:rPr lang="de-DE" smtClean="0"/>
+              <a:rPr lang="de-DE"/>
               <a:t>Zweite Ebene</a:t>
             </a:r>
           </a:p>
           <a:p>
             <a:pPr lvl="2"/>
             <a:r>
-              <a:rPr lang="de-DE" smtClean="0"/>
+              <a:rPr lang="de-DE"/>
               <a:t>Dritte Ebene</a:t>
             </a:r>
           </a:p>
           <a:p>
             <a:pPr lvl="3"/>
             <a:r>
-              <a:rPr lang="de-DE" smtClean="0"/>
+              <a:rPr lang="de-DE"/>
               <a:t>Vierte Ebene</a:t>
             </a:r>
           </a:p>
           <a:p>
             <a:pPr lvl="4"/>
             <a:r>
-              <a:rPr lang="de-DE" smtClean="0"/>
+              <a:rPr lang="de-DE"/>
               <a:t>Fünfte Ebene</a:t>
             </a:r>
-            <a:endParaRPr lang="de-DE"/>
           </a:p>
         </p:txBody>
       </p:sp>
@@ -7458,7 +7406,7 @@
           <a:p>
             <a:fld id="{98DD8D00-4265-43DF-9C4A-DE9BEC1EA000}" type="datetime1">
               <a:rPr lang="de-DE" smtClean="0"/>
-              <a:t>20.03.2019</a:t>
+              <a:t>12.03.2020</a:t>
             </a:fld>
             <a:endParaRPr lang="de-DE"/>
           </a:p>
@@ -7480,10 +7428,9 @@
           <a:lstStyle/>
           <a:p>
             <a:r>
-              <a:rPr lang="de-DE" smtClean="0"/>
+              <a:rPr lang="de-DE"/>
               <a:t>Python Einführung</a:t>
             </a:r>
-            <a:endParaRPr lang="de-DE"/>
           </a:p>
         </p:txBody>
       </p:sp>
@@ -7520,13 +7467,6 @@
   <p:clrMapOvr>
     <a:masterClrMapping/>
   </p:clrMapOvr>
-  <p:timing>
-    <p:tnLst>
-      <p:par>
-        <p:cTn id="1" dur="indefinite" restart="never" nodeType="tmRoot"/>
-      </p:par>
-    </p:tnLst>
-  </p:timing>
 </p:sldLayout>
 </file>
 
@@ -7563,10 +7503,9 @@
           <a:lstStyle/>
           <a:p>
             <a:r>
-              <a:rPr lang="de-DE" smtClean="0"/>
+              <a:rPr lang="de-DE"/>
               <a:t>Titelmasterformat durch Klicken bearbeiten</a:t>
             </a:r>
-            <a:endParaRPr lang="de-DE"/>
           </a:p>
         </p:txBody>
       </p:sp>
@@ -7587,7 +7526,7 @@
           <a:p>
             <a:fld id="{B2FF20D5-ABA5-4FD3-B0E4-58D845B14A52}" type="datetime1">
               <a:rPr lang="de-DE" smtClean="0"/>
-              <a:t>20.03.2019</a:t>
+              <a:t>12.03.2020</a:t>
             </a:fld>
             <a:endParaRPr lang="de-DE"/>
           </a:p>
@@ -7609,10 +7548,9 @@
           <a:lstStyle/>
           <a:p>
             <a:r>
-              <a:rPr lang="de-DE" smtClean="0"/>
+              <a:rPr lang="de-DE"/>
               <a:t>Python Einführung</a:t>
             </a:r>
-            <a:endParaRPr lang="de-DE"/>
           </a:p>
         </p:txBody>
       </p:sp>
@@ -7649,13 +7587,6 @@
   <p:clrMapOvr>
     <a:masterClrMapping/>
   </p:clrMapOvr>
-  <p:timing>
-    <p:tnLst>
-      <p:par>
-        <p:cTn id="1" dur="indefinite" restart="never" nodeType="tmRoot"/>
-      </p:par>
-    </p:tnLst>
-  </p:timing>
 </p:sldLayout>
 </file>
 
@@ -7693,7 +7624,7 @@
           <a:p>
             <a:fld id="{1BFEE2EF-8B70-47BE-8C03-E08F3A67F2E6}" type="datetime1">
               <a:rPr lang="de-DE" smtClean="0"/>
-              <a:t>20.03.2019</a:t>
+              <a:t>12.03.2020</a:t>
             </a:fld>
             <a:endParaRPr lang="de-DE"/>
           </a:p>
@@ -7715,10 +7646,9 @@
           <a:lstStyle/>
           <a:p>
             <a:r>
-              <a:rPr lang="de-DE" smtClean="0"/>
+              <a:rPr lang="de-DE"/>
               <a:t>Python Einführung</a:t>
             </a:r>
-            <a:endParaRPr lang="de-DE"/>
           </a:p>
         </p:txBody>
       </p:sp>
@@ -7755,13 +7685,6 @@
   <p:clrMapOvr>
     <a:masterClrMapping/>
   </p:clrMapOvr>
-  <p:timing>
-    <p:tnLst>
-      <p:par>
-        <p:cTn id="1" dur="indefinite" restart="never" nodeType="tmRoot"/>
-      </p:par>
-    </p:tnLst>
-  </p:timing>
 </p:sldLayout>
 </file>
 
@@ -7802,10 +7725,9 @@
           </a:lstStyle>
           <a:p>
             <a:r>
-              <a:rPr lang="de-DE" dirty="0" smtClean="0"/>
+              <a:rPr lang="de-DE" dirty="0"/>
               <a:t>Andere Medien</a:t>
             </a:r>
-            <a:endParaRPr lang="de-DE" dirty="0"/>
           </a:p>
         </p:txBody>
       </p:sp>
@@ -7826,7 +7748,7 @@
           <a:p>
             <a:fld id="{CDF945CE-5888-4C05-BE25-1B858D440F1B}" type="datetime1">
               <a:rPr lang="de-DE" smtClean="0"/>
-              <a:t>20.03.2019</a:t>
+              <a:t>12.03.2020</a:t>
             </a:fld>
             <a:endParaRPr lang="de-DE"/>
           </a:p>
@@ -7848,10 +7770,9 @@
           <a:lstStyle/>
           <a:p>
             <a:r>
-              <a:rPr lang="de-DE" smtClean="0"/>
+              <a:rPr lang="de-DE"/>
               <a:t>Python Einführung</a:t>
             </a:r>
-            <a:endParaRPr lang="de-DE"/>
           </a:p>
         </p:txBody>
       </p:sp>
@@ -7912,13 +7833,6 @@
   <p:clrMapOvr>
     <a:masterClrMapping/>
   </p:clrMapOvr>
-  <p:timing>
-    <p:tnLst>
-      <p:par>
-        <p:cTn id="1" dur="indefinite" restart="never" nodeType="tmRoot"/>
-      </p:par>
-    </p:tnLst>
-  </p:timing>
 </p:sldLayout>
 </file>
 
@@ -7985,10 +7899,9 @@
           <a:lstStyle/>
           <a:p>
             <a:r>
-              <a:rPr lang="de-DE" smtClean="0"/>
+              <a:rPr lang="de-DE"/>
               <a:t>Titelmasterformat durch Klicken bearbeiten</a:t>
             </a:r>
-            <a:endParaRPr lang="de-DE"/>
           </a:p>
         </p:txBody>
       </p:sp>
@@ -8009,7 +7922,7 @@
           <a:p>
             <a:fld id="{A82F6A88-870F-42E1-80C8-044E8549C5CE}" type="datetime1">
               <a:rPr lang="de-DE" smtClean="0"/>
-              <a:t>20.03.2019</a:t>
+              <a:t>12.03.2020</a:t>
             </a:fld>
             <a:endParaRPr lang="de-DE" dirty="0"/>
           </a:p>
@@ -8031,7 +7944,7 @@
           <a:lstStyle/>
           <a:p>
             <a:r>
-              <a:rPr lang="de-DE" smtClean="0"/>
+              <a:rPr lang="de-DE"/>
               <a:t>Python Einführung</a:t>
             </a:r>
             <a:endParaRPr lang="de-DE" dirty="0"/>
@@ -8084,38 +7997,37 @@
           <a:p>
             <a:pPr lvl="0"/>
             <a:r>
-              <a:rPr lang="de-DE" smtClean="0"/>
+              <a:rPr lang="de-DE"/>
               <a:t>Formatvorlagen des Textmasters bearbeiten</a:t>
             </a:r>
           </a:p>
           <a:p>
             <a:pPr lvl="1"/>
             <a:r>
-              <a:rPr lang="de-DE" smtClean="0"/>
+              <a:rPr lang="de-DE"/>
               <a:t>Zweite Ebene</a:t>
             </a:r>
           </a:p>
           <a:p>
             <a:pPr lvl="2"/>
             <a:r>
-              <a:rPr lang="de-DE" smtClean="0"/>
+              <a:rPr lang="de-DE"/>
               <a:t>Dritte Ebene</a:t>
             </a:r>
           </a:p>
           <a:p>
             <a:pPr lvl="3"/>
             <a:r>
-              <a:rPr lang="de-DE" smtClean="0"/>
+              <a:rPr lang="de-DE"/>
               <a:t>Vierte Ebene</a:t>
             </a:r>
           </a:p>
           <a:p>
             <a:pPr lvl="4"/>
             <a:r>
-              <a:rPr lang="de-DE" smtClean="0"/>
+              <a:rPr lang="de-DE"/>
               <a:t>Fünfte Ebene</a:t>
             </a:r>
-            <a:endParaRPr lang="de-DE"/>
           </a:p>
         </p:txBody>
       </p:sp>
@@ -8129,13 +8041,6 @@
   <p:clrMapOvr>
     <a:masterClrMapping/>
   </p:clrMapOvr>
-  <p:timing>
-    <p:tnLst>
-      <p:par>
-        <p:cTn id="1" dur="indefinite" restart="never" nodeType="tmRoot"/>
-      </p:par>
-    </p:tnLst>
-  </p:timing>
 </p:sldLayout>
 </file>
 
@@ -8176,10 +8081,9 @@
           </a:lstStyle>
           <a:p>
             <a:r>
-              <a:rPr lang="de-DE" dirty="0" smtClean="0"/>
+              <a:rPr lang="de-DE" dirty="0"/>
               <a:t>Pause</a:t>
             </a:r>
-            <a:endParaRPr lang="de-DE" dirty="0"/>
           </a:p>
         </p:txBody>
       </p:sp>
@@ -8200,7 +8104,7 @@
           <a:p>
             <a:fld id="{93E9CE4B-3359-4535-8239-A69CF3DCEA4F}" type="datetime1">
               <a:rPr lang="de-DE" smtClean="0"/>
-              <a:t>20.03.2019</a:t>
+              <a:t>12.03.2020</a:t>
             </a:fld>
             <a:endParaRPr lang="de-DE"/>
           </a:p>
@@ -8222,10 +8126,9 @@
           <a:lstStyle/>
           <a:p>
             <a:r>
-              <a:rPr lang="de-DE" smtClean="0"/>
+              <a:rPr lang="de-DE"/>
               <a:t>Python Einführung</a:t>
             </a:r>
-            <a:endParaRPr lang="de-DE"/>
           </a:p>
         </p:txBody>
       </p:sp>
@@ -8286,13 +8189,6 @@
   <p:clrMapOvr>
     <a:masterClrMapping/>
   </p:clrMapOvr>
-  <p:timing>
-    <p:tnLst>
-      <p:par>
-        <p:cTn id="1" dur="indefinite" restart="never" nodeType="tmRoot"/>
-      </p:par>
-    </p:tnLst>
-  </p:timing>
 </p:sldLayout>
 </file>
 
@@ -8333,10 +8229,9 @@
           </a:lstStyle>
           <a:p>
             <a:r>
-              <a:rPr lang="de-DE" dirty="0" smtClean="0"/>
+              <a:rPr lang="de-DE" dirty="0"/>
               <a:t>Agenda</a:t>
             </a:r>
-            <a:endParaRPr lang="de-DE" dirty="0"/>
           </a:p>
         </p:txBody>
       </p:sp>
@@ -8357,38 +8252,37 @@
           <a:p>
             <a:pPr lvl="0"/>
             <a:r>
-              <a:rPr lang="de-DE" smtClean="0"/>
+              <a:rPr lang="de-DE"/>
               <a:t>Formatvorlagen des Textmasters bearbeiten</a:t>
             </a:r>
           </a:p>
           <a:p>
             <a:pPr lvl="1"/>
             <a:r>
-              <a:rPr lang="de-DE" smtClean="0"/>
+              <a:rPr lang="de-DE"/>
               <a:t>Zweite Ebene</a:t>
             </a:r>
           </a:p>
           <a:p>
             <a:pPr lvl="2"/>
             <a:r>
-              <a:rPr lang="de-DE" smtClean="0"/>
+              <a:rPr lang="de-DE"/>
               <a:t>Dritte Ebene</a:t>
             </a:r>
           </a:p>
           <a:p>
             <a:pPr lvl="3"/>
             <a:r>
-              <a:rPr lang="de-DE" smtClean="0"/>
+              <a:rPr lang="de-DE"/>
               <a:t>Vierte Ebene</a:t>
             </a:r>
           </a:p>
           <a:p>
             <a:pPr lvl="4"/>
             <a:r>
-              <a:rPr lang="de-DE" smtClean="0"/>
+              <a:rPr lang="de-DE"/>
               <a:t>Fünfte Ebene</a:t>
             </a:r>
-            <a:endParaRPr lang="de-DE"/>
           </a:p>
         </p:txBody>
       </p:sp>
@@ -8409,7 +8303,7 @@
           <a:p>
             <a:fld id="{35926458-0D16-4690-8BEF-D69D90335FEC}" type="datetime1">
               <a:rPr lang="de-DE" smtClean="0"/>
-              <a:t>20.03.2019</a:t>
+              <a:t>12.03.2020</a:t>
             </a:fld>
             <a:endParaRPr lang="de-DE"/>
           </a:p>
@@ -8431,10 +8325,9 @@
           <a:lstStyle/>
           <a:p>
             <a:r>
-              <a:rPr lang="de-DE" smtClean="0"/>
+              <a:rPr lang="de-DE"/>
               <a:t>Python Einführung</a:t>
             </a:r>
-            <a:endParaRPr lang="de-DE"/>
           </a:p>
         </p:txBody>
       </p:sp>
@@ -8495,13 +8388,6 @@
   <p:clrMapOvr>
     <a:masterClrMapping/>
   </p:clrMapOvr>
-  <p:timing>
-    <p:tnLst>
-      <p:par>
-        <p:cTn id="1" dur="indefinite" restart="never" nodeType="tmRoot"/>
-      </p:par>
-    </p:tnLst>
-  </p:timing>
 </p:sldLayout>
 </file>
 
@@ -8728,10 +8614,9 @@
           <a:lstStyle/>
           <a:p>
             <a:r>
-              <a:rPr lang="de-DE" smtClean="0"/>
+              <a:rPr lang="de-DE"/>
               <a:t>Titelmasterformat durch Klicken bearbeiten</a:t>
             </a:r>
-            <a:endParaRPr lang="de-DE"/>
           </a:p>
         </p:txBody>
       </p:sp>
@@ -8762,38 +8647,37 @@
           <a:p>
             <a:pPr lvl="0"/>
             <a:r>
-              <a:rPr lang="de-DE" dirty="0" smtClean="0"/>
+              <a:rPr lang="de-DE" dirty="0"/>
               <a:t>Formatvorlagen des Textmasters bearbeiten</a:t>
             </a:r>
           </a:p>
           <a:p>
             <a:pPr lvl="1"/>
             <a:r>
-              <a:rPr lang="de-DE" dirty="0" smtClean="0"/>
+              <a:rPr lang="de-DE" dirty="0"/>
               <a:t>Zweite Ebene</a:t>
             </a:r>
           </a:p>
           <a:p>
             <a:pPr lvl="2"/>
             <a:r>
-              <a:rPr lang="de-DE" dirty="0" smtClean="0"/>
+              <a:rPr lang="de-DE" dirty="0"/>
               <a:t>Dritte Ebene</a:t>
             </a:r>
           </a:p>
           <a:p>
             <a:pPr lvl="3"/>
             <a:r>
-              <a:rPr lang="de-DE" dirty="0" smtClean="0"/>
+              <a:rPr lang="de-DE" dirty="0"/>
               <a:t>Vierte Ebene</a:t>
             </a:r>
           </a:p>
           <a:p>
             <a:pPr lvl="4"/>
             <a:r>
-              <a:rPr lang="de-DE" dirty="0" smtClean="0"/>
+              <a:rPr lang="de-DE" dirty="0"/>
               <a:t>Fünfte Ebene</a:t>
             </a:r>
-            <a:endParaRPr lang="de-DE" dirty="0"/>
           </a:p>
         </p:txBody>
       </p:sp>
@@ -8834,7 +8718,7 @@
           <a:p>
             <a:fld id="{ED031EB9-BFFC-4756-816A-B229AB007552}" type="datetime1">
               <a:rPr lang="de-DE" smtClean="0"/>
-              <a:t>20.03.2019</a:t>
+              <a:t>12.03.2020</a:t>
             </a:fld>
             <a:endParaRPr lang="de-DE" dirty="0"/>
           </a:p>
@@ -8876,7 +8760,7 @@
           </a:lstStyle>
           <a:p>
             <a:r>
-              <a:rPr lang="de-DE" smtClean="0"/>
+              <a:rPr lang="de-DE"/>
               <a:t>Python Einführung</a:t>
             </a:r>
             <a:endParaRPr lang="de-DE" dirty="0"/>
@@ -8973,13 +8857,6 @@
   <p:sldLayoutIdLst>
     <p:sldLayoutId id="2147483649" r:id="rId1"/>
   </p:sldLayoutIdLst>
-  <p:timing>
-    <p:tnLst>
-      <p:par>
-        <p:cTn id="1" dur="indefinite" restart="never" nodeType="tmRoot"/>
-      </p:par>
-    </p:tnLst>
-  </p:timing>
   <p:hf hdr="0"/>
   <p:txStyles>
     <p:titleStyle>
@@ -9312,10 +9189,9 @@
           <a:lstStyle/>
           <a:p>
             <a:r>
-              <a:rPr lang="de-DE" dirty="0" smtClean="0"/>
+              <a:rPr lang="de-DE" dirty="0"/>
               <a:t>Titelmasterformat durch Klicken bearbeiten</a:t>
             </a:r>
-            <a:endParaRPr lang="de-DE" dirty="0"/>
           </a:p>
         </p:txBody>
       </p:sp>
@@ -9346,38 +9222,37 @@
           <a:p>
             <a:pPr lvl="0"/>
             <a:r>
-              <a:rPr lang="de-DE" dirty="0" smtClean="0"/>
+              <a:rPr lang="de-DE" dirty="0"/>
               <a:t>Formatvorlagen des Textmasters bearbeiten</a:t>
             </a:r>
           </a:p>
           <a:p>
             <a:pPr lvl="1"/>
             <a:r>
-              <a:rPr lang="de-DE" dirty="0" smtClean="0"/>
+              <a:rPr lang="de-DE" dirty="0"/>
               <a:t>Zweite Ebene</a:t>
             </a:r>
           </a:p>
           <a:p>
             <a:pPr lvl="2"/>
             <a:r>
-              <a:rPr lang="de-DE" dirty="0" smtClean="0"/>
+              <a:rPr lang="de-DE" dirty="0"/>
               <a:t>Dritte Ebene</a:t>
             </a:r>
           </a:p>
           <a:p>
             <a:pPr lvl="3"/>
             <a:r>
-              <a:rPr lang="de-DE" dirty="0" smtClean="0"/>
+              <a:rPr lang="de-DE" dirty="0"/>
               <a:t>Vierte Ebene</a:t>
             </a:r>
           </a:p>
           <a:p>
             <a:pPr lvl="4"/>
             <a:r>
-              <a:rPr lang="de-DE" dirty="0" smtClean="0"/>
+              <a:rPr lang="de-DE" dirty="0"/>
               <a:t>Fünfte Ebene</a:t>
             </a:r>
-            <a:endParaRPr lang="de-DE" dirty="0"/>
           </a:p>
         </p:txBody>
       </p:sp>
@@ -9418,7 +9293,7 @@
           <a:p>
             <a:fld id="{A82F6A88-870F-42E1-80C8-044E8549C5CE}" type="datetime1">
               <a:rPr lang="de-DE" smtClean="0"/>
-              <a:t>20.03.2019</a:t>
+              <a:t>12.03.2020</a:t>
             </a:fld>
             <a:endParaRPr lang="de-DE" dirty="0"/>
           </a:p>
@@ -9460,7 +9335,7 @@
           </a:lstStyle>
           <a:p>
             <a:r>
-              <a:rPr lang="de-DE" smtClean="0"/>
+              <a:rPr lang="de-DE"/>
               <a:t>Python Einführung</a:t>
             </a:r>
             <a:endParaRPr lang="de-DE" dirty="0"/>
@@ -9691,13 +9566,6 @@
     <p:sldLayoutId id="2147483663" r:id="rId9"/>
     <p:sldLayoutId id="2147483664" r:id="rId10"/>
   </p:sldLayoutIdLst>
-  <p:timing>
-    <p:tnLst>
-      <p:par>
-        <p:cTn id="1" dur="indefinite" restart="never" nodeType="tmRoot"/>
-      </p:par>
-    </p:tnLst>
-  </p:timing>
   <p:hf hdr="0"/>
   <p:txStyles>
     <p:titleStyle>
@@ -10015,10 +9883,9 @@
           <a:lstStyle/>
           <a:p>
             <a:r>
-              <a:rPr lang="de-DE" dirty="0" smtClean="0"/>
+              <a:rPr lang="de-DE" dirty="0"/>
               <a:t>Python Einführung</a:t>
             </a:r>
-            <a:endParaRPr lang="de-DE" dirty="0"/>
           </a:p>
         </p:txBody>
       </p:sp>
@@ -10058,7 +9925,7 @@
           <a:p>
             <a:fld id="{CE0EB4A9-3129-4D94-9276-6EFCF725FEB5}" type="datetime1">
               <a:rPr lang="de-DE" smtClean="0"/>
-              <a:t>20.03.2019</a:t>
+              <a:t>12.03.2020</a:t>
             </a:fld>
             <a:endParaRPr lang="de-DE"/>
           </a:p>
@@ -10080,10 +9947,9 @@
           <a:lstStyle/>
           <a:p>
             <a:r>
-              <a:rPr lang="de-DE" smtClean="0"/>
+              <a:rPr lang="de-DE"/>
               <a:t>Python Einführung</a:t>
             </a:r>
-            <a:endParaRPr lang="de-DE"/>
           </a:p>
         </p:txBody>
       </p:sp>
@@ -10120,21 +9986,6 @@
   <p:clrMapOvr>
     <a:masterClrMapping/>
   </p:clrMapOvr>
-  <mc:AlternateContent xmlns:mc="http://schemas.openxmlformats.org/markup-compatibility/2006" xmlns:p14="http://schemas.microsoft.com/office/powerpoint/2010/main">
-    <mc:Choice Requires="p14">
-      <p:transition p14:dur="0"/>
-    </mc:Choice>
-    <mc:Fallback xmlns="">
-      <p:transition/>
-    </mc:Fallback>
-  </mc:AlternateContent>
-  <p:timing>
-    <p:tnLst>
-      <p:par>
-        <p:cTn id="1" dur="indefinite" restart="never" nodeType="tmRoot"/>
-      </p:par>
-    </p:tnLst>
-  </p:timing>
 </p:sld>
 </file>
 
@@ -10173,18 +10024,14 @@
           <a:lstStyle/>
           <a:p>
             <a:r>
-              <a:rPr lang="de-DE" dirty="0" smtClean="0"/>
+              <a:rPr lang="de-DE" dirty="0"/>
               <a:t>Installation</a:t>
             </a:r>
-            <a:r>
-              <a:rPr lang="de-DE" dirty="0"/>
-              <a:t/>
-            </a:r>
             <a:br>
               <a:rPr lang="de-DE" dirty="0"/>
             </a:br>
             <a:r>
-              <a:rPr lang="de-DE" dirty="0" smtClean="0"/>
+              <a:rPr lang="de-DE" dirty="0"/>
               <a:t>Windows</a:t>
             </a:r>
             <a:endParaRPr lang="de-DE" sz="2800" b="1" dirty="0">
@@ -10227,7 +10074,7 @@
           <a:lstStyle/>
           <a:p>
             <a:r>
-              <a:rPr lang="de-DE" dirty="0" smtClean="0"/>
+              <a:rPr lang="de-DE" dirty="0"/>
               <a:t>Offizieller Download</a:t>
             </a:r>
           </a:p>
@@ -10235,13 +10082,8 @@
             <a:pPr lvl="1"/>
             <a:r>
               <a:rPr lang="de-DE" dirty="0"/>
-              <a:t>https://www.python.org/downloads</a:t>
-            </a:r>
-            <a:r>
-              <a:rPr lang="de-DE" dirty="0" smtClean="0"/>
-              <a:t>/</a:t>
-            </a:r>
-            <a:endParaRPr lang="de-DE" dirty="0"/>
+              <a:t>https://www.python.org/downloads/</a:t>
+            </a:r>
           </a:p>
         </p:txBody>
       </p:sp>
@@ -10262,7 +10104,7 @@
           <a:p>
             <a:fld id="{92A8BBDF-07DD-4D85-AA35-D770B117BEF8}" type="datetime1">
               <a:rPr lang="de-DE" smtClean="0"/>
-              <a:t>20.03.2019</a:t>
+              <a:t>12.03.2020</a:t>
             </a:fld>
             <a:endParaRPr lang="de-DE"/>
           </a:p>
@@ -10284,7 +10126,7 @@
           <a:lstStyle/>
           <a:p>
             <a:r>
-              <a:rPr lang="de-DE" smtClean="0"/>
+              <a:rPr lang="de-DE"/>
               <a:t>Python Einführung</a:t>
             </a:r>
             <a:endParaRPr lang="de-DE" dirty="0"/>
@@ -10365,21 +10207,6 @@
   <p:clrMapOvr>
     <a:masterClrMapping/>
   </p:clrMapOvr>
-  <mc:AlternateContent xmlns:mc="http://schemas.openxmlformats.org/markup-compatibility/2006" xmlns:p14="http://schemas.microsoft.com/office/powerpoint/2010/main">
-    <mc:Choice Requires="p14">
-      <p:transition p14:dur="0"/>
-    </mc:Choice>
-    <mc:Fallback xmlns="">
-      <p:transition/>
-    </mc:Fallback>
-  </mc:AlternateContent>
-  <p:timing>
-    <p:tnLst>
-      <p:par>
-        <p:cTn id="1" dur="indefinite" restart="never" nodeType="tmRoot"/>
-      </p:par>
-    </p:tnLst>
-  </p:timing>
 </p:sld>
 </file>
 
@@ -10418,18 +10245,14 @@
           <a:lstStyle/>
           <a:p>
             <a:r>
-              <a:rPr lang="de-DE" dirty="0" smtClean="0"/>
+              <a:rPr lang="de-DE" dirty="0"/>
               <a:t>Installation</a:t>
             </a:r>
-            <a:r>
-              <a:rPr lang="de-DE" dirty="0"/>
-              <a:t/>
-            </a:r>
             <a:br>
               <a:rPr lang="de-DE" dirty="0"/>
             </a:br>
             <a:r>
-              <a:rPr lang="de-DE" dirty="0" smtClean="0"/>
+              <a:rPr lang="de-DE" dirty="0"/>
               <a:t>Windows</a:t>
             </a:r>
             <a:endParaRPr lang="de-DE" sz="2800" b="1" dirty="0">
@@ -10472,7 +10295,7 @@
           <a:lstStyle/>
           <a:p>
             <a:r>
-              <a:rPr lang="de-DE" dirty="0" smtClean="0"/>
+              <a:rPr lang="de-DE" dirty="0"/>
               <a:t>Download mit großer Anzahl an Bibliotheken</a:t>
             </a:r>
           </a:p>
@@ -10502,7 +10325,7 @@
           <a:p>
             <a:fld id="{32A94186-FFAA-4919-B83F-24FAACFCEBBE}" type="datetime1">
               <a:rPr lang="de-DE" smtClean="0"/>
-              <a:t>20.03.2019</a:t>
+              <a:t>12.03.2020</a:t>
             </a:fld>
             <a:endParaRPr lang="de-DE"/>
           </a:p>
@@ -10524,7 +10347,7 @@
           <a:lstStyle/>
           <a:p>
             <a:r>
-              <a:rPr lang="de-DE" smtClean="0"/>
+              <a:rPr lang="de-DE"/>
               <a:t>Python Einführung</a:t>
             </a:r>
             <a:endParaRPr lang="de-DE" dirty="0"/>
@@ -10610,21 +10433,6 @@
   <p:clrMapOvr>
     <a:masterClrMapping/>
   </p:clrMapOvr>
-  <mc:AlternateContent xmlns:mc="http://schemas.openxmlformats.org/markup-compatibility/2006" xmlns:p14="http://schemas.microsoft.com/office/powerpoint/2010/main">
-    <mc:Choice Requires="p14">
-      <p:transition p14:dur="0"/>
-    </mc:Choice>
-    <mc:Fallback xmlns="">
-      <p:transition/>
-    </mc:Fallback>
-  </mc:AlternateContent>
-  <p:timing>
-    <p:tnLst>
-      <p:par>
-        <p:cTn id="1" dur="indefinite" restart="never" nodeType="tmRoot"/>
-      </p:par>
-    </p:tnLst>
-  </p:timing>
 </p:sld>
 </file>
 
@@ -10663,14 +10471,14 @@
           <a:lstStyle/>
           <a:p>
             <a:r>
-              <a:rPr lang="de-DE" dirty="0" smtClean="0"/>
+              <a:rPr lang="de-DE" dirty="0"/>
               <a:t>Entwicklungsumgebung</a:t>
             </a:r>
             <a:br>
-              <a:rPr lang="de-DE" dirty="0" smtClean="0"/>
+              <a:rPr lang="de-DE" dirty="0"/>
             </a:br>
             <a:r>
-              <a:rPr lang="de-DE" dirty="0" smtClean="0"/>
+              <a:rPr lang="de-DE" dirty="0"/>
               <a:t>allgemein</a:t>
             </a:r>
             <a:endParaRPr lang="de-DE" sz="2800" b="1" dirty="0">
@@ -10708,81 +10516,81 @@
           <a:lstStyle/>
           <a:p>
             <a:r>
-              <a:rPr lang="de-DE" dirty="0" smtClean="0"/>
+              <a:rPr lang="de-DE" dirty="0"/>
               <a:t>Programmieren - aber wie?</a:t>
             </a:r>
           </a:p>
           <a:p>
             <a:r>
-              <a:rPr lang="de-DE" sz="2400" dirty="0" smtClean="0"/>
+              <a:rPr lang="de-DE" sz="2400" dirty="0"/>
               <a:t>Benötigte Programme</a:t>
             </a:r>
           </a:p>
           <a:p>
             <a:pPr lvl="1"/>
             <a:r>
-              <a:rPr lang="de-DE" sz="2000" dirty="0" smtClean="0"/>
+              <a:rPr lang="de-DE" sz="2000" dirty="0"/>
               <a:t>Schreiben: Editor („Notepad“)</a:t>
             </a:r>
           </a:p>
           <a:p>
             <a:pPr lvl="2"/>
             <a:r>
-              <a:rPr lang="de-DE" sz="1800" dirty="0" smtClean="0"/>
+              <a:rPr lang="de-DE" sz="1800" dirty="0"/>
               <a:t>Farbliche Hervorhebung?</a:t>
             </a:r>
           </a:p>
           <a:p>
             <a:pPr lvl="2"/>
             <a:r>
-              <a:rPr lang="de-DE" sz="1800" dirty="0" smtClean="0"/>
+              <a:rPr lang="de-DE" sz="1800" dirty="0"/>
               <a:t>Liste von möglichen Befehlen?</a:t>
             </a:r>
           </a:p>
           <a:p>
             <a:pPr lvl="1"/>
             <a:r>
-              <a:rPr lang="de-DE" sz="2000" dirty="0" smtClean="0"/>
+              <a:rPr lang="de-DE" sz="2000" dirty="0"/>
               <a:t>Übersetzen: Compiler / Interpreter</a:t>
             </a:r>
           </a:p>
           <a:p>
             <a:pPr lvl="2"/>
             <a:r>
-              <a:rPr lang="de-DE" sz="1800" dirty="0" smtClean="0"/>
+              <a:rPr lang="de-DE" sz="1800" dirty="0"/>
               <a:t>Fehler finden?</a:t>
             </a:r>
           </a:p>
           <a:p>
             <a:pPr lvl="1"/>
             <a:r>
-              <a:rPr lang="de-DE" sz="2200" dirty="0" smtClean="0"/>
+              <a:rPr lang="de-DE" sz="2200" dirty="0"/>
               <a:t>Ausführen</a:t>
             </a:r>
           </a:p>
           <a:p>
             <a:pPr lvl="2"/>
             <a:r>
-              <a:rPr lang="de-DE" sz="1800" dirty="0" smtClean="0"/>
+              <a:rPr lang="de-DE" sz="1800" dirty="0"/>
               <a:t>Schrittweise Ausführung?</a:t>
             </a:r>
           </a:p>
           <a:p>
             <a:pPr lvl="2"/>
             <a:r>
-              <a:rPr lang="de-DE" sz="1800" dirty="0" smtClean="0"/>
+              <a:rPr lang="de-DE" sz="1800" dirty="0"/>
               <a:t>Variablen ansehen?</a:t>
             </a:r>
           </a:p>
           <a:p>
             <a:r>
-              <a:rPr lang="de-DE" sz="2600" dirty="0" smtClean="0"/>
+              <a:rPr lang="de-DE" sz="2600" dirty="0"/>
               <a:t>Lösung: IDE = Integrated Development Environment</a:t>
             </a:r>
           </a:p>
           <a:p>
             <a:pPr lvl="2"/>
-            <a:endParaRPr lang="de-DE" dirty="0" smtClean="0"/>
+            <a:endParaRPr lang="de-DE" dirty="0"/>
           </a:p>
         </p:txBody>
       </p:sp>
@@ -10803,7 +10611,7 @@
           <a:p>
             <a:fld id="{83468713-7584-40CF-B812-011DDBE4027E}" type="datetime1">
               <a:rPr lang="de-DE" smtClean="0"/>
-              <a:t>20.03.2019</a:t>
+              <a:t>12.03.2020</a:t>
             </a:fld>
             <a:endParaRPr lang="de-DE"/>
           </a:p>
@@ -10825,7 +10633,7 @@
           <a:lstStyle/>
           <a:p>
             <a:r>
-              <a:rPr lang="de-DE" smtClean="0"/>
+              <a:rPr lang="de-DE"/>
               <a:t>Python Einführung</a:t>
             </a:r>
             <a:endParaRPr lang="de-DE" dirty="0"/>
@@ -10865,21 +10673,6 @@
   <p:clrMapOvr>
     <a:masterClrMapping/>
   </p:clrMapOvr>
-  <mc:AlternateContent xmlns:mc="http://schemas.openxmlformats.org/markup-compatibility/2006" xmlns:p14="http://schemas.microsoft.com/office/powerpoint/2010/main">
-    <mc:Choice Requires="p14">
-      <p:transition p14:dur="0"/>
-    </mc:Choice>
-    <mc:Fallback xmlns="">
-      <p:transition/>
-    </mc:Fallback>
-  </mc:AlternateContent>
-  <p:timing>
-    <p:tnLst>
-      <p:par>
-        <p:cTn id="1" dur="indefinite" restart="never" nodeType="tmRoot"/>
-      </p:par>
-    </p:tnLst>
-  </p:timing>
 </p:sld>
 </file>
 
@@ -10918,18 +10711,18 @@
           <a:lstStyle/>
           <a:p>
             <a:r>
-              <a:rPr lang="de-DE" dirty="0" smtClean="0"/>
+              <a:rPr lang="de-DE" dirty="0"/>
               <a:t>Entwicklungsumgebung</a:t>
             </a:r>
             <a:br>
-              <a:rPr lang="de-DE" dirty="0" smtClean="0"/>
+              <a:rPr lang="de-DE" dirty="0"/>
             </a:br>
             <a:r>
-              <a:rPr lang="de-DE" dirty="0" err="1" smtClean="0"/>
+              <a:rPr lang="de-DE" dirty="0" err="1"/>
               <a:t>Raspberry</a:t>
             </a:r>
             <a:r>
-              <a:rPr lang="de-DE" dirty="0" smtClean="0"/>
+              <a:rPr lang="de-DE" dirty="0"/>
               <a:t> Pi</a:t>
             </a:r>
             <a:endParaRPr lang="de-DE" sz="2800" b="1" dirty="0">
@@ -10967,39 +10760,39 @@
           <a:lstStyle/>
           <a:p>
             <a:r>
-              <a:rPr lang="de-DE" dirty="0" smtClean="0"/>
+              <a:rPr lang="de-DE" dirty="0"/>
               <a:t>Bereits installiert: IDLE</a:t>
             </a:r>
           </a:p>
           <a:p>
             <a:pPr lvl="1"/>
             <a:r>
-              <a:rPr lang="de-DE" dirty="0" smtClean="0"/>
+              <a:rPr lang="de-DE" dirty="0"/>
               <a:t>wenig zusätzliche Funktionalität</a:t>
             </a:r>
           </a:p>
           <a:p>
             <a:pPr lvl="1"/>
             <a:r>
-              <a:rPr lang="de-DE" dirty="0" smtClean="0"/>
+              <a:rPr lang="de-DE" dirty="0"/>
               <a:t>viele Fenster</a:t>
             </a:r>
           </a:p>
           <a:p>
             <a:r>
-              <a:rPr lang="de-DE" dirty="0" smtClean="0"/>
+              <a:rPr lang="de-DE" dirty="0"/>
               <a:t>Besser: </a:t>
             </a:r>
             <a:r>
-              <a:rPr lang="de-DE" dirty="0" err="1" smtClean="0"/>
+              <a:rPr lang="de-DE" dirty="0" err="1"/>
               <a:t>PyCharm</a:t>
             </a:r>
-            <a:endParaRPr lang="de-DE" dirty="0" smtClean="0"/>
+            <a:endParaRPr lang="de-DE" dirty="0"/>
           </a:p>
           <a:p>
             <a:pPr lvl="1"/>
             <a:r>
-              <a:rPr lang="de-DE" dirty="0" smtClean="0"/>
+              <a:rPr lang="de-DE" dirty="0"/>
               <a:t>Kostenlos verfügbar</a:t>
             </a:r>
           </a:p>
@@ -11022,7 +10815,7 @@
           <a:p>
             <a:fld id="{A593EC17-1A47-412F-8CE6-B549CABBD4A8}" type="datetime1">
               <a:rPr lang="de-DE" smtClean="0"/>
-              <a:t>20.03.2019</a:t>
+              <a:t>12.03.2020</a:t>
             </a:fld>
             <a:endParaRPr lang="de-DE"/>
           </a:p>
@@ -11044,7 +10837,7 @@
           <a:lstStyle/>
           <a:p>
             <a:r>
-              <a:rPr lang="de-DE" smtClean="0"/>
+              <a:rPr lang="de-DE"/>
               <a:t>Python Einführung</a:t>
             </a:r>
             <a:endParaRPr lang="de-DE" dirty="0"/>
@@ -11084,21 +10877,6 @@
   <p:clrMapOvr>
     <a:masterClrMapping/>
   </p:clrMapOvr>
-  <mc:AlternateContent xmlns:mc="http://schemas.openxmlformats.org/markup-compatibility/2006" xmlns:p14="http://schemas.microsoft.com/office/powerpoint/2010/main">
-    <mc:Choice Requires="p14">
-      <p:transition p14:dur="0"/>
-    </mc:Choice>
-    <mc:Fallback xmlns="">
-      <p:transition/>
-    </mc:Fallback>
-  </mc:AlternateContent>
-  <p:timing>
-    <p:tnLst>
-      <p:par>
-        <p:cTn id="1" dur="indefinite" restart="never" nodeType="tmRoot"/>
-      </p:par>
-    </p:tnLst>
-  </p:timing>
 </p:sld>
 </file>
 
@@ -11137,18 +10915,14 @@
           <a:lstStyle/>
           <a:p>
             <a:r>
-              <a:rPr lang="de-DE" dirty="0" smtClean="0"/>
+              <a:rPr lang="de-DE" dirty="0"/>
               <a:t>Entwicklungsumgebung</a:t>
             </a:r>
-            <a:r>
-              <a:rPr lang="de-DE" dirty="0"/>
-              <a:t/>
-            </a:r>
             <a:br>
               <a:rPr lang="de-DE" dirty="0"/>
             </a:br>
             <a:r>
-              <a:rPr lang="de-DE" dirty="0" smtClean="0"/>
+              <a:rPr lang="de-DE" dirty="0"/>
               <a:t>Windows</a:t>
             </a:r>
             <a:endParaRPr lang="de-DE" sz="2800" b="1" dirty="0">
@@ -11191,17 +10965,16 @@
           <a:lstStyle/>
           <a:p>
             <a:r>
-              <a:rPr lang="de-DE" dirty="0" err="1" smtClean="0"/>
+              <a:rPr lang="de-DE" dirty="0" err="1"/>
               <a:t>PyCharm</a:t>
             </a:r>
-            <a:endParaRPr lang="de-DE" dirty="0" smtClean="0"/>
+            <a:endParaRPr lang="de-DE" dirty="0"/>
           </a:p>
           <a:p>
             <a:r>
               <a:rPr lang="de-DE" dirty="0"/>
               <a:t>https://www.jetbrains.com/pycharm/</a:t>
             </a:r>
-            <a:endParaRPr lang="de-DE" dirty="0" smtClean="0"/>
           </a:p>
         </p:txBody>
       </p:sp>
@@ -11222,7 +10995,7 @@
           <a:p>
             <a:fld id="{3EFE85D8-2AAB-493B-BF38-280230E506B2}" type="datetime1">
               <a:rPr lang="de-DE" smtClean="0"/>
-              <a:t>20.03.2019</a:t>
+              <a:t>12.03.2020</a:t>
             </a:fld>
             <a:endParaRPr lang="de-DE"/>
           </a:p>
@@ -11244,7 +11017,7 @@
           <a:lstStyle/>
           <a:p>
             <a:r>
-              <a:rPr lang="de-DE" smtClean="0"/>
+              <a:rPr lang="de-DE"/>
               <a:t>Python Einführung</a:t>
             </a:r>
             <a:endParaRPr lang="de-DE" dirty="0"/>
@@ -11323,21 +11096,6 @@
   <p:clrMapOvr>
     <a:masterClrMapping/>
   </p:clrMapOvr>
-  <mc:AlternateContent xmlns:mc="http://schemas.openxmlformats.org/markup-compatibility/2006" xmlns:p14="http://schemas.microsoft.com/office/powerpoint/2010/main">
-    <mc:Choice Requires="p14">
-      <p:transition p14:dur="0"/>
-    </mc:Choice>
-    <mc:Fallback xmlns="">
-      <p:transition/>
-    </mc:Fallback>
-  </mc:AlternateContent>
-  <p:timing>
-    <p:tnLst>
-      <p:par>
-        <p:cTn id="1" dur="indefinite" restart="never" nodeType="tmRoot"/>
-      </p:par>
-    </p:tnLst>
-  </p:timing>
 </p:sld>
 </file>
 
@@ -11376,18 +11134,14 @@
           <a:lstStyle/>
           <a:p>
             <a:r>
-              <a:rPr lang="de-DE" dirty="0" smtClean="0"/>
+              <a:rPr lang="de-DE" dirty="0"/>
               <a:t>Entwicklungsumgebung</a:t>
             </a:r>
-            <a:r>
-              <a:rPr lang="de-DE" dirty="0"/>
-              <a:t/>
-            </a:r>
             <a:br>
               <a:rPr lang="de-DE" dirty="0"/>
             </a:br>
             <a:r>
-              <a:rPr lang="de-DE" dirty="0" smtClean="0"/>
+              <a:rPr lang="de-DE" dirty="0"/>
               <a:t>Online</a:t>
             </a:r>
             <a:endParaRPr lang="de-DE" sz="2800" b="1" dirty="0">
@@ -11430,37 +11184,33 @@
           <a:lstStyle/>
           <a:p>
             <a:r>
-              <a:rPr lang="de-DE" dirty="0" err="1" smtClean="0"/>
+              <a:rPr lang="de-DE" dirty="0" err="1"/>
               <a:t>IDEone</a:t>
             </a:r>
-            <a:endParaRPr lang="de-DE" dirty="0" smtClean="0"/>
-          </a:p>
-          <a:p>
-            <a:r>
-              <a:rPr lang="de-DE" dirty="0"/>
-              <a:t>https://ideone.com</a:t>
-            </a:r>
-            <a:r>
-              <a:rPr lang="de-DE" dirty="0" smtClean="0"/>
-              <a:t>/</a:t>
-            </a:r>
-          </a:p>
-          <a:p>
-            <a:r>
-              <a:rPr lang="de-DE" dirty="0" smtClean="0"/>
+            <a:endParaRPr lang="de-DE" dirty="0"/>
+          </a:p>
+          <a:p>
+            <a:r>
+              <a:rPr lang="de-DE" dirty="0"/>
+              <a:t>https://ideone.com/</a:t>
+            </a:r>
+          </a:p>
+          <a:p>
+            <a:r>
+              <a:rPr lang="de-DE" dirty="0"/>
               <a:t>Sprache auf Python</a:t>
             </a:r>
             <a:br>
-              <a:rPr lang="de-DE" dirty="0" smtClean="0"/>
+              <a:rPr lang="de-DE" dirty="0"/>
             </a:br>
             <a:r>
-              <a:rPr lang="de-DE" dirty="0" smtClean="0"/>
+              <a:rPr lang="de-DE" dirty="0"/>
               <a:t>umstellen</a:t>
             </a:r>
           </a:p>
           <a:p>
             <a:r>
-              <a:rPr lang="de-DE" dirty="0" smtClean="0"/>
+              <a:rPr lang="de-DE" dirty="0"/>
               <a:t>ohne Debugger</a:t>
             </a:r>
           </a:p>
@@ -11483,7 +11233,7 @@
           <a:p>
             <a:fld id="{1F15A383-2A7D-442F-A80A-F698B5F779ED}" type="datetime1">
               <a:rPr lang="de-DE" smtClean="0"/>
-              <a:t>20.03.2019</a:t>
+              <a:t>12.03.2020</a:t>
             </a:fld>
             <a:endParaRPr lang="de-DE"/>
           </a:p>
@@ -11505,7 +11255,7 @@
           <a:lstStyle/>
           <a:p>
             <a:r>
-              <a:rPr lang="de-DE" smtClean="0"/>
+              <a:rPr lang="de-DE"/>
               <a:t>Python Einführung</a:t>
             </a:r>
             <a:endParaRPr lang="de-DE" dirty="0"/>
@@ -11581,21 +11331,6 @@
   <p:clrMapOvr>
     <a:masterClrMapping/>
   </p:clrMapOvr>
-  <mc:AlternateContent xmlns:mc="http://schemas.openxmlformats.org/markup-compatibility/2006" xmlns:p14="http://schemas.microsoft.com/office/powerpoint/2010/main">
-    <mc:Choice Requires="p14">
-      <p:transition p14:dur="0"/>
-    </mc:Choice>
-    <mc:Fallback xmlns="">
-      <p:transition/>
-    </mc:Fallback>
-  </mc:AlternateContent>
-  <p:timing>
-    <p:tnLst>
-      <p:par>
-        <p:cTn id="1" dur="indefinite" restart="never" nodeType="tmRoot"/>
-      </p:par>
-    </p:tnLst>
-  </p:timing>
 </p:sld>
 </file>
 
@@ -11634,18 +11369,14 @@
           <a:lstStyle/>
           <a:p>
             <a:r>
-              <a:rPr lang="de-DE" dirty="0" smtClean="0"/>
+              <a:rPr lang="de-DE" dirty="0"/>
               <a:t>Entwicklungsumgebung</a:t>
             </a:r>
-            <a:r>
-              <a:rPr lang="de-DE" dirty="0"/>
-              <a:t/>
-            </a:r>
             <a:br>
               <a:rPr lang="de-DE" dirty="0"/>
             </a:br>
             <a:r>
-              <a:rPr lang="de-DE" dirty="0" smtClean="0"/>
+              <a:rPr lang="de-DE" dirty="0"/>
               <a:t>Online</a:t>
             </a:r>
             <a:endParaRPr lang="de-DE" sz="2800" b="1" dirty="0">
@@ -11688,30 +11419,21 @@
           <a:lstStyle/>
           <a:p>
             <a:r>
-              <a:rPr lang="de-DE" dirty="0" smtClean="0"/>
+              <a:rPr lang="de-DE" dirty="0"/>
               <a:t>Python Tutor</a:t>
             </a:r>
           </a:p>
           <a:p>
             <a:r>
               <a:rPr lang="de-DE" dirty="0"/>
-              <a:t>http://</a:t>
-            </a:r>
-            <a:r>
-              <a:rPr lang="de-DE" dirty="0" smtClean="0"/>
-              <a:t>www.pythontutor.com/visualize.html#mode=edit</a:t>
-            </a:r>
-          </a:p>
-          <a:p>
-            <a:r>
-              <a:rPr lang="de-DE" dirty="0" smtClean="0"/>
+              <a:t>http://www.pythontutor.com/visualize.html#mode=edit</a:t>
+            </a:r>
+          </a:p>
+          <a:p>
+            <a:r>
+              <a:rPr lang="de-DE" dirty="0"/>
               <a:t>Mit Debugger</a:t>
             </a:r>
-            <a:endParaRPr lang="de-DE" dirty="0"/>
-          </a:p>
-          <a:p>
-            <a:pPr lvl="1"/>
-            <a:endParaRPr lang="de-DE" dirty="0" smtClean="0"/>
           </a:p>
           <a:p>
             <a:pPr lvl="1"/>
@@ -11719,7 +11441,11 @@
           </a:p>
           <a:p>
             <a:pPr lvl="1"/>
-            <a:endParaRPr lang="de-DE" b="1" dirty="0" smtClean="0"/>
+            <a:endParaRPr lang="de-DE" dirty="0"/>
+          </a:p>
+          <a:p>
+            <a:pPr lvl="1"/>
+            <a:endParaRPr lang="de-DE" b="1" dirty="0"/>
           </a:p>
         </p:txBody>
       </p:sp>
@@ -11740,7 +11466,7 @@
           <a:p>
             <a:fld id="{17A47A22-FB29-4A9E-B830-EB8CE7EF8B44}" type="datetime1">
               <a:rPr lang="de-DE" smtClean="0"/>
-              <a:t>20.03.2019</a:t>
+              <a:t>12.03.2020</a:t>
             </a:fld>
             <a:endParaRPr lang="de-DE"/>
           </a:p>
@@ -11762,7 +11488,7 @@
           <a:lstStyle/>
           <a:p>
             <a:r>
-              <a:rPr lang="de-DE" smtClean="0"/>
+              <a:rPr lang="de-DE"/>
               <a:t>Python Einführung</a:t>
             </a:r>
             <a:endParaRPr lang="de-DE" dirty="0"/>
@@ -11832,21 +11558,6 @@
   <p:clrMapOvr>
     <a:masterClrMapping/>
   </p:clrMapOvr>
-  <mc:AlternateContent xmlns:mc="http://schemas.openxmlformats.org/markup-compatibility/2006" xmlns:p14="http://schemas.microsoft.com/office/powerpoint/2010/main">
-    <mc:Choice Requires="p14">
-      <p:transition p14:dur="0"/>
-    </mc:Choice>
-    <mc:Fallback xmlns="">
-      <p:transition/>
-    </mc:Fallback>
-  </mc:AlternateContent>
-  <p:timing>
-    <p:tnLst>
-      <p:par>
-        <p:cTn id="1" dur="indefinite" restart="never" nodeType="tmRoot"/>
-      </p:par>
-    </p:tnLst>
-  </p:timing>
 </p:sld>
 </file>
 
@@ -11885,18 +11596,14 @@
           <a:lstStyle/>
           <a:p>
             <a:r>
-              <a:rPr lang="de-DE" dirty="0" smtClean="0"/>
+              <a:rPr lang="de-DE" dirty="0"/>
               <a:t>Entwicklungsumgebung</a:t>
             </a:r>
-            <a:r>
-              <a:rPr lang="de-DE" dirty="0"/>
-              <a:t/>
-            </a:r>
             <a:br>
               <a:rPr lang="de-DE" dirty="0"/>
             </a:br>
             <a:r>
-              <a:rPr lang="de-DE" dirty="0" smtClean="0"/>
+              <a:rPr lang="de-DE" dirty="0"/>
               <a:t>Online</a:t>
             </a:r>
             <a:endParaRPr lang="de-DE" sz="2800" b="1" dirty="0">
@@ -11939,24 +11646,20 @@
           <a:lstStyle/>
           <a:p>
             <a:r>
-              <a:rPr lang="de-DE" dirty="0" err="1" smtClean="0"/>
+              <a:rPr lang="de-DE" dirty="0" err="1"/>
               <a:t>Blockly</a:t>
             </a:r>
-            <a:endParaRPr lang="de-DE" dirty="0" smtClean="0"/>
-          </a:p>
-          <a:p>
-            <a:r>
-              <a:rPr lang="de-DE" dirty="0"/>
-              <a:t>https://developers.google.com/blockly</a:t>
-            </a:r>
-            <a:r>
-              <a:rPr lang="de-DE" dirty="0" smtClean="0"/>
-              <a:t>/</a:t>
-            </a:r>
-          </a:p>
-          <a:p>
-            <a:r>
-              <a:rPr lang="de-DE" dirty="0" smtClean="0"/>
+            <a:endParaRPr lang="de-DE" dirty="0"/>
+          </a:p>
+          <a:p>
+            <a:r>
+              <a:rPr lang="de-DE" dirty="0"/>
+              <a:t>https://developers.google.com/blockly/</a:t>
+            </a:r>
+          </a:p>
+          <a:p>
+            <a:r>
+              <a:rPr lang="de-DE" dirty="0"/>
               <a:t>Baustein-Prinzip, kann Python anzeigen</a:t>
             </a:r>
           </a:p>
@@ -11966,7 +11669,7 @@
           </a:p>
           <a:p>
             <a:pPr lvl="1"/>
-            <a:endParaRPr lang="de-DE" b="1" dirty="0" smtClean="0"/>
+            <a:endParaRPr lang="de-DE" b="1" dirty="0"/>
           </a:p>
         </p:txBody>
       </p:sp>
@@ -11987,7 +11690,7 @@
           <a:p>
             <a:fld id="{249F8F50-D413-4C42-B728-AB71DB385A94}" type="datetime1">
               <a:rPr lang="de-DE" smtClean="0"/>
-              <a:t>20.03.2019</a:t>
+              <a:t>12.03.2020</a:t>
             </a:fld>
             <a:endParaRPr lang="de-DE"/>
           </a:p>
@@ -12009,7 +11712,7 @@
           <a:lstStyle/>
           <a:p>
             <a:r>
-              <a:rPr lang="de-DE" smtClean="0"/>
+              <a:rPr lang="de-DE"/>
               <a:t>Python Einführung</a:t>
             </a:r>
             <a:endParaRPr lang="de-DE" dirty="0"/>
@@ -12079,21 +11782,6 @@
   <p:clrMapOvr>
     <a:masterClrMapping/>
   </p:clrMapOvr>
-  <mc:AlternateContent xmlns:mc="http://schemas.openxmlformats.org/markup-compatibility/2006" xmlns:p14="http://schemas.microsoft.com/office/powerpoint/2010/main">
-    <mc:Choice Requires="p14">
-      <p:transition p14:dur="0"/>
-    </mc:Choice>
-    <mc:Fallback xmlns="">
-      <p:transition/>
-    </mc:Fallback>
-  </mc:AlternateContent>
-  <p:timing>
-    <p:tnLst>
-      <p:par>
-        <p:cTn id="1" dur="indefinite" restart="never" nodeType="tmRoot"/>
-      </p:par>
-    </p:tnLst>
-  </p:timing>
 </p:sld>
 </file>
 
@@ -12132,14 +11820,14 @@
           <a:lstStyle/>
           <a:p>
             <a:r>
-              <a:rPr lang="de-DE" dirty="0" smtClean="0"/>
+              <a:rPr lang="de-DE" dirty="0"/>
               <a:t>Python Grundlagen</a:t>
             </a:r>
             <a:br>
-              <a:rPr lang="de-DE" dirty="0" smtClean="0"/>
+              <a:rPr lang="de-DE" dirty="0"/>
             </a:br>
             <a:r>
-              <a:rPr lang="de-DE" sz="2800" b="1" dirty="0" smtClean="0">
+              <a:rPr lang="de-DE" sz="2800" b="1" dirty="0">
                 <a:solidFill>
                   <a:schemeClr val="accent1">
                     <a:lumMod val="75000"/>
@@ -12156,7 +11844,7 @@
               <a:t>	</a:t>
             </a:r>
             <a:r>
-              <a:rPr lang="de-DE" sz="2800" dirty="0" smtClean="0">
+              <a:rPr lang="de-DE" sz="2800" dirty="0">
                 <a:solidFill>
                   <a:schemeClr val="tx1"/>
                 </a:solidFill>
@@ -12203,61 +11891,61 @@
           <a:lstStyle/>
           <a:p>
             <a:r>
-              <a:rPr lang="de-DE" dirty="0" smtClean="0"/>
+              <a:rPr lang="de-DE" dirty="0"/>
               <a:t>Kommentare</a:t>
             </a:r>
           </a:p>
           <a:p>
             <a:r>
-              <a:rPr lang="de-DE" dirty="0" smtClean="0"/>
+              <a:rPr lang="de-DE" dirty="0"/>
               <a:t>Rechnen</a:t>
             </a:r>
           </a:p>
           <a:p>
             <a:r>
-              <a:rPr lang="de-DE" dirty="0" smtClean="0"/>
+              <a:rPr lang="de-DE" dirty="0"/>
               <a:t>Text</a:t>
             </a:r>
           </a:p>
           <a:p>
             <a:r>
-              <a:rPr lang="de-DE" dirty="0" smtClean="0"/>
+              <a:rPr lang="de-DE" dirty="0"/>
               <a:t>Listen</a:t>
             </a:r>
           </a:p>
           <a:p>
             <a:r>
-              <a:rPr lang="de-DE" dirty="0" smtClean="0"/>
+              <a:rPr lang="de-DE" dirty="0"/>
               <a:t>Wahrheitswerte</a:t>
             </a:r>
           </a:p>
           <a:p>
             <a:r>
-              <a:rPr lang="de-DE" dirty="0" smtClean="0"/>
+              <a:rPr lang="de-DE" dirty="0"/>
               <a:t>Wiederholungen</a:t>
             </a:r>
           </a:p>
           <a:p>
             <a:r>
-              <a:rPr lang="de-DE" dirty="0" smtClean="0"/>
+              <a:rPr lang="de-DE" dirty="0"/>
               <a:t>Verzweigungen</a:t>
             </a:r>
           </a:p>
           <a:p>
             <a:r>
-              <a:rPr lang="de-DE" dirty="0" smtClean="0"/>
+              <a:rPr lang="de-DE" dirty="0"/>
               <a:t>Methoden</a:t>
             </a:r>
           </a:p>
           <a:p>
             <a:r>
-              <a:rPr lang="de-DE" dirty="0" smtClean="0"/>
+              <a:rPr lang="de-DE" dirty="0"/>
               <a:t>Funktionen</a:t>
             </a:r>
           </a:p>
           <a:p>
             <a:r>
-              <a:rPr lang="de-DE" dirty="0" smtClean="0"/>
+              <a:rPr lang="de-DE" dirty="0"/>
               <a:t>Ein/Ausgabe</a:t>
             </a:r>
           </a:p>
@@ -12265,7 +11953,7 @@
             <a:pPr marL="0" indent="0">
               <a:buNone/>
             </a:pPr>
-            <a:endParaRPr lang="de-DE" dirty="0" smtClean="0"/>
+            <a:endParaRPr lang="de-DE" dirty="0"/>
           </a:p>
           <a:p>
             <a:endParaRPr lang="de-DE" dirty="0"/>
@@ -12289,7 +11977,7 @@
           <a:p>
             <a:fld id="{7F662C5E-2FD1-46D7-BED1-038091AD8DAE}" type="datetime1">
               <a:rPr lang="de-DE" smtClean="0"/>
-              <a:t>20.03.2019</a:t>
+              <a:t>12.03.2020</a:t>
             </a:fld>
             <a:endParaRPr lang="de-DE"/>
           </a:p>
@@ -12311,7 +11999,7 @@
           <a:lstStyle/>
           <a:p>
             <a:r>
-              <a:rPr lang="de-DE" smtClean="0"/>
+              <a:rPr lang="de-DE"/>
               <a:t>Python Einführung</a:t>
             </a:r>
             <a:endParaRPr lang="de-DE" dirty="0"/>
@@ -12351,21 +12039,6 @@
   <p:clrMapOvr>
     <a:masterClrMapping/>
   </p:clrMapOvr>
-  <mc:AlternateContent xmlns:mc="http://schemas.openxmlformats.org/markup-compatibility/2006" xmlns:p14="http://schemas.microsoft.com/office/powerpoint/2010/main">
-    <mc:Choice Requires="p14">
-      <p:transition p14:dur="0"/>
-    </mc:Choice>
-    <mc:Fallback xmlns="">
-      <p:transition/>
-    </mc:Fallback>
-  </mc:AlternateContent>
-  <p:timing>
-    <p:tnLst>
-      <p:par>
-        <p:cTn id="1" dur="indefinite" restart="never" nodeType="tmRoot"/>
-      </p:par>
-    </p:tnLst>
-  </p:timing>
 </p:sld>
 </file>
 
@@ -12404,18 +12077,14 @@
           <a:lstStyle/>
           <a:p>
             <a:r>
-              <a:rPr lang="de-DE" dirty="0" smtClean="0"/>
+              <a:rPr lang="de-DE" dirty="0"/>
               <a:t>Python Grundlagen</a:t>
             </a:r>
-            <a:r>
-              <a:rPr lang="de-DE" dirty="0"/>
-              <a:t/>
-            </a:r>
             <a:br>
               <a:rPr lang="de-DE" dirty="0"/>
             </a:br>
             <a:r>
-              <a:rPr lang="de-DE" sz="2800" dirty="0" smtClean="0">
+              <a:rPr lang="de-DE" sz="2800" dirty="0">
                 <a:solidFill>
                   <a:schemeClr val="tx1"/>
                 </a:solidFill>
@@ -12462,31 +12131,31 @@
           <a:lstStyle/>
           <a:p>
             <a:r>
-              <a:rPr lang="de-DE" dirty="0" smtClean="0"/>
+              <a:rPr lang="de-DE" dirty="0"/>
               <a:t>PY Datei</a:t>
             </a:r>
           </a:p>
           <a:p>
             <a:pPr lvl="1"/>
             <a:r>
-              <a:rPr lang="de-DE" dirty="0" smtClean="0"/>
+              <a:rPr lang="de-DE" dirty="0"/>
               <a:t>Textdatei mit UTF-8 Encoding</a:t>
             </a:r>
           </a:p>
           <a:p>
             <a:r>
-              <a:rPr lang="de-DE" dirty="0" smtClean="0"/>
+              <a:rPr lang="de-DE" dirty="0"/>
               <a:t>Eine Anweisung pro Zeile</a:t>
             </a:r>
           </a:p>
           <a:p>
             <a:pPr lvl="1"/>
             <a:r>
-              <a:rPr lang="de-DE" dirty="0" smtClean="0"/>
+              <a:rPr lang="de-DE" dirty="0"/>
               <a:t>andere Sprachen trennen Anweisungen mit </a:t>
             </a:r>
             <a:r>
-              <a:rPr lang="de-DE" sz="2800" b="1" dirty="0" smtClean="0">
+              <a:rPr lang="de-DE" sz="2800" b="1" dirty="0">
                 <a:solidFill>
                   <a:schemeClr val="accent1">
                     <a:lumMod val="75000"/>
@@ -12495,34 +12164,33 @@
               </a:rPr>
               <a:t>; </a:t>
             </a:r>
-            <a:endParaRPr lang="de-DE" dirty="0" smtClean="0"/>
-          </a:p>
-          <a:p>
-            <a:r>
-              <a:rPr lang="de-DE" dirty="0" smtClean="0"/>
+            <a:endParaRPr lang="de-DE" dirty="0"/>
+          </a:p>
+          <a:p>
+            <a:r>
+              <a:rPr lang="de-DE" dirty="0"/>
               <a:t>Einrückung ist wichtig</a:t>
             </a:r>
           </a:p>
           <a:p>
             <a:pPr lvl="1"/>
             <a:r>
-              <a:rPr lang="de-DE" dirty="0" smtClean="0"/>
+              <a:rPr lang="de-DE" dirty="0"/>
               <a:t>bei anderen Sprachen oft egal</a:t>
             </a:r>
           </a:p>
           <a:p>
             <a:r>
-              <a:rPr lang="de-DE" dirty="0" smtClean="0"/>
+              <a:rPr lang="de-DE" dirty="0"/>
               <a:t>Variablen existieren ab der ersten Verwendung</a:t>
             </a:r>
           </a:p>
           <a:p>
             <a:pPr lvl="1"/>
             <a:r>
-              <a:rPr lang="de-DE" dirty="0" smtClean="0"/>
+              <a:rPr lang="de-DE" dirty="0"/>
               <a:t>meist Deklaration erforderlich</a:t>
             </a:r>
-            <a:endParaRPr lang="de-DE" dirty="0"/>
           </a:p>
         </p:txBody>
       </p:sp>
@@ -12543,7 +12211,7 @@
           <a:p>
             <a:fld id="{4447688E-1776-4428-B0A5-F175CECF7938}" type="datetime1">
               <a:rPr lang="de-DE" smtClean="0"/>
-              <a:t>20.03.2019</a:t>
+              <a:t>12.03.2020</a:t>
             </a:fld>
             <a:endParaRPr lang="de-DE"/>
           </a:p>
@@ -12565,7 +12233,7 @@
           <a:lstStyle/>
           <a:p>
             <a:r>
-              <a:rPr lang="de-DE" smtClean="0"/>
+              <a:rPr lang="de-DE"/>
               <a:t>Python Einführung</a:t>
             </a:r>
             <a:endParaRPr lang="de-DE" dirty="0"/>
@@ -12605,21 +12273,6 @@
   <p:clrMapOvr>
     <a:masterClrMapping/>
   </p:clrMapOvr>
-  <mc:AlternateContent xmlns:mc="http://schemas.openxmlformats.org/markup-compatibility/2006" xmlns:p14="http://schemas.microsoft.com/office/powerpoint/2010/main">
-    <mc:Choice Requires="p14">
-      <p:transition p14:dur="0"/>
-    </mc:Choice>
-    <mc:Fallback xmlns="">
-      <p:transition/>
-    </mc:Fallback>
-  </mc:AlternateContent>
-  <p:timing>
-    <p:tnLst>
-      <p:par>
-        <p:cTn id="1" dur="indefinite" restart="never" nodeType="tmRoot"/>
-      </p:par>
-    </p:tnLst>
-  </p:timing>
 </p:sld>
 </file>
 
@@ -12656,10 +12309,9 @@
           <a:lstStyle/>
           <a:p>
             <a:r>
-              <a:rPr lang="de-DE" dirty="0" smtClean="0"/>
+              <a:rPr lang="de-DE" dirty="0"/>
               <a:t>Agenda</a:t>
             </a:r>
-            <a:endParaRPr lang="de-DE" dirty="0"/>
           </a:p>
         </p:txBody>
       </p:sp>
@@ -12679,40 +12331,39 @@
           <a:lstStyle/>
           <a:p>
             <a:r>
-              <a:rPr lang="de-DE" dirty="0" smtClean="0"/>
+              <a:rPr lang="de-DE" dirty="0"/>
               <a:t>Programmiersprachen</a:t>
             </a:r>
           </a:p>
           <a:p>
             <a:r>
-              <a:rPr lang="de-DE" dirty="0" smtClean="0"/>
+              <a:rPr lang="de-DE" dirty="0"/>
               <a:t>Installation von Python</a:t>
             </a:r>
           </a:p>
           <a:p>
             <a:r>
-              <a:rPr lang="de-DE" dirty="0" smtClean="0"/>
+              <a:rPr lang="de-DE" dirty="0"/>
               <a:t>Entwicklungsumgebung</a:t>
             </a:r>
           </a:p>
           <a:p>
             <a:r>
-              <a:rPr lang="de-DE" dirty="0" smtClean="0"/>
+              <a:rPr lang="de-DE" dirty="0"/>
               <a:t>Python Grundlagen</a:t>
             </a:r>
           </a:p>
           <a:p>
             <a:r>
-              <a:rPr lang="de-DE" dirty="0" smtClean="0"/>
+              <a:rPr lang="de-DE" dirty="0"/>
               <a:t>Erweitertes Python</a:t>
             </a:r>
           </a:p>
           <a:p>
             <a:r>
-              <a:rPr lang="de-DE" dirty="0" smtClean="0"/>
+              <a:rPr lang="de-DE" dirty="0"/>
               <a:t>Ausblick</a:t>
             </a:r>
-            <a:endParaRPr lang="de-DE" dirty="0"/>
           </a:p>
         </p:txBody>
       </p:sp>
@@ -12733,7 +12384,7 @@
           <a:p>
             <a:fld id="{0E7DC1E0-BDA5-44C8-9CB7-0226ECCB4287}" type="datetime1">
               <a:rPr lang="de-DE" smtClean="0"/>
-              <a:t>20.03.2019</a:t>
+              <a:t>12.03.2020</a:t>
             </a:fld>
             <a:endParaRPr lang="de-DE"/>
           </a:p>
@@ -12755,10 +12406,9 @@
           <a:lstStyle/>
           <a:p>
             <a:r>
-              <a:rPr lang="de-DE" smtClean="0"/>
+              <a:rPr lang="de-DE"/>
               <a:t>Python Einführung</a:t>
             </a:r>
-            <a:endParaRPr lang="de-DE"/>
           </a:p>
         </p:txBody>
       </p:sp>
@@ -12795,21 +12445,6 @@
   <p:clrMapOvr>
     <a:masterClrMapping/>
   </p:clrMapOvr>
-  <mc:AlternateContent xmlns:mc="http://schemas.openxmlformats.org/markup-compatibility/2006" xmlns:p14="http://schemas.microsoft.com/office/powerpoint/2010/main">
-    <mc:Choice Requires="p14">
-      <p:transition p14:dur="0"/>
-    </mc:Choice>
-    <mc:Fallback xmlns="">
-      <p:transition/>
-    </mc:Fallback>
-  </mc:AlternateContent>
-  <p:timing>
-    <p:tnLst>
-      <p:par>
-        <p:cTn id="1" dur="indefinite" restart="never" nodeType="tmRoot"/>
-      </p:par>
-    </p:tnLst>
-  </p:timing>
 </p:sld>
 </file>
 
@@ -12848,18 +12483,14 @@
           <a:lstStyle/>
           <a:p>
             <a:r>
-              <a:rPr lang="de-DE" dirty="0" smtClean="0"/>
+              <a:rPr lang="de-DE" dirty="0"/>
               <a:t>Python Grundlagen</a:t>
             </a:r>
-            <a:r>
-              <a:rPr lang="de-DE" dirty="0"/>
-              <a:t/>
-            </a:r>
             <a:br>
               <a:rPr lang="de-DE" dirty="0"/>
             </a:br>
             <a:r>
-              <a:rPr lang="de-DE" dirty="0" smtClean="0"/>
+              <a:rPr lang="de-DE" dirty="0"/>
               <a:t>Kommentare</a:t>
             </a:r>
             <a:endParaRPr lang="de-DE" sz="2400" dirty="0">
@@ -12893,11 +12524,11 @@
           <a:lstStyle/>
           <a:p>
             <a:r>
-              <a:rPr lang="de-DE" dirty="0" smtClean="0"/>
+              <a:rPr lang="de-DE" dirty="0"/>
               <a:t>Kommentare und Anmerkungen mit </a:t>
             </a:r>
             <a:r>
-              <a:rPr lang="de-DE" b="1" dirty="0" smtClean="0">
+              <a:rPr lang="de-DE" b="1" dirty="0">
                 <a:solidFill>
                   <a:schemeClr val="accent1">
                     <a:lumMod val="75000"/>
@@ -12927,7 +12558,7 @@
           <a:p>
             <a:fld id="{56B33E50-8FD2-4CEE-972A-D49A363CE77B}" type="datetime1">
               <a:rPr lang="de-DE" smtClean="0"/>
-              <a:t>20.03.2019</a:t>
+              <a:t>12.03.2020</a:t>
             </a:fld>
             <a:endParaRPr lang="de-DE"/>
           </a:p>
@@ -12949,7 +12580,7 @@
           <a:lstStyle/>
           <a:p>
             <a:r>
-              <a:rPr lang="de-DE" smtClean="0"/>
+              <a:rPr lang="de-DE"/>
               <a:t>Python Einführung</a:t>
             </a:r>
             <a:endParaRPr lang="de-DE" dirty="0"/>
@@ -13025,21 +12656,6 @@
   <p:clrMapOvr>
     <a:masterClrMapping/>
   </p:clrMapOvr>
-  <mc:AlternateContent xmlns:mc="http://schemas.openxmlformats.org/markup-compatibility/2006" xmlns:p14="http://schemas.microsoft.com/office/powerpoint/2010/main">
-    <mc:Choice Requires="p14">
-      <p:transition p14:dur="0"/>
-    </mc:Choice>
-    <mc:Fallback xmlns="">
-      <p:transition/>
-    </mc:Fallback>
-  </mc:AlternateContent>
-  <p:timing>
-    <p:tnLst>
-      <p:par>
-        <p:cTn id="1" dur="indefinite" restart="never" nodeType="tmRoot"/>
-      </p:par>
-    </p:tnLst>
-  </p:timing>
 </p:sld>
 </file>
 
@@ -13078,18 +12694,14 @@
           <a:lstStyle/>
           <a:p>
             <a:r>
-              <a:rPr lang="de-DE" dirty="0" smtClean="0"/>
+              <a:rPr lang="de-DE" dirty="0"/>
               <a:t>Python Grundlagen</a:t>
             </a:r>
-            <a:r>
-              <a:rPr lang="de-DE" dirty="0"/>
-              <a:t/>
-            </a:r>
             <a:br>
               <a:rPr lang="de-DE" dirty="0"/>
             </a:br>
             <a:r>
-              <a:rPr lang="de-DE" dirty="0" smtClean="0"/>
+              <a:rPr lang="de-DE" dirty="0"/>
               <a:t>Rechnen</a:t>
             </a:r>
             <a:endParaRPr lang="de-DE" sz="2400" dirty="0">
@@ -13123,7 +12735,7 @@
           <a:lstStyle/>
           <a:p>
             <a:r>
-              <a:rPr lang="de-DE" dirty="0" smtClean="0">
+              <a:rPr lang="de-DE" dirty="0">
                 <a:ea typeface="+mj-ea"/>
               </a:rPr>
               <a:t>Zuweisung eines Werts mit </a:t>
@@ -13145,16 +12757,10 @@
               <a:rPr lang="de-DE" dirty="0">
                 <a:ea typeface="+mj-ea"/>
               </a:rPr>
-              <a:t>m</a:t>
-            </a:r>
-            <a:r>
-              <a:rPr lang="de-DE" dirty="0" smtClean="0">
-                <a:ea typeface="+mj-ea"/>
-              </a:rPr>
-              <a:t>athematische Operationen mit </a:t>
-            </a:r>
-            <a:r>
-              <a:rPr lang="de-DE" sz="3200" b="1" dirty="0" smtClean="0">
+              <a:t>mathematische Operationen mit </a:t>
+            </a:r>
+            <a:r>
+              <a:rPr lang="de-DE" sz="3200" b="1" dirty="0">
                 <a:solidFill>
                   <a:schemeClr val="accent1">
                     <a:lumMod val="75000"/>
@@ -13165,11 +12771,11 @@
               <a:t>+</a:t>
             </a:r>
             <a:r>
-              <a:rPr lang="de-DE" sz="3200" dirty="0" smtClean="0"/>
+              <a:rPr lang="de-DE" sz="3200" dirty="0"/>
               <a:t>,</a:t>
             </a:r>
             <a:r>
-              <a:rPr lang="de-DE" sz="3200" b="1" dirty="0" smtClean="0">
+              <a:rPr lang="de-DE" sz="3200" b="1" dirty="0">
                 <a:solidFill>
                   <a:schemeClr val="accent1">
                     <a:lumMod val="75000"/>
@@ -13180,11 +12786,11 @@
               <a:t> -</a:t>
             </a:r>
             <a:r>
-              <a:rPr lang="de-DE" sz="3200" dirty="0" smtClean="0"/>
+              <a:rPr lang="de-DE" sz="3200" dirty="0"/>
               <a:t>,</a:t>
             </a:r>
             <a:r>
-              <a:rPr lang="de-DE" sz="3200" b="1" dirty="0" smtClean="0">
+              <a:rPr lang="de-DE" sz="3200" b="1" dirty="0">
                 <a:solidFill>
                   <a:schemeClr val="accent1">
                     <a:lumMod val="75000"/>
@@ -13195,11 +12801,11 @@
               <a:t> *</a:t>
             </a:r>
             <a:r>
-              <a:rPr lang="de-DE" sz="3200" dirty="0" smtClean="0"/>
+              <a:rPr lang="de-DE" sz="3200" dirty="0"/>
               <a:t>,</a:t>
             </a:r>
             <a:r>
-              <a:rPr lang="de-DE" sz="3200" b="1" dirty="0" smtClean="0">
+              <a:rPr lang="de-DE" sz="3200" b="1" dirty="0">
                 <a:solidFill>
                   <a:schemeClr val="accent1">
                     <a:lumMod val="75000"/>
@@ -13207,26 +12813,7 @@
                 </a:solidFill>
                 <a:ea typeface="+mj-ea"/>
               </a:rPr>
-              <a:t> </a:t>
-            </a:r>
-            <a:r>
-              <a:rPr lang="de-DE" sz="3200" b="1" dirty="0">
-                <a:solidFill>
-                  <a:schemeClr val="accent1">
-                    <a:lumMod val="75000"/>
-                  </a:schemeClr>
-                </a:solidFill>
-                <a:ea typeface="+mj-ea"/>
-              </a:rPr>
-              <a:t>/</a:t>
-            </a:r>
-          </a:p>
-          <a:p>
-            <a:r>
-              <a:rPr lang="de-DE" dirty="0" smtClean="0">
-                <a:ea typeface="+mj-ea"/>
-              </a:rPr>
-              <a:t>Punkt vor Strich</a:t>
+              <a:t> /</a:t>
             </a:r>
           </a:p>
           <a:p>
@@ -13234,17 +12821,16 @@
               <a:rPr lang="de-DE" dirty="0">
                 <a:ea typeface="+mj-ea"/>
               </a:rPr>
-              <a:t>a</a:t>
-            </a:r>
-            <a:r>
-              <a:rPr lang="de-DE" dirty="0" smtClean="0">
+              <a:t>Punkt vor Strich</a:t>
+            </a:r>
+          </a:p>
+          <a:p>
+            <a:r>
+              <a:rPr lang="de-DE" dirty="0">
                 <a:ea typeface="+mj-ea"/>
               </a:rPr>
-              <a:t>utomatische Umwandlung von Ganzzahlen in Kommazahlen</a:t>
-            </a:r>
-            <a:endParaRPr lang="de-DE" dirty="0">
-              <a:ea typeface="+mj-ea"/>
-            </a:endParaRPr>
+              <a:t>automatische Umwandlung von Ganzzahlen in Kommazahlen</a:t>
+            </a:r>
           </a:p>
         </p:txBody>
       </p:sp>
@@ -13265,7 +12851,7 @@
           <a:p>
             <a:fld id="{C1A449D8-E3B9-4E0B-9A9A-61F4E8B35412}" type="datetime1">
               <a:rPr lang="de-DE" smtClean="0"/>
-              <a:t>20.03.2019</a:t>
+              <a:t>12.03.2020</a:t>
             </a:fld>
             <a:endParaRPr lang="de-DE"/>
           </a:p>
@@ -13287,7 +12873,7 @@
           <a:lstStyle/>
           <a:p>
             <a:r>
-              <a:rPr lang="de-DE" smtClean="0"/>
+              <a:rPr lang="de-DE"/>
               <a:t>Python Einführung</a:t>
             </a:r>
             <a:endParaRPr lang="de-DE" dirty="0"/>
@@ -13363,21 +12949,6 @@
   <p:clrMapOvr>
     <a:masterClrMapping/>
   </p:clrMapOvr>
-  <mc:AlternateContent xmlns:mc="http://schemas.openxmlformats.org/markup-compatibility/2006" xmlns:p14="http://schemas.microsoft.com/office/powerpoint/2010/main">
-    <mc:Choice Requires="p14">
-      <p:transition p14:dur="0"/>
-    </mc:Choice>
-    <mc:Fallback xmlns="">
-      <p:transition/>
-    </mc:Fallback>
-  </mc:AlternateContent>
-  <p:timing>
-    <p:tnLst>
-      <p:par>
-        <p:cTn id="1" dur="indefinite" restart="never" nodeType="tmRoot"/>
-      </p:par>
-    </p:tnLst>
-  </p:timing>
 </p:sld>
 </file>
 
@@ -13416,18 +12987,14 @@
           <a:lstStyle/>
           <a:p>
             <a:r>
-              <a:rPr lang="de-DE" dirty="0" smtClean="0"/>
+              <a:rPr lang="de-DE" dirty="0"/>
               <a:t>Python Grundlagen</a:t>
             </a:r>
-            <a:r>
-              <a:rPr lang="de-DE" dirty="0"/>
-              <a:t/>
-            </a:r>
             <a:br>
               <a:rPr lang="de-DE" dirty="0"/>
             </a:br>
             <a:r>
-              <a:rPr lang="de-DE" dirty="0" smtClean="0"/>
+              <a:rPr lang="de-DE" dirty="0"/>
               <a:t>Rechnen</a:t>
             </a:r>
             <a:endParaRPr lang="de-DE" sz="2400" dirty="0">
@@ -13461,10 +13028,10 @@
           <a:lstStyle/>
           <a:p>
             <a:r>
-              <a:rPr lang="de-DE" dirty="0" smtClean="0"/>
+              <a:rPr lang="de-DE" dirty="0"/>
               <a:t>Erweiterte Rechenoperationen</a:t>
             </a:r>
-            <a:endParaRPr lang="de-DE" b="1" dirty="0" smtClean="0">
+            <a:endParaRPr lang="de-DE" b="1" dirty="0">
               <a:solidFill>
                 <a:schemeClr val="accent1">
                   <a:lumMod val="75000"/>
@@ -13476,7 +13043,7 @@
           <a:p>
             <a:pPr lvl="1"/>
             <a:r>
-              <a:rPr lang="de-DE" dirty="0" smtClean="0">
+              <a:rPr lang="de-DE" dirty="0">
                 <a:ea typeface="+mj-ea"/>
               </a:rPr>
               <a:t>Ganzzahl-Division: </a:t>
@@ -13493,7 +13060,7 @@
               <a:t>//</a:t>
             </a:r>
             <a:r>
-              <a:rPr lang="de-DE" dirty="0" smtClean="0">
+              <a:rPr lang="de-DE" dirty="0">
                 <a:ea typeface="+mj-ea"/>
               </a:rPr>
               <a:t> , z.B. 5//2=2</a:t>
@@ -13502,7 +13069,7 @@
           <a:p>
             <a:pPr lvl="1"/>
             <a:r>
-              <a:rPr lang="de-DE" dirty="0" smtClean="0">
+              <a:rPr lang="de-DE" dirty="0">
                 <a:ea typeface="+mj-ea"/>
               </a:rPr>
               <a:t>Rest (Modulo): </a:t>
@@ -13519,7 +13086,7 @@
               <a:t>%</a:t>
             </a:r>
             <a:r>
-              <a:rPr lang="de-DE" dirty="0" smtClean="0">
+              <a:rPr lang="de-DE" dirty="0">
                 <a:ea typeface="+mj-ea"/>
               </a:rPr>
               <a:t> , z.B. 5%2=1 , 4%2=0</a:t>
@@ -13528,7 +13095,7 @@
           <a:p>
             <a:pPr lvl="1"/>
             <a:r>
-              <a:rPr lang="de-DE" dirty="0" smtClean="0">
+              <a:rPr lang="de-DE" dirty="0">
                 <a:ea typeface="+mj-ea"/>
               </a:rPr>
               <a:t>Potenz: </a:t>
@@ -13545,19 +13112,19 @@
               <a:t>**</a:t>
             </a:r>
             <a:r>
-              <a:rPr lang="de-DE" dirty="0" smtClean="0">
+              <a:rPr lang="de-DE" dirty="0">
                 <a:ea typeface="+mj-ea"/>
               </a:rPr>
               <a:t> , z.B. 2**3=2</a:t>
             </a:r>
             <a:r>
-              <a:rPr lang="de-DE" baseline="30000" dirty="0" smtClean="0">
+              <a:rPr lang="de-DE" baseline="30000" dirty="0">
                 <a:ea typeface="+mj-ea"/>
               </a:rPr>
               <a:t>3</a:t>
             </a:r>
             <a:r>
-              <a:rPr lang="de-DE" dirty="0" smtClean="0">
+              <a:rPr lang="de-DE" dirty="0">
                 <a:ea typeface="+mj-ea"/>
               </a:rPr>
               <a:t>=8</a:t>
@@ -13566,7 +13133,7 @@
           <a:p>
             <a:pPr lvl="1"/>
             <a:r>
-              <a:rPr lang="de-DE" dirty="0" smtClean="0">
+              <a:rPr lang="de-DE" dirty="0">
                 <a:ea typeface="+mj-ea"/>
               </a:rPr>
               <a:t>Klammern: </a:t>
@@ -13583,7 +13150,7 @@
               <a:t>(</a:t>
             </a:r>
             <a:r>
-              <a:rPr lang="de-DE" dirty="0" smtClean="0">
+              <a:rPr lang="de-DE" dirty="0">
                 <a:ea typeface="+mj-ea"/>
               </a:rPr>
               <a:t>…</a:t>
@@ -13600,14 +13167,11 @@
               <a:t>)</a:t>
             </a:r>
             <a:r>
-              <a:rPr lang="de-DE" dirty="0" smtClean="0">
+              <a:rPr lang="de-DE" dirty="0">
                 <a:ea typeface="+mj-ea"/>
               </a:rPr>
               <a:t> , z.B. (3+1)*2=8</a:t>
             </a:r>
-            <a:endParaRPr lang="de-DE" dirty="0">
-              <a:ea typeface="+mj-ea"/>
-            </a:endParaRPr>
           </a:p>
         </p:txBody>
       </p:sp>
@@ -13628,7 +13192,7 @@
           <a:p>
             <a:fld id="{1EC4E88F-121A-4BCB-BF0E-D3797C910E03}" type="datetime1">
               <a:rPr lang="de-DE" smtClean="0"/>
-              <a:t>20.03.2019</a:t>
+              <a:t>12.03.2020</a:t>
             </a:fld>
             <a:endParaRPr lang="de-DE"/>
           </a:p>
@@ -13650,7 +13214,7 @@
           <a:lstStyle/>
           <a:p>
             <a:r>
-              <a:rPr lang="de-DE" smtClean="0"/>
+              <a:rPr lang="de-DE"/>
               <a:t>Python Einführung</a:t>
             </a:r>
             <a:endParaRPr lang="de-DE" dirty="0"/>
@@ -13734,13 +13298,6 @@
       <p:transition/>
     </mc:Fallback>
   </mc:AlternateContent>
-  <p:timing>
-    <p:tnLst>
-      <p:par>
-        <p:cTn id="1" dur="indefinite" restart="never" nodeType="tmRoot"/>
-      </p:par>
-    </p:tnLst>
-  </p:timing>
 </p:sld>
 </file>
 
@@ -13779,18 +13336,14 @@
           <a:lstStyle/>
           <a:p>
             <a:r>
-              <a:rPr lang="de-DE" dirty="0" smtClean="0"/>
+              <a:rPr lang="de-DE" dirty="0"/>
               <a:t>Python Grundlagen</a:t>
             </a:r>
-            <a:r>
-              <a:rPr lang="de-DE" dirty="0"/>
-              <a:t/>
-            </a:r>
             <a:br>
               <a:rPr lang="de-DE" dirty="0"/>
             </a:br>
             <a:r>
-              <a:rPr lang="de-DE" dirty="0" smtClean="0"/>
+              <a:rPr lang="de-DE" dirty="0"/>
               <a:t>Rechnen</a:t>
             </a:r>
             <a:endParaRPr lang="de-DE" sz="2400" dirty="0">
@@ -13824,14 +13377,14 @@
           <a:lstStyle/>
           <a:p>
             <a:r>
-              <a:rPr lang="de-DE" dirty="0" smtClean="0"/>
+              <a:rPr lang="de-DE" dirty="0"/>
               <a:t>Priorität von Rechenoperationen</a:t>
             </a:r>
           </a:p>
           <a:p>
             <a:pPr lvl="1"/>
             <a:r>
-              <a:rPr lang="de-DE" dirty="0" smtClean="0">
+              <a:rPr lang="de-DE" dirty="0">
                 <a:ea typeface="+mj-ea"/>
               </a:rPr>
               <a:t>KPMDAS</a:t>
@@ -13855,7 +13408,7 @@
               <a:t>k</a:t>
             </a:r>
             <a:r>
-              <a:rPr lang="de-DE" dirty="0" smtClean="0">
+              <a:rPr lang="de-DE" dirty="0">
                 <a:ea typeface="+mj-ea"/>
               </a:rPr>
               <a:t>ein </a:t>
@@ -13872,7 +13425,7 @@
               <a:t>P</a:t>
             </a:r>
             <a:r>
-              <a:rPr lang="de-DE" dirty="0" smtClean="0">
+              <a:rPr lang="de-DE" dirty="0">
                 <a:ea typeface="+mj-ea"/>
               </a:rPr>
               <a:t>rogramm </a:t>
@@ -13889,7 +13442,7 @@
               <a:t>m</a:t>
             </a:r>
             <a:r>
-              <a:rPr lang="de-DE" dirty="0" smtClean="0">
+              <a:rPr lang="de-DE" dirty="0">
                 <a:ea typeface="+mj-ea"/>
               </a:rPr>
               <a:t>acht </a:t>
@@ -13906,7 +13459,7 @@
               <a:t>d</a:t>
             </a:r>
             <a:r>
-              <a:rPr lang="de-DE" dirty="0" smtClean="0">
+              <a:rPr lang="de-DE" dirty="0">
                 <a:ea typeface="+mj-ea"/>
               </a:rPr>
               <a:t>iese </a:t>
@@ -13923,7 +13476,7 @@
               <a:t>a</a:t>
             </a:r>
             <a:r>
-              <a:rPr lang="de-DE" dirty="0" smtClean="0">
+              <a:rPr lang="de-DE" dirty="0">
                 <a:ea typeface="+mj-ea"/>
               </a:rPr>
               <a:t>bwegigen </a:t>
@@ -13940,7 +13493,7 @@
               <a:t>S</a:t>
             </a:r>
             <a:r>
-              <a:rPr lang="de-DE" dirty="0" smtClean="0">
+              <a:rPr lang="de-DE" dirty="0">
                 <a:ea typeface="+mj-ea"/>
               </a:rPr>
               <a:t>achen</a:t>
@@ -13964,7 +13517,7 @@
               <a:t>K</a:t>
             </a:r>
             <a:r>
-              <a:rPr lang="de-DE" dirty="0" smtClean="0">
+              <a:rPr lang="de-DE" dirty="0">
                 <a:ea typeface="+mj-ea"/>
               </a:rPr>
               <a:t>lammern, </a:t>
@@ -13981,7 +13534,7 @@
               <a:t>P</a:t>
             </a:r>
             <a:r>
-              <a:rPr lang="de-DE" dirty="0" smtClean="0">
+              <a:rPr lang="de-DE" dirty="0">
                 <a:ea typeface="+mj-ea"/>
               </a:rPr>
               <a:t>otenzen, </a:t>
@@ -13998,7 +13551,7 @@
               <a:t>M</a:t>
             </a:r>
             <a:r>
-              <a:rPr lang="de-DE" dirty="0" smtClean="0">
+              <a:rPr lang="de-DE" dirty="0">
                 <a:ea typeface="+mj-ea"/>
               </a:rPr>
               <a:t>ultiplikation/</a:t>
@@ -14015,7 +13568,7 @@
               <a:t>D</a:t>
             </a:r>
             <a:r>
-              <a:rPr lang="de-DE" dirty="0" smtClean="0">
+              <a:rPr lang="de-DE" dirty="0">
                 <a:ea typeface="+mj-ea"/>
               </a:rPr>
               <a:t>ivision, </a:t>
@@ -14032,7 +13585,7 @@
               <a:t>A</a:t>
             </a:r>
             <a:r>
-              <a:rPr lang="de-DE" dirty="0" smtClean="0">
+              <a:rPr lang="de-DE" dirty="0">
                 <a:ea typeface="+mj-ea"/>
               </a:rPr>
               <a:t>ddition/</a:t>
@@ -14049,7 +13602,7 @@
               <a:t>S</a:t>
             </a:r>
             <a:r>
-              <a:rPr lang="de-DE" dirty="0" smtClean="0">
+              <a:rPr lang="de-DE" dirty="0">
                 <a:ea typeface="+mj-ea"/>
               </a:rPr>
               <a:t>ubtraktion</a:t>
@@ -14057,7 +13610,7 @@
           </a:p>
           <a:p>
             <a:r>
-              <a:rPr lang="de-DE" dirty="0" smtClean="0">
+              <a:rPr lang="de-DE" dirty="0">
                 <a:ea typeface="+mj-ea"/>
               </a:rPr>
               <a:t>Variablen dürfen mehrere Buchstaben haben</a:t>
@@ -14066,7 +13619,7 @@
           <a:p>
             <a:pPr lvl="1"/>
             <a:r>
-              <a:rPr lang="de-DE" dirty="0" smtClean="0">
+              <a:rPr lang="de-DE" dirty="0">
                 <a:ea typeface="+mj-ea"/>
               </a:rPr>
               <a:t>Multiplikation muss immer explizit angegeben werden</a:t>
@@ -14091,7 +13644,7 @@
           <a:p>
             <a:fld id="{A8654AF1-82C6-4ADC-A7F2-B4AEE1A98348}" type="datetime1">
               <a:rPr lang="de-DE" smtClean="0"/>
-              <a:t>20.03.2019</a:t>
+              <a:t>12.03.2020</a:t>
             </a:fld>
             <a:endParaRPr lang="de-DE"/>
           </a:p>
@@ -14113,7 +13666,7 @@
           <a:lstStyle/>
           <a:p>
             <a:r>
-              <a:rPr lang="de-DE" smtClean="0"/>
+              <a:rPr lang="de-DE"/>
               <a:t>Python Einführung</a:t>
             </a:r>
             <a:endParaRPr lang="de-DE" dirty="0"/>
@@ -14189,21 +13742,6 @@
   <p:clrMapOvr>
     <a:masterClrMapping/>
   </p:clrMapOvr>
-  <mc:AlternateContent xmlns:mc="http://schemas.openxmlformats.org/markup-compatibility/2006" xmlns:p14="http://schemas.microsoft.com/office/powerpoint/2010/main">
-    <mc:Choice Requires="p14">
-      <p:transition p14:dur="0"/>
-    </mc:Choice>
-    <mc:Fallback xmlns="">
-      <p:transition/>
-    </mc:Fallback>
-  </mc:AlternateContent>
-  <p:timing>
-    <p:tnLst>
-      <p:par>
-        <p:cTn id="1" dur="indefinite" restart="never" nodeType="tmRoot"/>
-      </p:par>
-    </p:tnLst>
-  </p:timing>
 </p:sld>
 </file>
 
@@ -14242,18 +13780,14 @@
           <a:lstStyle/>
           <a:p>
             <a:r>
-              <a:rPr lang="de-DE" dirty="0" smtClean="0"/>
+              <a:rPr lang="de-DE" dirty="0"/>
               <a:t>Python Grundlagen</a:t>
             </a:r>
-            <a:r>
-              <a:rPr lang="de-DE" dirty="0"/>
-              <a:t/>
-            </a:r>
             <a:br>
               <a:rPr lang="de-DE" dirty="0"/>
             </a:br>
             <a:r>
-              <a:rPr lang="de-DE" dirty="0" smtClean="0"/>
+              <a:rPr lang="de-DE" dirty="0"/>
               <a:t>Rechnen</a:t>
             </a:r>
             <a:endParaRPr lang="de-DE" sz="2400" dirty="0">
@@ -14287,7 +13821,7 @@
           <a:lstStyle/>
           <a:p>
             <a:r>
-              <a:rPr lang="de-DE" dirty="0" smtClean="0"/>
+              <a:rPr lang="de-DE" dirty="0"/>
               <a:t>Abkürzungen</a:t>
             </a:r>
           </a:p>
@@ -14309,7 +13843,7 @@
               <a:t>i+=1 </a:t>
             </a:r>
             <a:r>
-              <a:rPr lang="de-DE" dirty="0" smtClean="0"/>
+              <a:rPr lang="de-DE" dirty="0"/>
               <a:t>bedeutet </a:t>
             </a:r>
             <a:r>
@@ -14324,7 +13858,7 @@
               <a:t>i=i+1</a:t>
             </a:r>
             <a:r>
-              <a:rPr lang="de-DE" dirty="0" smtClean="0"/>
+              <a:rPr lang="de-DE" dirty="0"/>
               <a:t>, d.h. i wird um eins erhöht</a:t>
             </a:r>
           </a:p>
@@ -14346,7 +13880,7 @@
               <a:t>i*=2 </a:t>
             </a:r>
             <a:r>
-              <a:rPr lang="de-DE" dirty="0" smtClean="0"/>
+              <a:rPr lang="de-DE" dirty="0"/>
               <a:t>bedeutet </a:t>
             </a:r>
             <a:r>
@@ -14361,7 +13895,7 @@
               <a:t>i=i*2</a:t>
             </a:r>
             <a:r>
-              <a:rPr lang="de-DE" dirty="0" smtClean="0"/>
+              <a:rPr lang="de-DE" dirty="0"/>
               <a:t>, d.h. i wird verdoppelt</a:t>
             </a:r>
           </a:p>
@@ -14372,7 +13906,7 @@
               </a:buClr>
             </a:pPr>
             <a:r>
-              <a:rPr lang="de-DE" dirty="0" smtClean="0"/>
+              <a:rPr lang="de-DE" dirty="0"/>
               <a:t>Dito: </a:t>
             </a:r>
             <a:r>
@@ -14387,7 +13921,7 @@
               <a:t>-=</a:t>
             </a:r>
             <a:r>
-              <a:rPr lang="de-DE" dirty="0" smtClean="0"/>
+              <a:rPr lang="de-DE" dirty="0"/>
               <a:t>, </a:t>
             </a:r>
             <a:r>
@@ -14409,7 +13943,7 @@
               </a:buClr>
             </a:pPr>
             <a:r>
-              <a:rPr lang="de-DE" dirty="0" smtClean="0"/>
+              <a:rPr lang="de-DE" dirty="0"/>
               <a:t>Selten: </a:t>
             </a:r>
             <a:r>
@@ -14430,7 +13964,7 @@
               <a:t>,</a:t>
             </a:r>
             <a:r>
-              <a:rPr lang="de-DE" dirty="0" smtClean="0"/>
+              <a:rPr lang="de-DE" dirty="0"/>
               <a:t> </a:t>
             </a:r>
             <a:r>
@@ -14451,7 +13985,7 @@
               <a:t>,</a:t>
             </a:r>
             <a:r>
-              <a:rPr lang="de-DE" dirty="0" smtClean="0"/>
+              <a:rPr lang="de-DE" dirty="0"/>
               <a:t> </a:t>
             </a:r>
             <a:r>
@@ -14485,7 +14019,7 @@
           <a:p>
             <a:fld id="{ACD76AD2-EB50-4CAA-B749-1CA7AD92AF96}" type="datetime1">
               <a:rPr lang="de-DE" smtClean="0"/>
-              <a:t>20.03.2019</a:t>
+              <a:t>12.03.2020</a:t>
             </a:fld>
             <a:endParaRPr lang="de-DE"/>
           </a:p>
@@ -14507,7 +14041,7 @@
           <a:lstStyle/>
           <a:p>
             <a:r>
-              <a:rPr lang="de-DE" smtClean="0"/>
+              <a:rPr lang="de-DE"/>
               <a:t>Python Einführung</a:t>
             </a:r>
             <a:endParaRPr lang="de-DE" dirty="0"/>
@@ -14547,21 +14081,6 @@
   <p:clrMapOvr>
     <a:masterClrMapping/>
   </p:clrMapOvr>
-  <mc:AlternateContent xmlns:mc="http://schemas.openxmlformats.org/markup-compatibility/2006" xmlns:p14="http://schemas.microsoft.com/office/powerpoint/2010/main">
-    <mc:Choice Requires="p14">
-      <p:transition p14:dur="0"/>
-    </mc:Choice>
-    <mc:Fallback xmlns="">
-      <p:transition/>
-    </mc:Fallback>
-  </mc:AlternateContent>
-  <p:timing>
-    <p:tnLst>
-      <p:par>
-        <p:cTn id="1" dur="indefinite" restart="never" nodeType="tmRoot"/>
-      </p:par>
-    </p:tnLst>
-  </p:timing>
 </p:sld>
 </file>
 
@@ -14600,17 +14119,16 @@
           <a:lstStyle/>
           <a:p>
             <a:r>
-              <a:rPr lang="de-DE" dirty="0" smtClean="0"/>
+              <a:rPr lang="de-DE" dirty="0"/>
               <a:t>Python Grundlagen</a:t>
             </a:r>
             <a:br>
-              <a:rPr lang="de-DE" dirty="0" smtClean="0"/>
+              <a:rPr lang="de-DE" dirty="0"/>
             </a:br>
             <a:r>
-              <a:rPr lang="de-DE" dirty="0" smtClean="0"/>
+              <a:rPr lang="de-DE" dirty="0"/>
               <a:t>Rechnen</a:t>
             </a:r>
-            <a:endParaRPr lang="de-DE" dirty="0"/>
           </a:p>
         </p:txBody>
       </p:sp>
@@ -14632,7 +14150,7 @@
             <a:fld id="{01FACE75-9AC0-4AFD-B75F-251826FD2CBC}" type="datetime1">
               <a:rPr lang="de-DE" smtClean="0"/>
               <a:pPr/>
-              <a:t>20.03.2019</a:t>
+              <a:t>12.03.2020</a:t>
             </a:fld>
             <a:endParaRPr lang="de-DE"/>
           </a:p>
@@ -14654,7 +14172,7 @@
           <a:lstStyle/>
           <a:p>
             <a:r>
-              <a:rPr lang="de-DE" smtClean="0"/>
+              <a:rPr lang="de-DE"/>
               <a:t>Python Einführung</a:t>
             </a:r>
             <a:endParaRPr lang="de-DE" dirty="0"/>
@@ -14703,32 +14221,32 @@
           <a:lstStyle/>
           <a:p>
             <a:r>
-              <a:rPr lang="de-DE" dirty="0" smtClean="0"/>
+              <a:rPr lang="de-DE" dirty="0"/>
               <a:t>Aufgabe 1</a:t>
             </a:r>
           </a:p>
           <a:p>
             <a:pPr lvl="1"/>
             <a:r>
-              <a:rPr lang="de-DE" sz="2400" dirty="0" smtClean="0">
+              <a:rPr lang="de-DE" sz="2400" dirty="0">
                 <a:ea typeface="+mj-ea"/>
               </a:rPr>
               <a:t>Berechne</a:t>
             </a:r>
             <a:r>
-              <a:rPr lang="de-DE" sz="2400" b="1" dirty="0" smtClean="0">
+              <a:rPr lang="de-DE" sz="2400" b="1" dirty="0">
                 <a:ea typeface="+mj-ea"/>
               </a:rPr>
               <a:t> </a:t>
             </a:r>
             <a:r>
-              <a:rPr lang="de-DE" sz="2400" dirty="0" smtClean="0">
+              <a:rPr lang="de-DE" sz="2400" dirty="0">
                 <a:ea typeface="+mj-ea"/>
               </a:rPr>
               <a:t>356 </a:t>
             </a:r>
             <a:r>
-              <a:rPr lang="de-DE" sz="2400" dirty="0" smtClean="0">
+              <a:rPr lang="de-DE" sz="2400" dirty="0">
                 <a:latin typeface="Segoe UI" panose="020B0502040204020203" pitchFamily="34" charset="0"/>
                 <a:ea typeface="+mj-ea"/>
                 <a:cs typeface="Segoe UI" panose="020B0502040204020203" pitchFamily="34" charset="0"/>
@@ -14736,20 +14254,17 @@
               <a:t>∙ </a:t>
             </a:r>
             <a:r>
-              <a:rPr lang="de-DE" sz="2400" dirty="0" smtClean="0">
+              <a:rPr lang="de-DE" sz="2400" dirty="0">
                 <a:ea typeface="+mj-ea"/>
               </a:rPr>
               <a:t>4</a:t>
             </a:r>
             <a:r>
-              <a:rPr lang="de-DE" sz="2400" baseline="30000" dirty="0" smtClean="0">
+              <a:rPr lang="de-DE" sz="2400" baseline="30000" dirty="0">
                 <a:ea typeface="+mj-ea"/>
               </a:rPr>
               <a:t>3</a:t>
             </a:r>
-            <a:endParaRPr lang="de-DE" sz="2400" baseline="30000" dirty="0">
-              <a:ea typeface="+mj-ea"/>
-            </a:endParaRPr>
           </a:p>
         </p:txBody>
       </p:sp>
@@ -14763,21 +14278,6 @@
   <p:clrMapOvr>
     <a:masterClrMapping/>
   </p:clrMapOvr>
-  <mc:AlternateContent xmlns:mc="http://schemas.openxmlformats.org/markup-compatibility/2006" xmlns:p14="http://schemas.microsoft.com/office/powerpoint/2010/main">
-    <mc:Choice Requires="p14">
-      <p:transition p14:dur="0"/>
-    </mc:Choice>
-    <mc:Fallback xmlns="">
-      <p:transition/>
-    </mc:Fallback>
-  </mc:AlternateContent>
-  <p:timing>
-    <p:tnLst>
-      <p:par>
-        <p:cTn id="1" dur="indefinite" restart="never" nodeType="tmRoot"/>
-      </p:par>
-    </p:tnLst>
-  </p:timing>
 </p:sld>
 </file>
 
@@ -14816,18 +14316,14 @@
           <a:lstStyle/>
           <a:p>
             <a:r>
-              <a:rPr lang="de-DE" dirty="0" smtClean="0"/>
+              <a:rPr lang="de-DE" dirty="0"/>
               <a:t>Python Grundlagen</a:t>
             </a:r>
-            <a:r>
-              <a:rPr lang="de-DE" dirty="0"/>
-              <a:t/>
-            </a:r>
             <a:br>
               <a:rPr lang="de-DE" dirty="0"/>
             </a:br>
             <a:r>
-              <a:rPr lang="de-DE" dirty="0" smtClean="0"/>
+              <a:rPr lang="de-DE" dirty="0"/>
               <a:t>Text</a:t>
             </a:r>
             <a:endParaRPr lang="de-DE" sz="2400" dirty="0">
@@ -14861,13 +14357,13 @@
           <a:lstStyle/>
           <a:p>
             <a:r>
-              <a:rPr lang="de-DE" dirty="0" smtClean="0"/>
+              <a:rPr lang="de-DE" dirty="0"/>
               <a:t>auch: Zeichenketten, Strings</a:t>
             </a:r>
           </a:p>
           <a:p>
             <a:r>
-              <a:rPr lang="de-DE" dirty="0" smtClean="0"/>
+              <a:rPr lang="de-DE" dirty="0"/>
               <a:t>In Anführungszeichen (</a:t>
             </a:r>
             <a:r>
@@ -14882,7 +14378,7 @@
               <a:t>"</a:t>
             </a:r>
             <a:r>
-              <a:rPr lang="de-DE" dirty="0" smtClean="0"/>
+              <a:rPr lang="de-DE" dirty="0"/>
               <a:t>...</a:t>
             </a:r>
             <a:r>
@@ -14897,42 +14393,38 @@
               <a:t>"</a:t>
             </a:r>
             <a:r>
-              <a:rPr lang="de-DE" dirty="0" smtClean="0"/>
+              <a:rPr lang="de-DE" dirty="0"/>
               <a:t>) („</a:t>
             </a:r>
             <a:r>
-              <a:rPr lang="de-DE" dirty="0" err="1" smtClean="0"/>
+              <a:rPr lang="de-DE" dirty="0" err="1"/>
               <a:t>quotation</a:t>
             </a:r>
             <a:r>
-              <a:rPr lang="de-DE" dirty="0" smtClean="0"/>
+              <a:rPr lang="de-DE" dirty="0"/>
               <a:t> </a:t>
             </a:r>
             <a:r>
-              <a:rPr lang="de-DE" dirty="0" err="1" smtClean="0"/>
+              <a:rPr lang="de-DE" dirty="0" err="1"/>
               <a:t>marks</a:t>
             </a:r>
             <a:r>
-              <a:rPr lang="de-DE" dirty="0" smtClean="0"/>
+              <a:rPr lang="de-DE" dirty="0"/>
               <a:t>“,“double </a:t>
             </a:r>
             <a:r>
-              <a:rPr lang="de-DE" dirty="0" err="1" smtClean="0"/>
+              <a:rPr lang="de-DE" dirty="0" err="1"/>
               <a:t>quotes</a:t>
             </a:r>
             <a:r>
-              <a:rPr lang="de-DE" dirty="0" smtClean="0"/>
+              <a:rPr lang="de-DE" dirty="0"/>
               <a:t>“)</a:t>
             </a:r>
           </a:p>
           <a:p>
             <a:r>
-              <a:rPr lang="de-DE" dirty="0" smtClean="0"/>
-              <a:t>In Hochkomma </a:t>
-            </a:r>
-            <a:r>
-              <a:rPr lang="de-DE" dirty="0"/>
-              <a:t>(</a:t>
+              <a:rPr lang="de-DE" dirty="0"/>
+              <a:t>In Hochkomma (</a:t>
             </a:r>
             <a:r>
               <a:rPr lang="de-DE" sz="3200" b="1" dirty="0">
@@ -14992,7 +14484,7 @@
           <a:p>
             <a:fld id="{1C7419EF-796B-42D8-AB5A-3E8CCB0ED8CB}" type="datetime1">
               <a:rPr lang="de-DE" smtClean="0"/>
-              <a:t>20.03.2019</a:t>
+              <a:t>12.03.2020</a:t>
             </a:fld>
             <a:endParaRPr lang="de-DE"/>
           </a:p>
@@ -15014,7 +14506,7 @@
           <a:lstStyle/>
           <a:p>
             <a:r>
-              <a:rPr lang="de-DE" smtClean="0"/>
+              <a:rPr lang="de-DE"/>
               <a:t>Python Einführung</a:t>
             </a:r>
             <a:endParaRPr lang="de-DE" dirty="0"/>
@@ -15090,21 +14582,6 @@
   <p:clrMapOvr>
     <a:masterClrMapping/>
   </p:clrMapOvr>
-  <mc:AlternateContent xmlns:mc="http://schemas.openxmlformats.org/markup-compatibility/2006" xmlns:p14="http://schemas.microsoft.com/office/powerpoint/2010/main">
-    <mc:Choice Requires="p14">
-      <p:transition p14:dur="0"/>
-    </mc:Choice>
-    <mc:Fallback xmlns="">
-      <p:transition/>
-    </mc:Fallback>
-  </mc:AlternateContent>
-  <p:timing>
-    <p:tnLst>
-      <p:par>
-        <p:cTn id="1" dur="indefinite" restart="never" nodeType="tmRoot"/>
-      </p:par>
-    </p:tnLst>
-  </p:timing>
 </p:sld>
 </file>
 
@@ -15143,18 +14620,14 @@
           <a:lstStyle/>
           <a:p>
             <a:r>
-              <a:rPr lang="de-DE" dirty="0" smtClean="0"/>
+              <a:rPr lang="de-DE" dirty="0"/>
               <a:t>Python Grundlagen</a:t>
             </a:r>
-            <a:r>
-              <a:rPr lang="de-DE" dirty="0"/>
-              <a:t/>
-            </a:r>
             <a:br>
               <a:rPr lang="de-DE" dirty="0"/>
             </a:br>
             <a:r>
-              <a:rPr lang="de-DE" dirty="0" smtClean="0"/>
+              <a:rPr lang="de-DE" dirty="0"/>
               <a:t>Text</a:t>
             </a:r>
             <a:endParaRPr lang="de-DE" sz="2400" dirty="0">
@@ -15188,36 +14661,36 @@
           <a:lstStyle/>
           <a:p>
             <a:r>
-              <a:rPr lang="de-DE" dirty="0" smtClean="0"/>
+              <a:rPr lang="de-DE" dirty="0"/>
               <a:t>Anführungszeichen in Zeichenketten</a:t>
             </a:r>
           </a:p>
           <a:p>
             <a:pPr lvl="1"/>
             <a:r>
-              <a:rPr lang="de-DE" dirty="0" smtClean="0"/>
+              <a:rPr lang="de-DE" dirty="0"/>
               <a:t>sollen Anführungszeichen oder Hochkommas im Text vorkommen,</a:t>
             </a:r>
             <a:br>
-              <a:rPr lang="de-DE" dirty="0" smtClean="0"/>
+              <a:rPr lang="de-DE" dirty="0"/>
             </a:br>
             <a:r>
-              <a:rPr lang="de-DE" dirty="0" smtClean="0"/>
+              <a:rPr lang="de-DE" dirty="0"/>
               <a:t>muss es dem Interpreter „entrinnen“ („</a:t>
             </a:r>
             <a:r>
-              <a:rPr lang="de-DE" dirty="0" err="1" smtClean="0"/>
+              <a:rPr lang="de-DE" dirty="0" err="1"/>
               <a:t>escape</a:t>
             </a:r>
             <a:r>
-              <a:rPr lang="de-DE" dirty="0" smtClean="0"/>
+              <a:rPr lang="de-DE" dirty="0"/>
               <a:t>“)</a:t>
             </a:r>
           </a:p>
           <a:p>
             <a:pPr lvl="1"/>
             <a:r>
-              <a:rPr lang="de-DE" dirty="0" smtClean="0"/>
+              <a:rPr lang="de-DE" dirty="0"/>
               <a:t>das geschieht mit einem umgekehrten Schrägstrich </a:t>
             </a:r>
             <a:r>
@@ -15232,33 +14705,32 @@
               <a:t>\</a:t>
             </a:r>
             <a:r>
-              <a:rPr lang="de-DE" dirty="0" smtClean="0"/>
+              <a:rPr lang="de-DE" dirty="0"/>
               <a:t> („</a:t>
             </a:r>
             <a:r>
-              <a:rPr lang="de-DE" dirty="0" err="1" smtClean="0"/>
+              <a:rPr lang="de-DE" dirty="0" err="1"/>
               <a:t>Backslash</a:t>
             </a:r>
             <a:r>
-              <a:rPr lang="de-DE" dirty="0" smtClean="0"/>
+              <a:rPr lang="de-DE" dirty="0"/>
               <a:t>“)</a:t>
             </a:r>
           </a:p>
           <a:p>
             <a:pPr lvl="1"/>
             <a:r>
-              <a:rPr lang="de-DE" dirty="0" smtClean="0"/>
+              <a:rPr lang="de-DE" dirty="0"/>
               <a:t>soll ein </a:t>
             </a:r>
             <a:r>
-              <a:rPr lang="de-DE" dirty="0" err="1" smtClean="0"/>
+              <a:rPr lang="de-DE" dirty="0" err="1"/>
               <a:t>Backslash</a:t>
             </a:r>
             <a:r>
-              <a:rPr lang="de-DE" dirty="0" smtClean="0"/>
+              <a:rPr lang="de-DE" dirty="0"/>
               <a:t> vorkommen, gilt dasselbe</a:t>
             </a:r>
-            <a:endParaRPr lang="de-DE" dirty="0"/>
           </a:p>
         </p:txBody>
       </p:sp>
@@ -15279,7 +14751,7 @@
           <a:p>
             <a:fld id="{212C206A-EE2D-4D5E-9C6B-9F484E460468}" type="datetime1">
               <a:rPr lang="de-DE" smtClean="0"/>
-              <a:t>20.03.2019</a:t>
+              <a:t>12.03.2020</a:t>
             </a:fld>
             <a:endParaRPr lang="de-DE"/>
           </a:p>
@@ -15301,7 +14773,7 @@
           <a:lstStyle/>
           <a:p>
             <a:r>
-              <a:rPr lang="de-DE" smtClean="0"/>
+              <a:rPr lang="de-DE"/>
               <a:t>Python Einführung</a:t>
             </a:r>
             <a:endParaRPr lang="de-DE" dirty="0"/>
@@ -15413,21 +14885,6 @@
   <p:clrMapOvr>
     <a:masterClrMapping/>
   </p:clrMapOvr>
-  <mc:AlternateContent xmlns:mc="http://schemas.openxmlformats.org/markup-compatibility/2006" xmlns:p14="http://schemas.microsoft.com/office/powerpoint/2010/main">
-    <mc:Choice Requires="p14">
-      <p:transition p14:dur="0"/>
-    </mc:Choice>
-    <mc:Fallback xmlns="">
-      <p:transition/>
-    </mc:Fallback>
-  </mc:AlternateContent>
-  <p:timing>
-    <p:tnLst>
-      <p:par>
-        <p:cTn id="1" dur="indefinite" restart="never" nodeType="tmRoot"/>
-      </p:par>
-    </p:tnLst>
-  </p:timing>
 </p:sld>
 </file>
 
@@ -15466,18 +14923,14 @@
           <a:lstStyle/>
           <a:p>
             <a:r>
-              <a:rPr lang="de-DE" dirty="0" smtClean="0"/>
+              <a:rPr lang="de-DE" dirty="0"/>
               <a:t>Python Grundlagen</a:t>
             </a:r>
-            <a:r>
-              <a:rPr lang="de-DE" dirty="0"/>
-              <a:t/>
-            </a:r>
             <a:br>
               <a:rPr lang="de-DE" dirty="0"/>
             </a:br>
             <a:r>
-              <a:rPr lang="de-DE" dirty="0" smtClean="0"/>
+              <a:rPr lang="de-DE" dirty="0"/>
               <a:t>Text</a:t>
             </a:r>
             <a:endParaRPr lang="de-DE" sz="2400" dirty="0">
@@ -15511,7 +14964,7 @@
           <a:lstStyle/>
           <a:p>
             <a:r>
-              <a:rPr lang="de-DE" dirty="0" smtClean="0"/>
+              <a:rPr lang="de-DE" dirty="0"/>
               <a:t>Neue Zeile: </a:t>
             </a:r>
             <a:r>
@@ -15528,11 +14981,11 @@
           </a:p>
           <a:p>
             <a:r>
-              <a:rPr lang="de-DE" dirty="0" err="1" smtClean="0"/>
+              <a:rPr lang="de-DE" dirty="0" err="1"/>
               <a:t>Backslash</a:t>
             </a:r>
             <a:r>
-              <a:rPr lang="de-DE" dirty="0" smtClean="0"/>
+              <a:rPr lang="de-DE" dirty="0"/>
               <a:t>: </a:t>
             </a:r>
             <a:r>
@@ -15549,11 +15002,11 @@
           </a:p>
           <a:p>
             <a:r>
-              <a:rPr lang="de-DE" dirty="0" smtClean="0"/>
+              <a:rPr lang="de-DE" dirty="0"/>
               <a:t>Anführungszeichen, Apostroph: </a:t>
             </a:r>
             <a:r>
-              <a:rPr lang="de-DE" sz="3200" b="1" dirty="0" smtClean="0">
+              <a:rPr lang="de-DE" sz="3200" b="1" dirty="0">
                 <a:solidFill>
                   <a:schemeClr val="accent1">
                     <a:lumMod val="75000"/>
@@ -15564,11 +15017,11 @@
               <a:t>\"</a:t>
             </a:r>
             <a:r>
-              <a:rPr lang="de-DE" dirty="0" smtClean="0"/>
+              <a:rPr lang="de-DE" dirty="0"/>
               <a:t> , </a:t>
             </a:r>
             <a:r>
-              <a:rPr lang="de-DE" sz="3200" b="1" dirty="0" smtClean="0">
+              <a:rPr lang="de-DE" sz="3200" b="1" dirty="0">
                 <a:solidFill>
                   <a:schemeClr val="accent1">
                     <a:lumMod val="75000"/>
@@ -15578,22 +15031,14 @@
               </a:rPr>
               <a:t>\'</a:t>
             </a:r>
-            <a:endParaRPr lang="de-DE" sz="3200" b="1" dirty="0">
-              <a:solidFill>
-                <a:schemeClr val="accent1">
-                  <a:lumMod val="75000"/>
-                </a:schemeClr>
-              </a:solidFill>
-              <a:ea typeface="+mj-ea"/>
-            </a:endParaRPr>
-          </a:p>
-          <a:p>
-            <a:r>
-              <a:rPr lang="de-DE" dirty="0" smtClean="0"/>
+          </a:p>
+          <a:p>
+            <a:r>
+              <a:rPr lang="de-DE" dirty="0"/>
               <a:t>Sonderzeichen aus Zeichentabelle (Unicode-Tabelle): </a:t>
             </a:r>
             <a:r>
-              <a:rPr lang="de-DE" sz="3200" b="1" dirty="0" smtClean="0">
+              <a:rPr lang="de-DE" sz="3200" b="1" dirty="0">
                 <a:solidFill>
                   <a:schemeClr val="accent1">
                     <a:lumMod val="75000"/>
@@ -15604,7 +15049,7 @@
               <a:t>\</a:t>
             </a:r>
             <a:r>
-              <a:rPr lang="de-DE" sz="3200" b="1" dirty="0" err="1" smtClean="0">
+              <a:rPr lang="de-DE" sz="3200" b="1" dirty="0" err="1">
                 <a:solidFill>
                   <a:schemeClr val="accent1">
                     <a:lumMod val="75000"/>
@@ -15615,7 +15060,7 @@
               <a:t>u</a:t>
             </a:r>
             <a:r>
-              <a:rPr lang="de-DE" sz="3200" b="1" i="1" dirty="0" err="1" smtClean="0">
+              <a:rPr lang="de-DE" sz="3200" b="1" i="1" dirty="0" err="1">
                 <a:solidFill>
                   <a:schemeClr val="accent1">
                     <a:lumMod val="75000"/>
@@ -15637,21 +15082,21 @@
           <a:p>
             <a:pPr lvl="1"/>
             <a:r>
-              <a:rPr lang="de-DE" dirty="0" smtClean="0"/>
+              <a:rPr lang="de-DE" dirty="0"/>
               <a:t>(</a:t>
             </a:r>
             <a:r>
-              <a:rPr lang="de-DE" dirty="0" err="1" smtClean="0"/>
+              <a:rPr lang="de-DE" dirty="0" err="1"/>
               <a:t>hhhh</a:t>
             </a:r>
             <a:r>
-              <a:rPr lang="de-DE" dirty="0" smtClean="0"/>
+              <a:rPr lang="de-DE" dirty="0"/>
               <a:t> wird durch die hexadezimale Zahl aus der Tabelle ersetzt)</a:t>
             </a:r>
           </a:p>
           <a:p>
             <a:r>
-              <a:rPr lang="de-DE" dirty="0" smtClean="0"/>
+              <a:rPr lang="de-DE" dirty="0"/>
               <a:t>oder dank UTF-8 einfach einfügen</a:t>
             </a:r>
           </a:p>
@@ -15674,7 +15119,7 @@
           <a:p>
             <a:fld id="{4B25BD17-D927-49E2-B452-E213A9E194A6}" type="datetime1">
               <a:rPr lang="de-DE" smtClean="0"/>
-              <a:t>20.03.2019</a:t>
+              <a:t>12.03.2020</a:t>
             </a:fld>
             <a:endParaRPr lang="de-DE"/>
           </a:p>
@@ -15696,7 +15141,7 @@
           <a:lstStyle/>
           <a:p>
             <a:r>
-              <a:rPr lang="de-DE" smtClean="0"/>
+              <a:rPr lang="de-DE"/>
               <a:t>Python Einführung</a:t>
             </a:r>
             <a:endParaRPr lang="de-DE" dirty="0"/>
@@ -15772,21 +15217,6 @@
   <p:clrMapOvr>
     <a:masterClrMapping/>
   </p:clrMapOvr>
-  <mc:AlternateContent xmlns:mc="http://schemas.openxmlformats.org/markup-compatibility/2006" xmlns:p14="http://schemas.microsoft.com/office/powerpoint/2010/main">
-    <mc:Choice Requires="p14">
-      <p:transition p14:dur="0"/>
-    </mc:Choice>
-    <mc:Fallback xmlns="">
-      <p:transition/>
-    </mc:Fallback>
-  </mc:AlternateContent>
-  <p:timing>
-    <p:tnLst>
-      <p:par>
-        <p:cTn id="1" dur="indefinite" restart="never" nodeType="tmRoot"/>
-      </p:par>
-    </p:tnLst>
-  </p:timing>
 </p:sld>
 </file>
 
@@ -15825,18 +15255,14 @@
           <a:lstStyle/>
           <a:p>
             <a:r>
-              <a:rPr lang="de-DE" dirty="0" smtClean="0"/>
+              <a:rPr lang="de-DE" dirty="0"/>
               <a:t>Python Grundlagen</a:t>
             </a:r>
-            <a:r>
-              <a:rPr lang="de-DE" dirty="0"/>
-              <a:t/>
-            </a:r>
             <a:br>
               <a:rPr lang="de-DE" dirty="0"/>
             </a:br>
             <a:r>
-              <a:rPr lang="de-DE" dirty="0" smtClean="0"/>
+              <a:rPr lang="de-DE" dirty="0"/>
               <a:t>Text</a:t>
             </a:r>
             <a:endParaRPr lang="de-DE" sz="2400" dirty="0">
@@ -15870,14 +15296,14 @@
           <a:lstStyle/>
           <a:p>
             <a:r>
-              <a:rPr lang="de-DE" dirty="0" smtClean="0"/>
+              <a:rPr lang="de-DE" dirty="0"/>
               <a:t>Rechnen mit Text</a:t>
             </a:r>
           </a:p>
           <a:p>
             <a:pPr lvl="1"/>
             <a:r>
-              <a:rPr lang="de-DE" dirty="0" smtClean="0"/>
+              <a:rPr lang="de-DE" dirty="0"/>
               <a:t>eine Variable kann auch Text enthalten</a:t>
             </a:r>
             <a:endParaRPr lang="de-DE" sz="2800" b="1" dirty="0">
@@ -15891,7 +15317,7 @@
           </a:p>
           <a:p>
             <a:r>
-              <a:rPr lang="de-DE" dirty="0" smtClean="0"/>
+              <a:rPr lang="de-DE" dirty="0"/>
               <a:t>Verknüpfen von Text mit </a:t>
             </a:r>
             <a:r>
@@ -15909,11 +15335,11 @@
           <a:p>
             <a:pPr lvl="1"/>
             <a:r>
-              <a:rPr lang="de-DE" dirty="0" smtClean="0"/>
+              <a:rPr lang="de-DE" dirty="0"/>
               <a:t>Multiplizieren mit </a:t>
             </a:r>
             <a:r>
-              <a:rPr lang="de-DE" sz="2800" b="1" dirty="0" smtClean="0">
+              <a:rPr lang="de-DE" sz="2800" b="1" dirty="0">
                 <a:solidFill>
                   <a:schemeClr val="accent1">
                     <a:lumMod val="75000"/>
@@ -15923,14 +15349,6 @@
               </a:rPr>
               <a:t>*</a:t>
             </a:r>
-            <a:endParaRPr lang="de-DE" sz="2800" b="1" dirty="0">
-              <a:solidFill>
-                <a:schemeClr val="accent1">
-                  <a:lumMod val="75000"/>
-                </a:schemeClr>
-              </a:solidFill>
-              <a:ea typeface="+mj-ea"/>
-            </a:endParaRPr>
           </a:p>
         </p:txBody>
       </p:sp>
@@ -15951,7 +15369,7 @@
           <a:p>
             <a:fld id="{E1A6A946-6638-4186-B043-3EA9BD1D6DDA}" type="datetime1">
               <a:rPr lang="de-DE" smtClean="0"/>
-              <a:t>20.03.2019</a:t>
+              <a:t>12.03.2020</a:t>
             </a:fld>
             <a:endParaRPr lang="de-DE"/>
           </a:p>
@@ -15973,7 +15391,7 @@
           <a:lstStyle/>
           <a:p>
             <a:r>
-              <a:rPr lang="de-DE" smtClean="0"/>
+              <a:rPr lang="de-DE"/>
               <a:t>Python Einführung</a:t>
             </a:r>
             <a:endParaRPr lang="de-DE" dirty="0"/>
@@ -16043,21 +15461,6 @@
   <p:clrMapOvr>
     <a:masterClrMapping/>
   </p:clrMapOvr>
-  <mc:AlternateContent xmlns:mc="http://schemas.openxmlformats.org/markup-compatibility/2006" xmlns:p14="http://schemas.microsoft.com/office/powerpoint/2010/main">
-    <mc:Choice Requires="p14">
-      <p:transition p14:dur="0"/>
-    </mc:Choice>
-    <mc:Fallback xmlns="">
-      <p:transition/>
-    </mc:Fallback>
-  </mc:AlternateContent>
-  <p:timing>
-    <p:tnLst>
-      <p:par>
-        <p:cTn id="1" dur="indefinite" restart="never" nodeType="tmRoot"/>
-      </p:par>
-    </p:tnLst>
-  </p:timing>
 </p:sld>
 </file>
 
@@ -16096,14 +15499,14 @@
           <a:lstStyle/>
           <a:p>
             <a:r>
-              <a:rPr lang="de-DE" dirty="0" smtClean="0"/>
+              <a:rPr lang="de-DE" dirty="0"/>
               <a:t>Programmiersprachen</a:t>
             </a:r>
             <a:br>
-              <a:rPr lang="de-DE" dirty="0" smtClean="0"/>
+              <a:rPr lang="de-DE" dirty="0"/>
             </a:br>
             <a:r>
-              <a:rPr lang="de-DE" dirty="0" smtClean="0"/>
+              <a:rPr lang="de-DE" dirty="0"/>
               <a:t>Maschinensprache</a:t>
             </a:r>
             <a:endParaRPr lang="de-DE" sz="2400" dirty="0">
@@ -16135,29 +15538,28 @@
           <a:lstStyle/>
           <a:p>
             <a:r>
-              <a:rPr lang="de-DE" dirty="0" smtClean="0"/>
+              <a:rPr lang="de-DE" dirty="0"/>
               <a:t>Prozessor versteht Maschinensprache</a:t>
             </a:r>
           </a:p>
           <a:p>
             <a:r>
-              <a:rPr lang="de-DE" dirty="0" smtClean="0"/>
+              <a:rPr lang="de-DE" dirty="0"/>
               <a:t>Prozessoren führen Befehle / Berechnungen aus</a:t>
             </a:r>
           </a:p>
           <a:p>
             <a:r>
-              <a:rPr lang="de-DE" dirty="0" smtClean="0"/>
+              <a:rPr lang="de-DE" dirty="0"/>
               <a:t>Maschinensprache sind Zahlen</a:t>
             </a:r>
           </a:p>
           <a:p>
             <a:pPr lvl="1"/>
             <a:r>
-              <a:rPr lang="de-DE" dirty="0" smtClean="0"/>
+              <a:rPr lang="de-DE" dirty="0"/>
               <a:t>Meist Hexadezimal</a:t>
             </a:r>
-            <a:endParaRPr lang="de-DE" dirty="0"/>
           </a:p>
         </p:txBody>
       </p:sp>
@@ -16178,7 +15580,7 @@
           <a:p>
             <a:fld id="{C1921D34-303B-4044-A77B-A7659C9CFEF9}" type="datetime1">
               <a:rPr lang="de-DE" smtClean="0"/>
-              <a:t>20.03.2019</a:t>
+              <a:t>12.03.2020</a:t>
             </a:fld>
             <a:endParaRPr lang="de-DE"/>
           </a:p>
@@ -16200,10 +15602,9 @@
           <a:lstStyle/>
           <a:p>
             <a:r>
-              <a:rPr lang="de-DE" smtClean="0"/>
+              <a:rPr lang="de-DE"/>
               <a:t>Python Einführung</a:t>
             </a:r>
-            <a:endParaRPr lang="de-DE"/>
           </a:p>
         </p:txBody>
       </p:sp>
@@ -16542,21 +15943,6 @@
   <p:clrMapOvr>
     <a:masterClrMapping/>
   </p:clrMapOvr>
-  <mc:AlternateContent xmlns:mc="http://schemas.openxmlformats.org/markup-compatibility/2006" xmlns:p14="http://schemas.microsoft.com/office/powerpoint/2010/main">
-    <mc:Choice Requires="p14">
-      <p:transition p14:dur="0"/>
-    </mc:Choice>
-    <mc:Fallback xmlns="">
-      <p:transition/>
-    </mc:Fallback>
-  </mc:AlternateContent>
-  <p:timing>
-    <p:tnLst>
-      <p:par>
-        <p:cTn id="1" dur="indefinite" restart="never" nodeType="tmRoot"/>
-      </p:par>
-    </p:tnLst>
-  </p:timing>
 </p:sld>
 </file>
 
@@ -16595,18 +15981,14 @@
           <a:lstStyle/>
           <a:p>
             <a:r>
-              <a:rPr lang="de-DE" dirty="0" smtClean="0"/>
+              <a:rPr lang="de-DE" dirty="0"/>
               <a:t>Python Grundlagen</a:t>
             </a:r>
-            <a:r>
-              <a:rPr lang="de-DE" dirty="0"/>
-              <a:t/>
-            </a:r>
             <a:br>
               <a:rPr lang="de-DE" dirty="0"/>
             </a:br>
             <a:r>
-              <a:rPr lang="de-DE" dirty="0" smtClean="0"/>
+              <a:rPr lang="de-DE" dirty="0"/>
               <a:t>Text</a:t>
             </a:r>
             <a:endParaRPr lang="de-DE" sz="2400" dirty="0">
@@ -16640,18 +16022,18 @@
           <a:lstStyle/>
           <a:p>
             <a:r>
-              <a:rPr lang="de-DE" dirty="0" smtClean="0"/>
+              <a:rPr lang="de-DE" dirty="0"/>
               <a:t>Zerteilen von Texten</a:t>
             </a:r>
           </a:p>
           <a:p>
             <a:pPr lvl="1"/>
             <a:r>
-              <a:rPr lang="de-DE" dirty="0" smtClean="0"/>
+              <a:rPr lang="de-DE" dirty="0"/>
               <a:t>mit </a:t>
             </a:r>
             <a:r>
-              <a:rPr lang="de-DE" sz="2800" b="1" dirty="0" smtClean="0">
+              <a:rPr lang="de-DE" sz="2800" b="1" dirty="0">
                 <a:solidFill>
                   <a:schemeClr val="accent1">
                     <a:lumMod val="75000"/>
@@ -16662,13 +16044,13 @@
               <a:t>[</a:t>
             </a:r>
             <a:r>
-              <a:rPr lang="de-DE" dirty="0" err="1" smtClean="0">
+              <a:rPr lang="de-DE" dirty="0" err="1">
                 <a:ea typeface="+mj-ea"/>
               </a:rPr>
               <a:t>start</a:t>
             </a:r>
             <a:r>
-              <a:rPr lang="de-DE" sz="2800" b="1" dirty="0" err="1" smtClean="0">
+              <a:rPr lang="de-DE" sz="2800" b="1" dirty="0" err="1">
                 <a:solidFill>
                   <a:schemeClr val="accent1">
                     <a:lumMod val="75000"/>
@@ -16679,13 +16061,13 @@
               <a:t>:</a:t>
             </a:r>
             <a:r>
-              <a:rPr lang="de-DE" dirty="0" err="1" smtClean="0">
+              <a:rPr lang="de-DE" dirty="0" err="1">
                 <a:ea typeface="+mj-ea"/>
               </a:rPr>
               <a:t>ende</a:t>
             </a:r>
             <a:r>
-              <a:rPr lang="de-DE" sz="2800" b="1" dirty="0" smtClean="0">
+              <a:rPr lang="de-DE" sz="2800" b="1" dirty="0">
                 <a:solidFill>
                   <a:schemeClr val="accent1">
                     <a:lumMod val="75000"/>
@@ -16695,23 +16077,15 @@
               </a:rPr>
               <a:t>]</a:t>
             </a:r>
-            <a:endParaRPr lang="de-DE" sz="2800" b="1" dirty="0">
-              <a:solidFill>
-                <a:schemeClr val="accent1">
-                  <a:lumMod val="75000"/>
-                </a:schemeClr>
-              </a:solidFill>
-              <a:ea typeface="+mj-ea"/>
-            </a:endParaRPr>
           </a:p>
           <a:p>
             <a:pPr lvl="1"/>
             <a:r>
-              <a:rPr lang="de-DE" dirty="0" smtClean="0"/>
+              <a:rPr lang="de-DE" dirty="0"/>
               <a:t>Beginnt (wie vieles beim PC) mit </a:t>
             </a:r>
             <a:r>
-              <a:rPr lang="de-DE" sz="2800" b="1" dirty="0" smtClean="0">
+              <a:rPr lang="de-DE" sz="2800" b="1" dirty="0">
                 <a:solidFill>
                   <a:schemeClr val="accent1">
                     <a:lumMod val="75000"/>
@@ -16721,29 +16095,20 @@
               </a:rPr>
               <a:t>0</a:t>
             </a:r>
-            <a:endParaRPr lang="de-DE" sz="2800" b="1" dirty="0">
-              <a:solidFill>
-                <a:schemeClr val="accent1">
-                  <a:lumMod val="75000"/>
-                </a:schemeClr>
-              </a:solidFill>
-              <a:ea typeface="+mj-ea"/>
-            </a:endParaRPr>
           </a:p>
           <a:p>
             <a:pPr lvl="1"/>
             <a:r>
-              <a:rPr lang="de-DE" dirty="0" smtClean="0"/>
+              <a:rPr lang="de-DE" dirty="0"/>
               <a:t>viele Sonderfunktionen</a:t>
             </a:r>
           </a:p>
           <a:p>
             <a:pPr lvl="2"/>
             <a:r>
-              <a:rPr lang="de-DE" dirty="0" smtClean="0"/>
+              <a:rPr lang="de-DE" dirty="0"/>
               <a:t>[6]</a:t>
             </a:r>
-            <a:endParaRPr lang="de-DE" dirty="0"/>
           </a:p>
           <a:p>
             <a:pPr lvl="2"/>
@@ -16765,7 +16130,6 @@
               <a:rPr lang="de-DE" dirty="0"/>
               <a:t>[-5:-1]</a:t>
             </a:r>
-            <a:endParaRPr lang="de-DE" dirty="0" smtClean="0"/>
           </a:p>
         </p:txBody>
       </p:sp>
@@ -16786,7 +16150,7 @@
           <a:p>
             <a:fld id="{CF4085D9-06B7-4FD4-909D-1B487320FEF5}" type="datetime1">
               <a:rPr lang="de-DE" smtClean="0"/>
-              <a:t>20.03.2019</a:t>
+              <a:t>12.03.2020</a:t>
             </a:fld>
             <a:endParaRPr lang="de-DE"/>
           </a:p>
@@ -16808,7 +16172,7 @@
           <a:lstStyle/>
           <a:p>
             <a:r>
-              <a:rPr lang="de-DE" smtClean="0"/>
+              <a:rPr lang="de-DE"/>
               <a:t>Python Einführung</a:t>
             </a:r>
             <a:endParaRPr lang="de-DE" dirty="0"/>
@@ -16884,21 +16248,6 @@
   <p:clrMapOvr>
     <a:masterClrMapping/>
   </p:clrMapOvr>
-  <mc:AlternateContent xmlns:mc="http://schemas.openxmlformats.org/markup-compatibility/2006" xmlns:p14="http://schemas.microsoft.com/office/powerpoint/2010/main">
-    <mc:Choice Requires="p14">
-      <p:transition p14:dur="0"/>
-    </mc:Choice>
-    <mc:Fallback xmlns="">
-      <p:transition/>
-    </mc:Fallback>
-  </mc:AlternateContent>
-  <p:timing>
-    <p:tnLst>
-      <p:par>
-        <p:cTn id="1" dur="indefinite" restart="never" nodeType="tmRoot"/>
-      </p:par>
-    </p:tnLst>
-  </p:timing>
 </p:sld>
 </file>
 
@@ -16937,18 +16286,14 @@
           <a:lstStyle/>
           <a:p>
             <a:r>
-              <a:rPr lang="de-DE" dirty="0" smtClean="0"/>
+              <a:rPr lang="de-DE" dirty="0"/>
               <a:t>Python Grundlagen</a:t>
             </a:r>
-            <a:r>
-              <a:rPr lang="de-DE" dirty="0"/>
-              <a:t/>
-            </a:r>
             <a:br>
               <a:rPr lang="de-DE" dirty="0"/>
             </a:br>
             <a:r>
-              <a:rPr lang="de-DE" dirty="0" smtClean="0"/>
+              <a:rPr lang="de-DE" dirty="0"/>
               <a:t>Text</a:t>
             </a:r>
             <a:endParaRPr lang="de-DE" sz="2400" dirty="0">
@@ -16982,25 +16327,25 @@
           <a:lstStyle/>
           <a:p>
             <a:r>
-              <a:rPr lang="de-DE" dirty="0" smtClean="0"/>
+              <a:rPr lang="de-DE" dirty="0"/>
               <a:t>Umwandlungen</a:t>
             </a:r>
           </a:p>
           <a:p>
             <a:pPr lvl="1"/>
             <a:r>
-              <a:rPr lang="de-DE" dirty="0" smtClean="0"/>
+              <a:rPr lang="de-DE" dirty="0"/>
               <a:t>Benutzereingaben sind zunächst Text</a:t>
             </a:r>
           </a:p>
           <a:p>
             <a:pPr lvl="1"/>
             <a:r>
-              <a:rPr lang="de-DE" dirty="0" smtClean="0"/>
+              <a:rPr lang="de-DE" dirty="0"/>
               <a:t>Text zu Ganzzahl: </a:t>
             </a:r>
             <a:r>
-              <a:rPr lang="de-DE" b="1" dirty="0" err="1" smtClean="0">
+              <a:rPr lang="de-DE" b="1" dirty="0" err="1">
                 <a:solidFill>
                   <a:schemeClr val="accent1">
                     <a:lumMod val="75000"/>
@@ -17011,7 +16356,7 @@
               <a:t>int</a:t>
             </a:r>
             <a:r>
-              <a:rPr lang="de-DE" b="1" dirty="0" smtClean="0">
+              <a:rPr lang="de-DE" b="1" dirty="0">
                 <a:solidFill>
                   <a:schemeClr val="accent1">
                     <a:lumMod val="75000"/>
@@ -17022,13 +16367,13 @@
               <a:t>(</a:t>
             </a:r>
             <a:r>
-              <a:rPr lang="de-DE" dirty="0" err="1" smtClean="0">
+              <a:rPr lang="de-DE" dirty="0" err="1">
                 <a:ea typeface="+mj-ea"/>
               </a:rPr>
               <a:t>text</a:t>
             </a:r>
             <a:r>
-              <a:rPr lang="de-DE" b="1" dirty="0" smtClean="0">
+              <a:rPr lang="de-DE" b="1" dirty="0">
                 <a:solidFill>
                   <a:schemeClr val="accent1">
                     <a:lumMod val="75000"/>
@@ -17043,14 +16388,10 @@
             <a:pPr lvl="1"/>
             <a:r>
               <a:rPr lang="de-DE" dirty="0"/>
-              <a:t>Text </a:t>
-            </a:r>
-            <a:r>
-              <a:rPr lang="de-DE" dirty="0" smtClean="0"/>
-              <a:t>zu Kommazahl: </a:t>
-            </a:r>
-            <a:r>
-              <a:rPr lang="de-DE" b="1" dirty="0" err="1" smtClean="0">
+              <a:t>Text zu Kommazahl: </a:t>
+            </a:r>
+            <a:r>
+              <a:rPr lang="de-DE" b="1" dirty="0" err="1">
                 <a:solidFill>
                   <a:schemeClr val="accent1">
                     <a:lumMod val="75000"/>
@@ -17060,7 +16401,7 @@
               <a:t>float</a:t>
             </a:r>
             <a:r>
-              <a:rPr lang="de-DE" b="1" dirty="0" smtClean="0">
+              <a:rPr lang="de-DE" b="1" dirty="0">
                 <a:solidFill>
                   <a:schemeClr val="accent1">
                     <a:lumMod val="75000"/>
@@ -17074,7 +16415,7 @@
               <a:t>text</a:t>
             </a:r>
             <a:r>
-              <a:rPr lang="de-DE" b="1" dirty="0" smtClean="0">
+              <a:rPr lang="de-DE" b="1" dirty="0">
                 <a:solidFill>
                   <a:schemeClr val="accent1">
                     <a:lumMod val="75000"/>
@@ -17083,30 +16424,15 @@
               </a:rPr>
               <a:t>)</a:t>
             </a:r>
-            <a:endParaRPr lang="de-DE" b="1" dirty="0">
-              <a:solidFill>
-                <a:schemeClr val="accent1">
-                  <a:lumMod val="75000"/>
-                </a:schemeClr>
-              </a:solidFill>
-            </a:endParaRPr>
           </a:p>
           <a:p>
             <a:pPr lvl="1"/>
             <a:r>
-              <a:rPr lang="de-DE" dirty="0" smtClean="0"/>
-              <a:t>Zahl </a:t>
-            </a:r>
-            <a:r>
-              <a:rPr lang="de-DE" dirty="0"/>
-              <a:t>in </a:t>
-            </a:r>
-            <a:r>
-              <a:rPr lang="de-DE" dirty="0" smtClean="0"/>
-              <a:t>Text: </a:t>
-            </a:r>
-            <a:r>
-              <a:rPr lang="de-DE" b="1" dirty="0" err="1" smtClean="0">
+              <a:rPr lang="de-DE" dirty="0"/>
+              <a:t>Zahl in Text: </a:t>
+            </a:r>
+            <a:r>
+              <a:rPr lang="de-DE" b="1" dirty="0" err="1">
                 <a:solidFill>
                   <a:schemeClr val="accent1">
                     <a:lumMod val="75000"/>
@@ -17116,7 +16442,7 @@
               <a:t>str</a:t>
             </a:r>
             <a:r>
-              <a:rPr lang="de-DE" b="1" dirty="0" smtClean="0">
+              <a:rPr lang="de-DE" b="1" dirty="0">
                 <a:solidFill>
                   <a:schemeClr val="accent1">
                     <a:lumMod val="75000"/>
@@ -17126,11 +16452,11 @@
               <a:t>(</a:t>
             </a:r>
             <a:r>
-              <a:rPr lang="de-DE" dirty="0" smtClean="0"/>
+              <a:rPr lang="de-DE" dirty="0"/>
               <a:t>zahl</a:t>
             </a:r>
             <a:r>
-              <a:rPr lang="de-DE" b="1" dirty="0" smtClean="0">
+              <a:rPr lang="de-DE" b="1" dirty="0">
                 <a:solidFill>
                   <a:schemeClr val="accent1">
                     <a:lumMod val="75000"/>
@@ -17139,13 +16465,6 @@
               </a:rPr>
               <a:t>)</a:t>
             </a:r>
-            <a:endParaRPr lang="de-DE" b="1" dirty="0">
-              <a:solidFill>
-                <a:schemeClr val="accent1">
-                  <a:lumMod val="75000"/>
-                </a:schemeClr>
-              </a:solidFill>
-            </a:endParaRPr>
           </a:p>
           <a:p>
             <a:pPr lvl="1"/>
@@ -17177,7 +16496,7 @@
           <a:p>
             <a:fld id="{E6477017-8420-453C-A4F5-9874759FFB1C}" type="datetime1">
               <a:rPr lang="de-DE" smtClean="0"/>
-              <a:t>20.03.2019</a:t>
+              <a:t>12.03.2020</a:t>
             </a:fld>
             <a:endParaRPr lang="de-DE"/>
           </a:p>
@@ -17199,7 +16518,7 @@
           <a:lstStyle/>
           <a:p>
             <a:r>
-              <a:rPr lang="de-DE" smtClean="0"/>
+              <a:rPr lang="de-DE"/>
               <a:t>Python Einführung</a:t>
             </a:r>
             <a:endParaRPr lang="de-DE" dirty="0"/>
@@ -17269,21 +16588,6 @@
   <p:clrMapOvr>
     <a:masterClrMapping/>
   </p:clrMapOvr>
-  <mc:AlternateContent xmlns:mc="http://schemas.openxmlformats.org/markup-compatibility/2006" xmlns:p14="http://schemas.microsoft.com/office/powerpoint/2010/main">
-    <mc:Choice Requires="p14">
-      <p:transition p14:dur="0"/>
-    </mc:Choice>
-    <mc:Fallback xmlns="">
-      <p:transition/>
-    </mc:Fallback>
-  </mc:AlternateContent>
-  <p:timing>
-    <p:tnLst>
-      <p:par>
-        <p:cTn id="1" dur="indefinite" restart="never" nodeType="tmRoot"/>
-      </p:par>
-    </p:tnLst>
-  </p:timing>
 </p:sld>
 </file>
 
@@ -17322,18 +16626,14 @@
           <a:lstStyle/>
           <a:p>
             <a:r>
-              <a:rPr lang="de-DE" dirty="0" smtClean="0"/>
+              <a:rPr lang="de-DE" dirty="0"/>
               <a:t>Python Grundlagen</a:t>
             </a:r>
-            <a:r>
-              <a:rPr lang="de-DE" dirty="0"/>
-              <a:t/>
-            </a:r>
             <a:br>
               <a:rPr lang="de-DE" dirty="0"/>
             </a:br>
             <a:r>
-              <a:rPr lang="de-DE" dirty="0" smtClean="0"/>
+              <a:rPr lang="de-DE" dirty="0"/>
               <a:t>Text</a:t>
             </a:r>
             <a:endParaRPr lang="de-DE" sz="2400" dirty="0">
@@ -17361,7 +16661,7 @@
           <a:p>
             <a:fld id="{8D936150-CEBE-4D0E-AA56-CD92215D4299}" type="datetime1">
               <a:rPr lang="de-DE" smtClean="0"/>
-              <a:t>20.03.2019</a:t>
+              <a:t>12.03.2020</a:t>
             </a:fld>
             <a:endParaRPr lang="de-DE"/>
           </a:p>
@@ -17383,7 +16683,7 @@
           <a:lstStyle/>
           <a:p>
             <a:r>
-              <a:rPr lang="de-DE" smtClean="0"/>
+              <a:rPr lang="de-DE"/>
               <a:t>Python Einführung</a:t>
             </a:r>
             <a:endParaRPr lang="de-DE" dirty="0"/>
@@ -17436,32 +16736,8 @@
           <a:p>
             <a:pPr lvl="1"/>
             <a:r>
-              <a:rPr lang="de-DE" dirty="0" smtClean="0"/>
-              <a:t>Was </a:t>
-            </a:r>
-            <a:r>
-              <a:rPr lang="de-DE" dirty="0"/>
-              <a:t>ist das Quadrat der mittleren beiden Ziffern von </a:t>
-            </a:r>
-            <a:r>
-              <a:rPr lang="de-DE" dirty="0" smtClean="0"/>
-              <a:t>36</a:t>
-            </a:r>
-            <a:r>
-              <a:rPr lang="de-DE" baseline="30000" dirty="0" smtClean="0"/>
-              <a:t>2</a:t>
-            </a:r>
-            <a:r>
-              <a:rPr lang="de-DE" dirty="0" smtClean="0"/>
-              <a:t>?</a:t>
-            </a:r>
-            <a:endParaRPr lang="de-DE" dirty="0"/>
-          </a:p>
-          <a:p>
-            <a:pPr lvl="1"/>
-            <a:r>
-              <a:rPr lang="de-DE" dirty="0"/>
-              <a:t>36</a:t>
+              <a:rPr lang="de-DE" dirty="0"/>
+              <a:t>Was ist das Quadrat der mittleren beiden Ziffern von 36</a:t>
             </a:r>
             <a:r>
               <a:rPr lang="de-DE" baseline="30000" dirty="0"/>
@@ -17469,6 +16745,21 @@
             </a:r>
             <a:r>
               <a:rPr lang="de-DE" dirty="0"/>
+              <a:t>?</a:t>
+            </a:r>
+          </a:p>
+          <a:p>
+            <a:pPr lvl="1"/>
+            <a:r>
+              <a:rPr lang="de-DE" dirty="0"/>
+              <a:t>36</a:t>
+            </a:r>
+            <a:r>
+              <a:rPr lang="de-DE" baseline="30000" dirty="0"/>
+              <a:t>2</a:t>
+            </a:r>
+            <a:r>
+              <a:rPr lang="de-DE" dirty="0"/>
               <a:t> </a:t>
             </a:r>
             <a:r>
@@ -17493,25 +16784,19 @@
               <a:rPr lang="de-DE" dirty="0">
                 <a:sym typeface="Wingdings" panose="05000000000000000000" pitchFamily="2" charset="2"/>
               </a:rPr>
-              <a:t> YY  </a:t>
-            </a:r>
-            <a:r>
-              <a:rPr lang="de-DE" dirty="0" smtClean="0">
+              <a:t> YY  YY</a:t>
+            </a:r>
+            <a:r>
+              <a:rPr lang="de-DE" baseline="30000" dirty="0">
                 <a:sym typeface="Wingdings" panose="05000000000000000000" pitchFamily="2" charset="2"/>
               </a:rPr>
-              <a:t>YY</a:t>
-            </a:r>
-            <a:r>
-              <a:rPr lang="de-DE" baseline="30000" dirty="0" smtClean="0">
-                <a:sym typeface="Wingdings" panose="05000000000000000000" pitchFamily="2" charset="2"/>
-              </a:rPr>
               <a:t>2</a:t>
             </a:r>
           </a:p>
           <a:p>
             <a:pPr lvl="1"/>
             <a:r>
-              <a:rPr lang="de-DE" dirty="0" smtClean="0">
+              <a:rPr lang="de-DE" dirty="0">
                 <a:sym typeface="Wingdings" panose="05000000000000000000" pitchFamily="2" charset="2"/>
               </a:rPr>
               <a:t>Löse die Aufgabe so, dass sie für beliebige andere Zahlen wiederholt werden kann</a:t>
@@ -17530,21 +16815,6 @@
   <p:clrMapOvr>
     <a:masterClrMapping/>
   </p:clrMapOvr>
-  <mc:AlternateContent xmlns:mc="http://schemas.openxmlformats.org/markup-compatibility/2006" xmlns:p14="http://schemas.microsoft.com/office/powerpoint/2010/main">
-    <mc:Choice Requires="p14">
-      <p:transition p14:dur="0"/>
-    </mc:Choice>
-    <mc:Fallback xmlns="">
-      <p:transition/>
-    </mc:Fallback>
-  </mc:AlternateContent>
-  <p:timing>
-    <p:tnLst>
-      <p:par>
-        <p:cTn id="1" dur="indefinite" restart="never" nodeType="tmRoot"/>
-      </p:par>
-    </p:tnLst>
-  </p:timing>
 </p:sld>
 </file>
 
@@ -17588,18 +16858,14 @@
           <a:lstStyle/>
           <a:p>
             <a:r>
-              <a:rPr lang="de-DE" dirty="0" smtClean="0"/>
+              <a:rPr lang="de-DE" dirty="0"/>
               <a:t>Python Grundlagen</a:t>
             </a:r>
-            <a:r>
-              <a:rPr lang="de-DE" dirty="0"/>
-              <a:t/>
-            </a:r>
             <a:br>
               <a:rPr lang="de-DE" dirty="0"/>
             </a:br>
             <a:r>
-              <a:rPr lang="de-DE" dirty="0" smtClean="0"/>
+              <a:rPr lang="de-DE" dirty="0"/>
               <a:t>Listen</a:t>
             </a:r>
             <a:endParaRPr lang="de-DE" sz="2400" dirty="0">
@@ -17633,11 +16899,11 @@
           <a:lstStyle/>
           <a:p>
             <a:r>
-              <a:rPr lang="de-DE" dirty="0" smtClean="0"/>
+              <a:rPr lang="de-DE" dirty="0"/>
               <a:t>Liste: eckige Klammern: </a:t>
             </a:r>
             <a:r>
-              <a:rPr lang="de-DE" sz="3200" b="1" dirty="0" smtClean="0">
+              <a:rPr lang="de-DE" sz="3200" b="1" dirty="0">
                 <a:solidFill>
                   <a:schemeClr val="accent1">
                     <a:lumMod val="75000"/>
@@ -17651,7 +16917,7 @@
               <a:t> </a:t>
             </a:r>
             <a:r>
-              <a:rPr lang="de-DE" sz="3200" b="1" dirty="0" smtClean="0">
+              <a:rPr lang="de-DE" sz="3200" b="1" dirty="0">
                 <a:solidFill>
                   <a:schemeClr val="accent1">
                     <a:lumMod val="75000"/>
@@ -17660,11 +16926,11 @@
               </a:rPr>
               <a:t>]</a:t>
             </a:r>
-            <a:endParaRPr lang="de-DE" dirty="0" smtClean="0"/>
-          </a:p>
-          <a:p>
-            <a:r>
-              <a:rPr lang="de-DE" dirty="0" smtClean="0"/>
+            <a:endParaRPr lang="de-DE" dirty="0"/>
+          </a:p>
+          <a:p>
+            <a:r>
+              <a:rPr lang="de-DE" dirty="0"/>
               <a:t>durch Komma getrennte Einträge: </a:t>
             </a:r>
             <a:r>
@@ -17707,14 +16973,10 @@
             </a:r>
             <a:r>
               <a:rPr lang="de-DE" dirty="0"/>
-              <a:t> </a:t>
-            </a:r>
-            <a:r>
-              <a:rPr lang="de-DE" dirty="0" smtClean="0"/>
-              <a:t>…</a:t>
-            </a:r>
-            <a:r>
-              <a:rPr lang="de-DE" sz="3200" b="1" dirty="0" smtClean="0">
+              <a:t> …</a:t>
+            </a:r>
+            <a:r>
+              <a:rPr lang="de-DE" sz="3200" b="1" dirty="0">
                 <a:solidFill>
                   <a:schemeClr val="accent1">
                     <a:lumMod val="75000"/>
@@ -17723,11 +16985,11 @@
               </a:rPr>
               <a:t>]</a:t>
             </a:r>
-            <a:endParaRPr lang="de-DE" dirty="0" smtClean="0"/>
-          </a:p>
-          <a:p>
-            <a:r>
-              <a:rPr lang="de-DE" dirty="0" smtClean="0"/>
+            <a:endParaRPr lang="de-DE" dirty="0"/>
+          </a:p>
+          <a:p>
+            <a:r>
+              <a:rPr lang="de-DE" dirty="0"/>
               <a:t>Zerteilen wie bei Text</a:t>
             </a:r>
           </a:p>
@@ -17752,7 +17014,7 @@
               <a:t>start</a:t>
             </a:r>
             <a:r>
-              <a:rPr lang="de-DE" b="1" dirty="0" smtClean="0">
+              <a:rPr lang="de-DE" b="1" dirty="0">
                 <a:solidFill>
                   <a:schemeClr val="accent1">
                     <a:lumMod val="75000"/>
@@ -17762,7 +17024,7 @@
               <a:t>: </a:t>
             </a:r>
             <a:r>
-              <a:rPr lang="de-DE" dirty="0" smtClean="0"/>
+              <a:rPr lang="de-DE" dirty="0"/>
               <a:t>ende</a:t>
             </a:r>
             <a:r>
@@ -17871,7 +17133,7 @@
           </a:p>
           <a:p>
             <a:pPr lvl="1"/>
-            <a:endParaRPr lang="de-DE" dirty="0" smtClean="0"/>
+            <a:endParaRPr lang="de-DE" dirty="0"/>
           </a:p>
         </p:txBody>
       </p:sp>
@@ -17892,7 +17154,7 @@
           <a:p>
             <a:fld id="{C251BD82-81F5-4AB8-95F1-D612B114E619}" type="datetime1">
               <a:rPr lang="de-DE" smtClean="0"/>
-              <a:t>20.03.2019</a:t>
+              <a:t>12.03.2020</a:t>
             </a:fld>
             <a:endParaRPr lang="de-DE"/>
           </a:p>
@@ -17914,7 +17176,7 @@
           <a:lstStyle/>
           <a:p>
             <a:r>
-              <a:rPr lang="de-DE" smtClean="0"/>
+              <a:rPr lang="de-DE"/>
               <a:t>Python Einführung</a:t>
             </a:r>
             <a:endParaRPr lang="de-DE" dirty="0"/>
@@ -17990,21 +17252,6 @@
   <p:clrMapOvr>
     <a:masterClrMapping/>
   </p:clrMapOvr>
-  <mc:AlternateContent xmlns:mc="http://schemas.openxmlformats.org/markup-compatibility/2006" xmlns:p14="http://schemas.microsoft.com/office/powerpoint/2010/main">
-    <mc:Choice Requires="p14">
-      <p:transition p14:dur="0"/>
-    </mc:Choice>
-    <mc:Fallback xmlns="">
-      <p:transition/>
-    </mc:Fallback>
-  </mc:AlternateContent>
-  <p:timing>
-    <p:tnLst>
-      <p:par>
-        <p:cTn id="1" dur="indefinite" restart="never" nodeType="tmRoot"/>
-      </p:par>
-    </p:tnLst>
-  </p:timing>
 </p:sld>
 </file>
 
@@ -18048,18 +17295,14 @@
           <a:lstStyle/>
           <a:p>
             <a:r>
-              <a:rPr lang="de-DE" dirty="0" smtClean="0"/>
+              <a:rPr lang="de-DE" dirty="0"/>
               <a:t>Python Grundlagen</a:t>
             </a:r>
-            <a:r>
-              <a:rPr lang="de-DE" dirty="0"/>
-              <a:t/>
-            </a:r>
             <a:br>
               <a:rPr lang="de-DE" dirty="0"/>
             </a:br>
             <a:r>
-              <a:rPr lang="de-DE" dirty="0" smtClean="0"/>
+              <a:rPr lang="de-DE" dirty="0"/>
               <a:t>Listen</a:t>
             </a:r>
             <a:endParaRPr lang="de-DE" sz="2400" dirty="0">
@@ -18093,7 +17336,7 @@
           <a:lstStyle/>
           <a:p>
             <a:r>
-              <a:rPr lang="de-DE" dirty="0" smtClean="0"/>
+              <a:rPr lang="de-DE" dirty="0"/>
               <a:t>Aneinanderhängen von Listen mit </a:t>
             </a:r>
             <a:r>
@@ -18109,7 +17352,7 @@
           </a:p>
           <a:p>
             <a:r>
-              <a:rPr lang="de-DE" dirty="0" smtClean="0"/>
+              <a:rPr lang="de-DE" dirty="0"/>
               <a:t>Vervielfachen von Listen mit </a:t>
             </a:r>
             <a:r>
@@ -18125,7 +17368,7 @@
           </a:p>
           <a:p>
             <a:pPr lvl="1"/>
-            <a:endParaRPr lang="de-DE" dirty="0" smtClean="0"/>
+            <a:endParaRPr lang="de-DE" dirty="0"/>
           </a:p>
         </p:txBody>
       </p:sp>
@@ -18146,7 +17389,7 @@
           <a:p>
             <a:fld id="{ABE81AD2-829D-4072-9688-6B66C98C624B}" type="datetime1">
               <a:rPr lang="de-DE" smtClean="0"/>
-              <a:t>20.03.2019</a:t>
+              <a:t>12.03.2020</a:t>
             </a:fld>
             <a:endParaRPr lang="de-DE"/>
           </a:p>
@@ -18168,7 +17411,7 @@
           <a:lstStyle/>
           <a:p>
             <a:r>
-              <a:rPr lang="de-DE" smtClean="0"/>
+              <a:rPr lang="de-DE"/>
               <a:t>Python Einführung</a:t>
             </a:r>
             <a:endParaRPr lang="de-DE" dirty="0"/>
@@ -18238,21 +17481,6 @@
   <p:clrMapOvr>
     <a:masterClrMapping/>
   </p:clrMapOvr>
-  <mc:AlternateContent xmlns:mc="http://schemas.openxmlformats.org/markup-compatibility/2006" xmlns:p14="http://schemas.microsoft.com/office/powerpoint/2010/main">
-    <mc:Choice Requires="p14">
-      <p:transition p14:dur="0"/>
-    </mc:Choice>
-    <mc:Fallback xmlns="">
-      <p:transition/>
-    </mc:Fallback>
-  </mc:AlternateContent>
-  <p:timing>
-    <p:tnLst>
-      <p:par>
-        <p:cTn id="1" dur="indefinite" restart="never" nodeType="tmRoot"/>
-      </p:par>
-    </p:tnLst>
-  </p:timing>
 </p:sld>
 </file>
 
@@ -18296,18 +17524,14 @@
           <a:lstStyle/>
           <a:p>
             <a:r>
-              <a:rPr lang="de-DE" dirty="0" smtClean="0"/>
+              <a:rPr lang="de-DE" dirty="0"/>
               <a:t>Python Grundlagen</a:t>
             </a:r>
-            <a:r>
-              <a:rPr lang="de-DE" dirty="0"/>
-              <a:t/>
-            </a:r>
             <a:br>
               <a:rPr lang="de-DE" dirty="0"/>
             </a:br>
             <a:r>
-              <a:rPr lang="de-DE" dirty="0" smtClean="0"/>
+              <a:rPr lang="de-DE" dirty="0"/>
               <a:t>Listen</a:t>
             </a:r>
             <a:endParaRPr lang="de-DE" sz="2400" dirty="0">
@@ -18341,7 +17565,7 @@
           <a:lstStyle/>
           <a:p>
             <a:r>
-              <a:rPr lang="de-DE" dirty="0" smtClean="0"/>
+              <a:rPr lang="de-DE" dirty="0"/>
               <a:t>Ändern: einem Slice neue Werte zuweisen</a:t>
             </a:r>
             <a:endParaRPr lang="de-DE" b="1" dirty="0">
@@ -18354,7 +17578,7 @@
           </a:p>
           <a:p>
             <a:r>
-              <a:rPr lang="de-DE" dirty="0" smtClean="0"/>
+              <a:rPr lang="de-DE" dirty="0"/>
               <a:t>Löschen: einem Slice eine leere Liste zuweisen</a:t>
             </a:r>
             <a:endParaRPr lang="de-DE" b="1" dirty="0">
@@ -18367,7 +17591,7 @@
           </a:p>
           <a:p>
             <a:pPr lvl="1"/>
-            <a:endParaRPr lang="de-DE" dirty="0" smtClean="0"/>
+            <a:endParaRPr lang="de-DE" dirty="0"/>
           </a:p>
         </p:txBody>
       </p:sp>
@@ -18388,7 +17612,7 @@
           <a:p>
             <a:fld id="{6EF1BF9D-B1FC-41DE-A4C6-8332BF0AAB8C}" type="datetime1">
               <a:rPr lang="de-DE" smtClean="0"/>
-              <a:t>20.03.2019</a:t>
+              <a:t>12.03.2020</a:t>
             </a:fld>
             <a:endParaRPr lang="de-DE"/>
           </a:p>
@@ -18410,7 +17634,7 @@
           <a:lstStyle/>
           <a:p>
             <a:r>
-              <a:rPr lang="de-DE" smtClean="0"/>
+              <a:rPr lang="de-DE"/>
               <a:t>Python Einführung</a:t>
             </a:r>
             <a:endParaRPr lang="de-DE" dirty="0"/>
@@ -18486,21 +17710,6 @@
   <p:clrMapOvr>
     <a:masterClrMapping/>
   </p:clrMapOvr>
-  <mc:AlternateContent xmlns:mc="http://schemas.openxmlformats.org/markup-compatibility/2006" xmlns:p14="http://schemas.microsoft.com/office/powerpoint/2010/main">
-    <mc:Choice Requires="p14">
-      <p:transition p14:dur="0"/>
-    </mc:Choice>
-    <mc:Fallback xmlns="">
-      <p:transition/>
-    </mc:Fallback>
-  </mc:AlternateContent>
-  <p:timing>
-    <p:tnLst>
-      <p:par>
-        <p:cTn id="1" dur="indefinite" restart="never" nodeType="tmRoot"/>
-      </p:par>
-    </p:tnLst>
-  </p:timing>
 </p:sld>
 </file>
 
@@ -18544,18 +17753,14 @@
           <a:lstStyle/>
           <a:p>
             <a:r>
-              <a:rPr lang="de-DE" dirty="0" smtClean="0"/>
+              <a:rPr lang="de-DE" dirty="0"/>
               <a:t>Python Grundlagen</a:t>
             </a:r>
-            <a:r>
-              <a:rPr lang="de-DE" dirty="0"/>
-              <a:t/>
-            </a:r>
             <a:br>
               <a:rPr lang="de-DE" dirty="0"/>
             </a:br>
             <a:r>
-              <a:rPr lang="de-DE" dirty="0" smtClean="0"/>
+              <a:rPr lang="de-DE" dirty="0"/>
               <a:t>Listen</a:t>
             </a:r>
             <a:endParaRPr lang="de-DE" sz="2400" dirty="0">
@@ -18589,14 +17794,14 @@
           <a:lstStyle/>
           <a:p>
             <a:r>
-              <a:rPr lang="de-DE" dirty="0" smtClean="0"/>
+              <a:rPr lang="de-DE" dirty="0"/>
               <a:t>Einträge von beliebigem Typ</a:t>
             </a:r>
           </a:p>
           <a:p>
             <a:pPr lvl="1"/>
             <a:r>
-              <a:rPr lang="de-DE" dirty="0" smtClean="0"/>
+              <a:rPr lang="de-DE" dirty="0"/>
               <a:t>Achtung: nicht mit jedem Inhalt kann man alles machen</a:t>
             </a:r>
             <a:endParaRPr lang="de-DE" b="1" dirty="0">
@@ -18609,11 +17814,11 @@
           </a:p>
           <a:p>
             <a:r>
-              <a:rPr lang="de-DE" dirty="0" smtClean="0"/>
+              <a:rPr lang="de-DE" dirty="0"/>
               <a:t>Länge einer Liste ermitteln: </a:t>
             </a:r>
             <a:r>
-              <a:rPr lang="de-DE" b="1" dirty="0" err="1" smtClean="0">
+              <a:rPr lang="de-DE" b="1" dirty="0" err="1">
                 <a:solidFill>
                   <a:schemeClr val="accent1">
                     <a:lumMod val="75000"/>
@@ -18623,7 +17828,7 @@
               <a:t>len</a:t>
             </a:r>
             <a:r>
-              <a:rPr lang="de-DE" b="1" dirty="0" smtClean="0">
+              <a:rPr lang="de-DE" b="1" dirty="0">
                 <a:solidFill>
                   <a:schemeClr val="accent1">
                     <a:lumMod val="75000"/>
@@ -18633,11 +17838,11 @@
               <a:t>(</a:t>
             </a:r>
             <a:r>
-              <a:rPr lang="de-DE" dirty="0" smtClean="0"/>
+              <a:rPr lang="de-DE" dirty="0"/>
               <a:t>liste</a:t>
             </a:r>
             <a:r>
-              <a:rPr lang="de-DE" b="1" dirty="0" smtClean="0">
+              <a:rPr lang="de-DE" b="1" dirty="0">
                 <a:solidFill>
                   <a:schemeClr val="accent1">
                     <a:lumMod val="75000"/>
@@ -18646,13 +17851,6 @@
               </a:rPr>
               <a:t>)</a:t>
             </a:r>
-            <a:endParaRPr lang="de-DE" b="1" dirty="0">
-              <a:solidFill>
-                <a:schemeClr val="accent1">
-                  <a:lumMod val="75000"/>
-                </a:schemeClr>
-              </a:solidFill>
-            </a:endParaRPr>
           </a:p>
         </p:txBody>
       </p:sp>
@@ -18673,7 +17871,7 @@
           <a:p>
             <a:fld id="{108BF655-CA69-4CA1-8392-0482341FA3AB}" type="datetime1">
               <a:rPr lang="de-DE" smtClean="0"/>
-              <a:t>20.03.2019</a:t>
+              <a:t>12.03.2020</a:t>
             </a:fld>
             <a:endParaRPr lang="de-DE"/>
           </a:p>
@@ -18695,7 +17893,7 @@
           <a:lstStyle/>
           <a:p>
             <a:r>
-              <a:rPr lang="de-DE" smtClean="0"/>
+              <a:rPr lang="de-DE"/>
               <a:t>Python Einführung</a:t>
             </a:r>
             <a:endParaRPr lang="de-DE" dirty="0"/>
@@ -18771,21 +17969,6 @@
   <p:clrMapOvr>
     <a:masterClrMapping/>
   </p:clrMapOvr>
-  <mc:AlternateContent xmlns:mc="http://schemas.openxmlformats.org/markup-compatibility/2006" xmlns:p14="http://schemas.microsoft.com/office/powerpoint/2010/main">
-    <mc:Choice Requires="p14">
-      <p:transition p14:dur="0"/>
-    </mc:Choice>
-    <mc:Fallback xmlns="">
-      <p:transition/>
-    </mc:Fallback>
-  </mc:AlternateContent>
-  <p:timing>
-    <p:tnLst>
-      <p:par>
-        <p:cTn id="1" dur="indefinite" restart="never" nodeType="tmRoot"/>
-      </p:par>
-    </p:tnLst>
-  </p:timing>
 </p:sld>
 </file>
 
@@ -18824,18 +18007,14 @@
           <a:lstStyle/>
           <a:p>
             <a:r>
-              <a:rPr lang="de-DE" dirty="0" smtClean="0"/>
+              <a:rPr lang="de-DE" dirty="0"/>
               <a:t>Python Grundlagen</a:t>
             </a:r>
-            <a:r>
-              <a:rPr lang="de-DE" dirty="0"/>
-              <a:t/>
-            </a:r>
             <a:br>
               <a:rPr lang="de-DE" dirty="0"/>
             </a:br>
             <a:r>
-              <a:rPr lang="de-DE" dirty="0" smtClean="0"/>
+              <a:rPr lang="de-DE" dirty="0"/>
               <a:t>Listen</a:t>
             </a:r>
             <a:endParaRPr lang="de-DE" sz="2400" dirty="0">
@@ -18863,7 +18042,7 @@
           <a:p>
             <a:fld id="{06A903DF-1128-46CD-B417-38F6214F535A}" type="datetime1">
               <a:rPr lang="de-DE" smtClean="0"/>
-              <a:t>20.03.2019</a:t>
+              <a:t>12.03.2020</a:t>
             </a:fld>
             <a:endParaRPr lang="de-DE"/>
           </a:p>
@@ -18885,7 +18064,7 @@
           <a:lstStyle/>
           <a:p>
             <a:r>
-              <a:rPr lang="de-DE" smtClean="0"/>
+              <a:rPr lang="de-DE"/>
               <a:t>Python Einführung</a:t>
             </a:r>
             <a:endParaRPr lang="de-DE" dirty="0"/>
@@ -18939,11 +18118,7 @@
             <a:pPr lvl="1"/>
             <a:r>
               <a:rPr lang="de-DE" dirty="0"/>
-              <a:t>gib die ersten drei Elemente der Liste [2, 3, 5, 7, 11, 13, 17] </a:t>
-            </a:r>
-            <a:r>
-              <a:rPr lang="de-DE" dirty="0" smtClean="0"/>
-              <a:t>aus</a:t>
+              <a:t>gib die ersten drei Elemente der Liste [2, 3, 5, 7, 11, 13, 17] aus</a:t>
             </a:r>
             <a:endParaRPr lang="de-DE" b="1" dirty="0">
               <a:solidFill>
@@ -18965,21 +18140,6 @@
   <p:clrMapOvr>
     <a:masterClrMapping/>
   </p:clrMapOvr>
-  <mc:AlternateContent xmlns:mc="http://schemas.openxmlformats.org/markup-compatibility/2006" xmlns:p14="http://schemas.microsoft.com/office/powerpoint/2010/main">
-    <mc:Choice Requires="p14">
-      <p:transition p14:dur="0"/>
-    </mc:Choice>
-    <mc:Fallback xmlns="">
-      <p:transition/>
-    </mc:Fallback>
-  </mc:AlternateContent>
-  <p:timing>
-    <p:tnLst>
-      <p:par>
-        <p:cTn id="1" dur="indefinite" restart="never" nodeType="tmRoot"/>
-      </p:par>
-    </p:tnLst>
-  </p:timing>
 </p:sld>
 </file>
 
@@ -19023,18 +18183,14 @@
           <a:lstStyle/>
           <a:p>
             <a:r>
-              <a:rPr lang="de-DE" dirty="0" smtClean="0"/>
+              <a:rPr lang="de-DE" dirty="0"/>
               <a:t>Python Grundlagen</a:t>
             </a:r>
-            <a:r>
-              <a:rPr lang="de-DE" dirty="0"/>
-              <a:t/>
-            </a:r>
             <a:br>
               <a:rPr lang="de-DE" dirty="0"/>
             </a:br>
             <a:r>
-              <a:rPr lang="de-DE" dirty="0" smtClean="0"/>
+              <a:rPr lang="de-DE" dirty="0"/>
               <a:t>Wahrheitswerte</a:t>
             </a:r>
             <a:endParaRPr lang="de-DE" sz="2400" dirty="0">
@@ -19068,7 +18224,7 @@
           <a:lstStyle/>
           <a:p>
             <a:r>
-              <a:rPr lang="de-DE" sz="2400" dirty="0" smtClean="0"/>
+              <a:rPr lang="de-DE" sz="2400" dirty="0"/>
               <a:t>Der Vergleich zweier Zahlen, Texten oder Buchstaben ergibt einen Wahrheitswert, der wahr (</a:t>
             </a:r>
             <a:r>
@@ -19082,12 +18238,8 @@
               <a:t>True</a:t>
             </a:r>
             <a:r>
-              <a:rPr lang="de-DE" sz="2400" dirty="0" smtClean="0"/>
-              <a:t>) oder unwahr s</a:t>
-            </a:r>
-            <a:r>
               <a:rPr lang="de-DE" sz="2400" dirty="0"/>
-              <a:t>ein kann (</a:t>
+              <a:t>) oder unwahr sein kann (</a:t>
             </a:r>
             <a:r>
               <a:rPr lang="de-DE" sz="2400" b="1" dirty="0" err="1">
@@ -19100,24 +18252,24 @@
               <a:t>False</a:t>
             </a:r>
             <a:r>
-              <a:rPr lang="de-DE" sz="2400" dirty="0" smtClean="0"/>
+              <a:rPr lang="de-DE" sz="2400" dirty="0"/>
               <a:t>)</a:t>
             </a:r>
           </a:p>
           <a:p>
             <a:r>
-              <a:rPr lang="de-DE" dirty="0" smtClean="0"/>
+              <a:rPr lang="de-DE" dirty="0"/>
               <a:t>Operatoren</a:t>
             </a:r>
           </a:p>
           <a:p>
             <a:pPr lvl="1"/>
             <a:r>
-              <a:rPr lang="de-DE" dirty="0" smtClean="0"/>
+              <a:rPr lang="de-DE" dirty="0"/>
               <a:t>kleiner: </a:t>
             </a:r>
             <a:r>
-              <a:rPr lang="de-DE" b="1" dirty="0" smtClean="0">
+              <a:rPr lang="de-DE" b="1" dirty="0">
                 <a:solidFill>
                   <a:schemeClr val="accent1">
                     <a:lumMod val="75000"/>
@@ -19126,22 +18278,15 @@
               </a:rPr>
               <a:t>&lt;</a:t>
             </a:r>
-            <a:endParaRPr lang="de-DE" b="1" dirty="0">
-              <a:solidFill>
-                <a:schemeClr val="accent1">
-                  <a:lumMod val="75000"/>
-                </a:schemeClr>
-              </a:solidFill>
-            </a:endParaRPr>
           </a:p>
           <a:p>
             <a:pPr lvl="1"/>
             <a:r>
-              <a:rPr lang="de-DE" dirty="0" smtClean="0"/>
+              <a:rPr lang="de-DE" dirty="0"/>
               <a:t>kleiner oder gleich: </a:t>
             </a:r>
             <a:r>
-              <a:rPr lang="de-DE" b="1" dirty="0" smtClean="0">
+              <a:rPr lang="de-DE" b="1" dirty="0">
                 <a:solidFill>
                   <a:schemeClr val="accent1">
                     <a:lumMod val="75000"/>
@@ -19150,18 +18295,11 @@
               </a:rPr>
               <a:t>&lt;=</a:t>
             </a:r>
-            <a:endParaRPr lang="de-DE" b="1" dirty="0">
-              <a:solidFill>
-                <a:schemeClr val="accent1">
-                  <a:lumMod val="75000"/>
-                </a:schemeClr>
-              </a:solidFill>
-            </a:endParaRPr>
           </a:p>
           <a:p>
             <a:pPr lvl="1"/>
             <a:r>
-              <a:rPr lang="de-DE" dirty="0" smtClean="0"/>
+              <a:rPr lang="de-DE" dirty="0"/>
               <a:t>größer:</a:t>
             </a:r>
             <a:r>
@@ -19172,97 +18310,59 @@
                   </a:schemeClr>
                 </a:solidFill>
               </a:rPr>
-              <a:t> </a:t>
-            </a:r>
-            <a:r>
-              <a:rPr lang="de-DE" b="1" dirty="0" smtClean="0">
+              <a:t> &gt;</a:t>
+            </a:r>
+          </a:p>
+          <a:p>
+            <a:pPr lvl="1"/>
+            <a:r>
+              <a:rPr lang="de-DE" dirty="0"/>
+              <a:t>größer oder gleich: </a:t>
+            </a:r>
+            <a:r>
+              <a:rPr lang="de-DE" b="1" dirty="0">
                 <a:solidFill>
                   <a:schemeClr val="accent1">
                     <a:lumMod val="75000"/>
                   </a:schemeClr>
                 </a:solidFill>
               </a:rPr>
-              <a:t>&gt;</a:t>
-            </a:r>
-            <a:endParaRPr lang="de-DE" b="1" dirty="0">
-              <a:solidFill>
-                <a:schemeClr val="accent1">
-                  <a:lumMod val="75000"/>
-                </a:schemeClr>
-              </a:solidFill>
-            </a:endParaRPr>
+              <a:t>&gt;=</a:t>
+            </a:r>
           </a:p>
           <a:p>
             <a:pPr lvl="1"/>
             <a:r>
-              <a:rPr lang="de-DE" dirty="0" smtClean="0"/>
-              <a:t>größer oder gleich: </a:t>
-            </a:r>
-            <a:r>
-              <a:rPr lang="de-DE" b="1" dirty="0" smtClean="0">
+              <a:rPr lang="de-DE" dirty="0"/>
+              <a:t>gleich: </a:t>
+            </a:r>
+            <a:r>
+              <a:rPr lang="de-DE" b="1" dirty="0">
                 <a:solidFill>
                   <a:schemeClr val="accent1">
                     <a:lumMod val="75000"/>
                   </a:schemeClr>
                 </a:solidFill>
               </a:rPr>
-              <a:t>&gt;=</a:t>
-            </a:r>
-            <a:endParaRPr lang="de-DE" b="1" dirty="0">
-              <a:solidFill>
-                <a:schemeClr val="accent1">
-                  <a:lumMod val="75000"/>
-                </a:schemeClr>
-              </a:solidFill>
-            </a:endParaRPr>
+              <a:t>==</a:t>
+            </a:r>
           </a:p>
           <a:p>
             <a:pPr lvl="1"/>
             <a:r>
-              <a:rPr lang="de-DE" dirty="0" smtClean="0"/>
-              <a:t>gleich: </a:t>
-            </a:r>
-            <a:r>
-              <a:rPr lang="de-DE" b="1" dirty="0" smtClean="0">
+              <a:rPr lang="de-DE" dirty="0"/>
+              <a:t>ungleich: </a:t>
+            </a:r>
+            <a:r>
+              <a:rPr lang="de-DE" b="1" dirty="0">
                 <a:solidFill>
                   <a:schemeClr val="accent1">
                     <a:lumMod val="75000"/>
                   </a:schemeClr>
                 </a:solidFill>
               </a:rPr>
-              <a:t>==</a:t>
-            </a:r>
-            <a:endParaRPr lang="de-DE" b="1" dirty="0">
-              <a:solidFill>
-                <a:schemeClr val="accent1">
-                  <a:lumMod val="75000"/>
-                </a:schemeClr>
-              </a:solidFill>
-            </a:endParaRPr>
-          </a:p>
-          <a:p>
-            <a:pPr lvl="1"/>
-            <a:r>
-              <a:rPr lang="de-DE" dirty="0" smtClean="0"/>
-              <a:t>ungleich: </a:t>
-            </a:r>
-            <a:r>
-              <a:rPr lang="de-DE" b="1" dirty="0" smtClean="0">
-                <a:solidFill>
-                  <a:schemeClr val="accent1">
-                    <a:lumMod val="75000"/>
-                  </a:schemeClr>
-                </a:solidFill>
-              </a:rPr>
               <a:t>!=</a:t>
             </a:r>
-            <a:endParaRPr lang="de-DE" b="1" dirty="0">
-              <a:solidFill>
-                <a:schemeClr val="accent1">
-                  <a:lumMod val="75000"/>
-                </a:schemeClr>
-              </a:solidFill>
-            </a:endParaRPr>
           </a:p>
         </p:txBody>
       </p:sp>
@@ -19283,7 +18383,7 @@
           <a:p>
             <a:fld id="{540273FD-E4DC-432A-B7EC-710AF36B5BF9}" type="datetime1">
               <a:rPr lang="de-DE" smtClean="0"/>
-              <a:t>20.03.2019</a:t>
+              <a:t>12.03.2020</a:t>
             </a:fld>
             <a:endParaRPr lang="de-DE"/>
           </a:p>
@@ -19305,7 +18405,7 @@
           <a:lstStyle/>
           <a:p>
             <a:r>
-              <a:rPr lang="de-DE" smtClean="0"/>
+              <a:rPr lang="de-DE"/>
               <a:t>Python Einführung</a:t>
             </a:r>
             <a:endParaRPr lang="de-DE" dirty="0"/>
@@ -19381,21 +18481,6 @@
   <p:clrMapOvr>
     <a:masterClrMapping/>
   </p:clrMapOvr>
-  <mc:AlternateContent xmlns:mc="http://schemas.openxmlformats.org/markup-compatibility/2006" xmlns:p14="http://schemas.microsoft.com/office/powerpoint/2010/main">
-    <mc:Choice Requires="p14">
-      <p:transition p14:dur="0"/>
-    </mc:Choice>
-    <mc:Fallback xmlns="">
-      <p:transition/>
-    </mc:Fallback>
-  </mc:AlternateContent>
-  <p:timing>
-    <p:tnLst>
-      <p:par>
-        <p:cTn id="1" dur="indefinite" restart="never" nodeType="tmRoot"/>
-      </p:par>
-    </p:tnLst>
-  </p:timing>
 </p:sld>
 </file>
 
@@ -19439,18 +18524,14 @@
           <a:lstStyle/>
           <a:p>
             <a:r>
-              <a:rPr lang="de-DE" dirty="0" smtClean="0"/>
+              <a:rPr lang="de-DE" dirty="0"/>
               <a:t>Python Grundlagen</a:t>
             </a:r>
-            <a:r>
-              <a:rPr lang="de-DE" dirty="0"/>
-              <a:t/>
-            </a:r>
             <a:br>
               <a:rPr lang="de-DE" dirty="0"/>
             </a:br>
             <a:r>
-              <a:rPr lang="de-DE" dirty="0" smtClean="0"/>
+              <a:rPr lang="de-DE" dirty="0"/>
               <a:t>Wahrheitswerte</a:t>
             </a:r>
             <a:endParaRPr lang="de-DE" sz="2400" dirty="0">
@@ -19484,18 +18565,18 @@
           <a:lstStyle/>
           <a:p>
             <a:r>
-              <a:rPr lang="de-DE" dirty="0" smtClean="0"/>
+              <a:rPr lang="de-DE" dirty="0"/>
               <a:t>Operatoren</a:t>
             </a:r>
           </a:p>
           <a:p>
             <a:pPr lvl="1"/>
             <a:r>
-              <a:rPr lang="de-DE" dirty="0" smtClean="0"/>
+              <a:rPr lang="de-DE" dirty="0"/>
               <a:t>und: </a:t>
             </a:r>
             <a:r>
-              <a:rPr lang="de-DE" b="1" dirty="0" err="1" smtClean="0">
+              <a:rPr lang="de-DE" b="1" dirty="0" err="1">
                 <a:solidFill>
                   <a:schemeClr val="accent1">
                     <a:lumMod val="75000"/>
@@ -19505,7 +18586,7 @@
               <a:t>and</a:t>
             </a:r>
             <a:r>
-              <a:rPr lang="de-DE" b="1" dirty="0" smtClean="0">
+              <a:rPr lang="de-DE" b="1" dirty="0">
                 <a:solidFill>
                   <a:schemeClr val="accent1">
                     <a:lumMod val="75000"/>
@@ -19515,7 +18596,7 @@
               <a:t> </a:t>
             </a:r>
             <a:r>
-              <a:rPr lang="de-DE" dirty="0" smtClean="0"/>
+              <a:rPr lang="de-DE" dirty="0"/>
               <a:t>(beide müssen wahr sein)</a:t>
             </a:r>
             <a:endParaRPr lang="de-DE" b="1" dirty="0">
@@ -19529,15 +18610,11 @@
           <a:p>
             <a:pPr lvl="1"/>
             <a:r>
-              <a:rPr lang="de-DE" dirty="0" smtClean="0"/>
-              <a:t>oder</a:t>
-            </a:r>
-            <a:r>
-              <a:rPr lang="de-DE" dirty="0"/>
-              <a:t>: </a:t>
-            </a:r>
-            <a:r>
-              <a:rPr lang="de-DE" b="1" dirty="0" err="1" smtClean="0">
+              <a:rPr lang="de-DE" dirty="0"/>
+              <a:t>oder: </a:t>
+            </a:r>
+            <a:r>
+              <a:rPr lang="de-DE" b="1" dirty="0" err="1">
                 <a:solidFill>
                   <a:schemeClr val="accent1">
                     <a:lumMod val="75000"/>
@@ -19547,7 +18624,7 @@
               <a:t>or</a:t>
             </a:r>
             <a:r>
-              <a:rPr lang="de-DE" b="1" dirty="0" smtClean="0">
+              <a:rPr lang="de-DE" b="1" dirty="0">
                 <a:solidFill>
                   <a:schemeClr val="accent1">
                     <a:lumMod val="75000"/>
@@ -19557,16 +18634,8 @@
               <a:t> </a:t>
             </a:r>
             <a:r>
-              <a:rPr lang="de-DE" dirty="0" smtClean="0"/>
-              <a:t>(mindestens eins muss </a:t>
-            </a:r>
-            <a:r>
-              <a:rPr lang="de-DE" dirty="0"/>
-              <a:t>wahr sein</a:t>
-            </a:r>
-            <a:r>
-              <a:rPr lang="de-DE" dirty="0" smtClean="0"/>
-              <a:t>)</a:t>
+              <a:rPr lang="de-DE" dirty="0"/>
+              <a:t>(mindestens eins muss wahr sein)</a:t>
             </a:r>
             <a:endParaRPr lang="de-DE" b="1" dirty="0">
               <a:solidFill>
@@ -19593,11 +18662,11 @@
               <a:t>and</a:t>
             </a:r>
             <a:r>
-              <a:rPr lang="de-DE" dirty="0" smtClean="0"/>
+              <a:rPr lang="de-DE" dirty="0"/>
               <a:t> hat Vorrang vor </a:t>
             </a:r>
             <a:r>
-              <a:rPr lang="de-DE" b="1" dirty="0" err="1" smtClean="0">
+              <a:rPr lang="de-DE" b="1" dirty="0" err="1">
                 <a:solidFill>
                   <a:schemeClr val="accent1">
                     <a:lumMod val="75000"/>
@@ -19606,7 +18675,7 @@
               </a:rPr>
               <a:t>or</a:t>
             </a:r>
-            <a:endParaRPr lang="de-DE" b="1" dirty="0" smtClean="0">
+            <a:endParaRPr lang="de-DE" b="1" dirty="0">
               <a:solidFill>
                 <a:schemeClr val="accent1">
                   <a:lumMod val="75000"/>
@@ -19644,7 +18713,7 @@
           <a:p>
             <a:fld id="{F5A85240-7C7D-40AC-881C-FD470AC28E28}" type="datetime1">
               <a:rPr lang="de-DE" smtClean="0"/>
-              <a:t>20.03.2019</a:t>
+              <a:t>12.03.2020</a:t>
             </a:fld>
             <a:endParaRPr lang="de-DE"/>
           </a:p>
@@ -19666,7 +18735,7 @@
           <a:lstStyle/>
           <a:p>
             <a:r>
-              <a:rPr lang="de-DE" smtClean="0"/>
+              <a:rPr lang="de-DE"/>
               <a:t>Python Einführung</a:t>
             </a:r>
             <a:endParaRPr lang="de-DE" dirty="0"/>
@@ -19742,21 +18811,6 @@
   <p:clrMapOvr>
     <a:masterClrMapping/>
   </p:clrMapOvr>
-  <mc:AlternateContent xmlns:mc="http://schemas.openxmlformats.org/markup-compatibility/2006" xmlns:p14="http://schemas.microsoft.com/office/powerpoint/2010/main">
-    <mc:Choice Requires="p14">
-      <p:transition p14:dur="0"/>
-    </mc:Choice>
-    <mc:Fallback xmlns="">
-      <p:transition/>
-    </mc:Fallback>
-  </mc:AlternateContent>
-  <p:timing>
-    <p:tnLst>
-      <p:par>
-        <p:cTn id="1" dur="indefinite" restart="never" nodeType="tmRoot"/>
-      </p:par>
-    </p:tnLst>
-  </p:timing>
 </p:sld>
 </file>
 
@@ -19795,18 +18849,14 @@
           <a:lstStyle/>
           <a:p>
             <a:r>
-              <a:rPr lang="de-DE" dirty="0" smtClean="0"/>
+              <a:rPr lang="de-DE" dirty="0"/>
               <a:t>Programmiersprachen</a:t>
             </a:r>
-            <a:r>
-              <a:rPr lang="de-DE" dirty="0"/>
-              <a:t/>
-            </a:r>
             <a:br>
               <a:rPr lang="de-DE" dirty="0"/>
             </a:br>
             <a:r>
-              <a:rPr lang="de-DE" dirty="0" smtClean="0"/>
+              <a:rPr lang="de-DE" dirty="0"/>
               <a:t>Assembler</a:t>
             </a:r>
             <a:endParaRPr lang="de-DE" sz="3200" dirty="0">
@@ -19840,23 +18890,23 @@
           <a:lstStyle/>
           <a:p>
             <a:r>
-              <a:rPr lang="de-DE" dirty="0" smtClean="0"/>
+              <a:rPr lang="de-DE" dirty="0"/>
               <a:t>Hardwarenah</a:t>
             </a:r>
           </a:p>
           <a:p>
             <a:r>
-              <a:rPr lang="de-DE" dirty="0" smtClean="0"/>
+              <a:rPr lang="de-DE" dirty="0"/>
               <a:t>Für tief eingestiegene Programmierer lesbar</a:t>
             </a:r>
           </a:p>
           <a:p>
             <a:r>
-              <a:rPr lang="de-DE" dirty="0" smtClean="0"/>
+              <a:rPr lang="de-DE" dirty="0"/>
               <a:t>Befehle (</a:t>
             </a:r>
             <a:r>
-              <a:rPr lang="de-DE" dirty="0" smtClean="0">
+              <a:rPr lang="de-DE" dirty="0">
                 <a:solidFill>
                   <a:srgbClr val="0070C0"/>
                 </a:solidFill>
@@ -19864,11 +18914,11 @@
               <a:t>blau</a:t>
             </a:r>
             <a:r>
-              <a:rPr lang="de-DE" dirty="0" smtClean="0"/>
+              <a:rPr lang="de-DE" dirty="0"/>
               <a:t>) und Daten (</a:t>
             </a:r>
             <a:r>
-              <a:rPr lang="de-DE" dirty="0" smtClean="0">
+              <a:rPr lang="de-DE" dirty="0">
                 <a:solidFill>
                   <a:schemeClr val="accent1">
                     <a:lumMod val="50000"/>
@@ -19878,32 +18928,32 @@
               <a:t>braun</a:t>
             </a:r>
             <a:r>
-              <a:rPr lang="de-DE" dirty="0" smtClean="0"/>
+              <a:rPr lang="de-DE" dirty="0"/>
               <a:t>)</a:t>
             </a:r>
           </a:p>
           <a:p>
             <a:pPr lvl="1"/>
             <a:r>
-              <a:rPr lang="de-DE" dirty="0" err="1" smtClean="0"/>
+              <a:rPr lang="de-DE" dirty="0" err="1"/>
               <a:t>mov</a:t>
             </a:r>
             <a:r>
-              <a:rPr lang="de-DE" dirty="0" smtClean="0"/>
+              <a:rPr lang="de-DE" dirty="0"/>
               <a:t>: Daten verschieben</a:t>
             </a:r>
           </a:p>
           <a:p>
             <a:pPr lvl="1"/>
             <a:r>
-              <a:rPr lang="de-DE" dirty="0" smtClean="0"/>
+              <a:rPr lang="de-DE" dirty="0"/>
               <a:t>r: Register</a:t>
             </a:r>
           </a:p>
           <a:p>
             <a:pPr lvl="1"/>
             <a:r>
-              <a:rPr lang="de-DE" dirty="0" smtClean="0"/>
+              <a:rPr lang="de-DE" dirty="0"/>
               <a:t>DWORD: Anzahl der Bits</a:t>
             </a:r>
           </a:p>
@@ -19926,7 +18976,7 @@
           <a:p>
             <a:fld id="{8E075C87-E077-4B9A-A783-FA839FDB07B3}" type="datetime1">
               <a:rPr lang="de-DE" smtClean="0"/>
-              <a:t>20.03.2019</a:t>
+              <a:t>12.03.2020</a:t>
             </a:fld>
             <a:endParaRPr lang="de-DE"/>
           </a:p>
@@ -19948,10 +18998,9 @@
           <a:lstStyle/>
           <a:p>
             <a:r>
-              <a:rPr lang="de-DE" smtClean="0"/>
+              <a:rPr lang="de-DE"/>
               <a:t>Python Einführung</a:t>
             </a:r>
-            <a:endParaRPr lang="de-DE"/>
           </a:p>
         </p:txBody>
       </p:sp>
@@ -20216,21 +19265,6 @@
   <p:clrMapOvr>
     <a:masterClrMapping/>
   </p:clrMapOvr>
-  <mc:AlternateContent xmlns:mc="http://schemas.openxmlformats.org/markup-compatibility/2006" xmlns:p14="http://schemas.microsoft.com/office/powerpoint/2010/main">
-    <mc:Choice Requires="p14">
-      <p:transition p14:dur="0"/>
-    </mc:Choice>
-    <mc:Fallback xmlns="">
-      <p:transition/>
-    </mc:Fallback>
-  </mc:AlternateContent>
-  <p:timing>
-    <p:tnLst>
-      <p:par>
-        <p:cTn id="1" dur="indefinite" restart="never" nodeType="tmRoot"/>
-      </p:par>
-    </p:tnLst>
-  </p:timing>
 </p:sld>
 </file>
 
@@ -20269,18 +19303,14 @@
           <a:lstStyle/>
           <a:p>
             <a:r>
-              <a:rPr lang="de-DE" dirty="0" smtClean="0"/>
+              <a:rPr lang="de-DE" dirty="0"/>
               <a:t>Python Grundlagen</a:t>
             </a:r>
-            <a:r>
-              <a:rPr lang="de-DE" dirty="0"/>
-              <a:t/>
-            </a:r>
             <a:br>
               <a:rPr lang="de-DE" dirty="0"/>
             </a:br>
             <a:r>
-              <a:rPr lang="de-DE" dirty="0" smtClean="0"/>
+              <a:rPr lang="de-DE" dirty="0"/>
               <a:t>Wahrheitswerte</a:t>
             </a:r>
             <a:endParaRPr lang="de-DE" sz="2400" dirty="0">
@@ -20308,7 +19338,7 @@
           <a:p>
             <a:fld id="{DC06A4FB-3FEC-46DD-B898-227DF1300745}" type="datetime1">
               <a:rPr lang="de-DE" smtClean="0"/>
-              <a:t>20.03.2019</a:t>
+              <a:t>12.03.2020</a:t>
             </a:fld>
             <a:endParaRPr lang="de-DE"/>
           </a:p>
@@ -20330,7 +19360,7 @@
           <a:lstStyle/>
           <a:p>
             <a:r>
-              <a:rPr lang="de-DE" smtClean="0"/>
+              <a:rPr lang="de-DE"/>
               <a:t>Python Einführung</a:t>
             </a:r>
             <a:endParaRPr lang="de-DE" dirty="0"/>
@@ -20405,11 +19435,7 @@
             <a:pPr lvl="2"/>
             <a:r>
               <a:rPr lang="de-DE" dirty="0"/>
-              <a:t>a=1, b=2, </a:t>
-            </a:r>
-            <a:r>
-              <a:rPr lang="de-DE" dirty="0" smtClean="0"/>
-              <a:t>c=2</a:t>
+              <a:t>a=1, b=2, c=2</a:t>
             </a:r>
             <a:endParaRPr lang="de-DE" b="1" dirty="0">
               <a:solidFill>
@@ -20431,21 +19457,6 @@
   <p:clrMapOvr>
     <a:masterClrMapping/>
   </p:clrMapOvr>
-  <mc:AlternateContent xmlns:mc="http://schemas.openxmlformats.org/markup-compatibility/2006" xmlns:p14="http://schemas.microsoft.com/office/powerpoint/2010/main">
-    <mc:Choice Requires="p14">
-      <p:transition p14:dur="0"/>
-    </mc:Choice>
-    <mc:Fallback xmlns="">
-      <p:transition/>
-    </mc:Fallback>
-  </mc:AlternateContent>
-  <p:timing>
-    <p:tnLst>
-      <p:par>
-        <p:cTn id="1" dur="indefinite" restart="never" nodeType="tmRoot"/>
-      </p:par>
-    </p:tnLst>
-  </p:timing>
 </p:sld>
 </file>
 
@@ -20489,18 +19500,14 @@
           <a:lstStyle/>
           <a:p>
             <a:r>
-              <a:rPr lang="de-DE" dirty="0" smtClean="0"/>
+              <a:rPr lang="de-DE" dirty="0"/>
               <a:t>Python Grundlagen</a:t>
             </a:r>
-            <a:r>
-              <a:rPr lang="de-DE" dirty="0"/>
-              <a:t/>
-            </a:r>
             <a:br>
               <a:rPr lang="de-DE" dirty="0"/>
             </a:br>
             <a:r>
-              <a:rPr lang="de-DE" dirty="0" smtClean="0"/>
+              <a:rPr lang="de-DE" dirty="0"/>
               <a:t>Wiederholungen</a:t>
             </a:r>
             <a:endParaRPr lang="de-DE" sz="2400" dirty="0">
@@ -20534,11 +19541,11 @@
           <a:lstStyle/>
           <a:p>
             <a:r>
-              <a:rPr lang="de-DE" dirty="0" err="1" smtClean="0"/>
+              <a:rPr lang="de-DE" dirty="0" err="1"/>
               <a:t>While</a:t>
             </a:r>
             <a:r>
-              <a:rPr lang="de-DE" dirty="0" smtClean="0"/>
+              <a:rPr lang="de-DE" dirty="0"/>
               <a:t>-Schleife für unbekannte Anzahl von Wiederholungen</a:t>
             </a:r>
           </a:p>
@@ -20549,7 +19556,7 @@
               </a:buClr>
             </a:pPr>
             <a:r>
-              <a:rPr lang="de-DE" b="1" dirty="0" err="1" smtClean="0">
+              <a:rPr lang="de-DE" b="1" dirty="0" err="1">
                 <a:solidFill>
                   <a:schemeClr val="accent1">
                     <a:lumMod val="75000"/>
@@ -20559,11 +19566,11 @@
               <a:t>while</a:t>
             </a:r>
             <a:r>
-              <a:rPr lang="de-DE" dirty="0" smtClean="0"/>
+              <a:rPr lang="de-DE" dirty="0"/>
               <a:t> </a:t>
             </a:r>
             <a:r>
-              <a:rPr lang="de-DE" i="1" dirty="0" smtClean="0"/>
+              <a:rPr lang="de-DE" i="1" dirty="0"/>
               <a:t>Bedingung</a:t>
             </a:r>
             <a:r>
@@ -20576,19 +19583,19 @@
               </a:rPr>
               <a:t>:</a:t>
             </a:r>
-            <a:endParaRPr lang="de-DE" i="1" dirty="0" smtClean="0"/>
+            <a:endParaRPr lang="de-DE" i="1" dirty="0"/>
           </a:p>
           <a:p>
             <a:pPr lvl="1"/>
             <a:r>
-              <a:rPr lang="de-DE" dirty="0" smtClean="0"/>
+              <a:rPr lang="de-DE" dirty="0"/>
               <a:t>Eingerückt arbeiten</a:t>
             </a:r>
           </a:p>
           <a:p>
             <a:pPr lvl="1"/>
             <a:r>
-              <a:rPr lang="de-DE" dirty="0" smtClean="0"/>
+              <a:rPr lang="de-DE" dirty="0"/>
               <a:t>Am Ende nicht eingerückt weiterarbeiten</a:t>
             </a:r>
           </a:p>
@@ -20611,7 +19618,7 @@
           <a:p>
             <a:fld id="{3B98499C-917A-4F26-B40E-695BD0FFC74B}" type="datetime1">
               <a:rPr lang="de-DE" smtClean="0"/>
-              <a:t>20.03.2019</a:t>
+              <a:t>12.03.2020</a:t>
             </a:fld>
             <a:endParaRPr lang="de-DE"/>
           </a:p>
@@ -20633,7 +19640,7 @@
           <a:lstStyle/>
           <a:p>
             <a:r>
-              <a:rPr lang="de-DE" smtClean="0"/>
+              <a:rPr lang="de-DE"/>
               <a:t>Python Einführung</a:t>
             </a:r>
             <a:endParaRPr lang="de-DE" dirty="0"/>
@@ -20709,21 +19716,6 @@
   <p:clrMapOvr>
     <a:masterClrMapping/>
   </p:clrMapOvr>
-  <mc:AlternateContent xmlns:mc="http://schemas.openxmlformats.org/markup-compatibility/2006" xmlns:p14="http://schemas.microsoft.com/office/powerpoint/2010/main">
-    <mc:Choice Requires="p14">
-      <p:transition p14:dur="0"/>
-    </mc:Choice>
-    <mc:Fallback xmlns="">
-      <p:transition/>
-    </mc:Fallback>
-  </mc:AlternateContent>
-  <p:timing>
-    <p:tnLst>
-      <p:par>
-        <p:cTn id="1" dur="indefinite" restart="never" nodeType="tmRoot"/>
-      </p:par>
-    </p:tnLst>
-  </p:timing>
 </p:sld>
 </file>
 
@@ -20767,18 +19759,14 @@
           <a:lstStyle/>
           <a:p>
             <a:r>
-              <a:rPr lang="de-DE" dirty="0" smtClean="0"/>
+              <a:rPr lang="de-DE" dirty="0"/>
               <a:t>Python Grundlagen</a:t>
             </a:r>
-            <a:r>
-              <a:rPr lang="de-DE" dirty="0"/>
-              <a:t/>
-            </a:r>
             <a:br>
               <a:rPr lang="de-DE" dirty="0"/>
             </a:br>
             <a:r>
-              <a:rPr lang="de-DE" dirty="0" smtClean="0"/>
+              <a:rPr lang="de-DE" dirty="0"/>
               <a:t>Wiederholungen</a:t>
             </a:r>
             <a:endParaRPr lang="de-DE" sz="2400" dirty="0">
@@ -20812,11 +19800,11 @@
           <a:lstStyle/>
           <a:p>
             <a:r>
-              <a:rPr lang="de-DE" dirty="0" err="1" smtClean="0"/>
+              <a:rPr lang="de-DE" dirty="0" err="1"/>
               <a:t>For</a:t>
             </a:r>
             <a:r>
-              <a:rPr lang="de-DE" dirty="0" smtClean="0"/>
+              <a:rPr lang="de-DE" dirty="0"/>
               <a:t>-Schleife für bekannte Anzahl von Wiederholungen</a:t>
             </a:r>
           </a:p>
@@ -20827,7 +19815,7 @@
               </a:buClr>
             </a:pPr>
             <a:r>
-              <a:rPr lang="de-DE" b="1" dirty="0" err="1" smtClean="0">
+              <a:rPr lang="de-DE" b="1" dirty="0" err="1">
                 <a:solidFill>
                   <a:schemeClr val="accent1">
                     <a:lumMod val="75000"/>
@@ -20837,15 +19825,15 @@
               <a:t>for</a:t>
             </a:r>
             <a:r>
-              <a:rPr lang="de-DE" dirty="0" smtClean="0"/>
+              <a:rPr lang="de-DE" dirty="0"/>
               <a:t> </a:t>
             </a:r>
             <a:r>
-              <a:rPr lang="de-DE" i="1" dirty="0" smtClean="0"/>
+              <a:rPr lang="de-DE" i="1" dirty="0"/>
               <a:t>Variable </a:t>
             </a:r>
             <a:r>
-              <a:rPr lang="de-DE" b="1" dirty="0" smtClean="0">
+              <a:rPr lang="de-DE" b="1" dirty="0">
                 <a:solidFill>
                   <a:schemeClr val="accent1">
                     <a:lumMod val="75000"/>
@@ -20855,7 +19843,7 @@
               <a:t>in</a:t>
             </a:r>
             <a:r>
-              <a:rPr lang="de-DE" i="1" dirty="0" smtClean="0"/>
+              <a:rPr lang="de-DE" i="1" dirty="0"/>
               <a:t> Zählbarem</a:t>
             </a:r>
             <a:r>
@@ -20868,26 +19856,26 @@
               </a:rPr>
               <a:t>:</a:t>
             </a:r>
-            <a:endParaRPr lang="de-DE" i="1" dirty="0" smtClean="0"/>
+            <a:endParaRPr lang="de-DE" i="1" dirty="0"/>
           </a:p>
           <a:p>
             <a:pPr lvl="1"/>
             <a:r>
-              <a:rPr lang="de-DE" dirty="0" smtClean="0"/>
+              <a:rPr lang="de-DE" dirty="0"/>
               <a:t>Eingerückt arbeiten</a:t>
             </a:r>
           </a:p>
           <a:p>
             <a:pPr lvl="1"/>
             <a:r>
-              <a:rPr lang="de-DE" dirty="0" smtClean="0"/>
+              <a:rPr lang="de-DE" dirty="0"/>
               <a:t>Am Ende nicht eingerückt weiterarbeiten</a:t>
             </a:r>
           </a:p>
           <a:p>
             <a:pPr lvl="1"/>
             <a:r>
-              <a:rPr lang="de-DE" dirty="0" smtClean="0"/>
+              <a:rPr lang="de-DE" dirty="0"/>
               <a:t>Beliebt: </a:t>
             </a:r>
             <a:r>
@@ -20915,7 +19903,7 @@
               <a:t>start</a:t>
             </a:r>
             <a:r>
-              <a:rPr lang="de-DE" b="1" dirty="0" smtClean="0">
+              <a:rPr lang="de-DE" b="1" dirty="0">
                 <a:solidFill>
                   <a:schemeClr val="accent1">
                     <a:lumMod val="75000"/>
@@ -20925,7 +19913,7 @@
               <a:t>, </a:t>
             </a:r>
             <a:r>
-              <a:rPr lang="de-DE" dirty="0" smtClean="0"/>
+              <a:rPr lang="de-DE" dirty="0"/>
               <a:t>ende</a:t>
             </a:r>
             <a:r>
@@ -20958,7 +19946,7 @@
           <a:p>
             <a:fld id="{5246C73B-41C6-44B0-8E99-FE85FF2BCCB2}" type="datetime1">
               <a:rPr lang="de-DE" smtClean="0"/>
-              <a:t>20.03.2019</a:t>
+              <a:t>12.03.2020</a:t>
             </a:fld>
             <a:endParaRPr lang="de-DE"/>
           </a:p>
@@ -20980,7 +19968,7 @@
           <a:lstStyle/>
           <a:p>
             <a:r>
-              <a:rPr lang="de-DE" smtClean="0"/>
+              <a:rPr lang="de-DE"/>
               <a:t>Python Einführung</a:t>
             </a:r>
             <a:endParaRPr lang="de-DE" dirty="0"/>
@@ -21092,21 +20080,6 @@
   <p:clrMapOvr>
     <a:masterClrMapping/>
   </p:clrMapOvr>
-  <mc:AlternateContent xmlns:mc="http://schemas.openxmlformats.org/markup-compatibility/2006" xmlns:p14="http://schemas.microsoft.com/office/powerpoint/2010/main">
-    <mc:Choice Requires="p14">
-      <p:transition p14:dur="0"/>
-    </mc:Choice>
-    <mc:Fallback xmlns="">
-      <p:transition/>
-    </mc:Fallback>
-  </mc:AlternateContent>
-  <p:timing>
-    <p:tnLst>
-      <p:par>
-        <p:cTn id="1" dur="indefinite" restart="never" nodeType="tmRoot"/>
-      </p:par>
-    </p:tnLst>
-  </p:timing>
 </p:sld>
 </file>
 
@@ -21150,18 +20123,14 @@
           <a:lstStyle/>
           <a:p>
             <a:r>
-              <a:rPr lang="de-DE" dirty="0" smtClean="0"/>
+              <a:rPr lang="de-DE" dirty="0"/>
               <a:t>Python Grundlagen</a:t>
             </a:r>
-            <a:r>
-              <a:rPr lang="de-DE" dirty="0"/>
-              <a:t/>
-            </a:r>
             <a:br>
               <a:rPr lang="de-DE" dirty="0"/>
             </a:br>
             <a:r>
-              <a:rPr lang="de-DE" dirty="0" smtClean="0"/>
+              <a:rPr lang="de-DE" dirty="0"/>
               <a:t>Verzweigungen</a:t>
             </a:r>
             <a:endParaRPr lang="de-DE" sz="2400" dirty="0">
@@ -21195,11 +20164,11 @@
           <a:lstStyle/>
           <a:p>
             <a:r>
-              <a:rPr lang="de-DE" dirty="0" err="1" smtClean="0"/>
+              <a:rPr lang="de-DE" dirty="0" err="1"/>
               <a:t>If</a:t>
             </a:r>
             <a:r>
-              <a:rPr lang="de-DE" dirty="0" smtClean="0"/>
+              <a:rPr lang="de-DE" dirty="0"/>
               <a:t> - Befehl</a:t>
             </a:r>
           </a:p>
@@ -21210,7 +20179,7 @@
               </a:buClr>
             </a:pPr>
             <a:r>
-              <a:rPr lang="de-DE" b="1" dirty="0" err="1" smtClean="0">
+              <a:rPr lang="de-DE" b="1" dirty="0" err="1">
                 <a:solidFill>
                   <a:schemeClr val="accent1">
                     <a:lumMod val="75000"/>
@@ -21220,7 +20189,7 @@
               <a:t>if</a:t>
             </a:r>
             <a:r>
-              <a:rPr lang="de-DE" b="1" smtClean="0">
+              <a:rPr lang="de-DE" b="1">
                 <a:solidFill>
                   <a:schemeClr val="accent1">
                     <a:lumMod val="75000"/>
@@ -21230,7 +20199,7 @@
               <a:t> </a:t>
             </a:r>
             <a:r>
-              <a:rPr lang="de-DE" i="1" smtClean="0">
+              <a:rPr lang="de-DE" i="1">
                 <a:solidFill>
                   <a:schemeClr val="accent2">
                     <a:lumMod val="75000"/>
@@ -21240,7 +20209,7 @@
               <a:t>Bedingung </a:t>
             </a:r>
             <a:r>
-              <a:rPr lang="de-DE" b="1" smtClean="0">
+              <a:rPr lang="de-DE" b="1">
                 <a:solidFill>
                   <a:schemeClr val="accent1">
                     <a:lumMod val="75000"/>
@@ -21249,15 +20218,11 @@
               </a:rPr>
               <a:t>:</a:t>
             </a:r>
-            <a:r>
-              <a:rPr lang="de-DE" i="1" dirty="0" smtClean="0"/>
-              <a:t/>
-            </a:r>
             <a:br>
-              <a:rPr lang="de-DE" i="1" dirty="0" smtClean="0"/>
+              <a:rPr lang="de-DE" i="1" dirty="0"/>
             </a:br>
             <a:r>
-              <a:rPr lang="de-DE" dirty="0" smtClean="0"/>
+              <a:rPr lang="de-DE" dirty="0"/>
               <a:t>	# wenn </a:t>
             </a:r>
             <a:r>
@@ -21271,11 +20236,11 @@
               <a:t>Bedingung</a:t>
             </a:r>
             <a:r>
-              <a:rPr lang="de-DE" dirty="0" smtClean="0"/>
+              <a:rPr lang="de-DE" dirty="0"/>
               <a:t> wahr ist</a:t>
             </a:r>
             <a:br>
-              <a:rPr lang="de-DE" dirty="0" smtClean="0"/>
+              <a:rPr lang="de-DE" dirty="0"/>
             </a:br>
             <a:r>
               <a:rPr lang="de-DE" b="1" dirty="0" err="1">
@@ -21288,11 +20253,11 @@
               <a:t>elif</a:t>
             </a:r>
             <a:r>
-              <a:rPr lang="de-DE" dirty="0" smtClean="0"/>
+              <a:rPr lang="de-DE" dirty="0"/>
               <a:t> </a:t>
             </a:r>
             <a:r>
-              <a:rPr lang="de-DE" i="1" dirty="0" smtClean="0">
+              <a:rPr lang="de-DE" i="1" dirty="0">
                 <a:solidFill>
                   <a:schemeClr val="accent2">
                     <a:lumMod val="75000"/>
@@ -21311,15 +20276,11 @@
               </a:rPr>
               <a:t> :</a:t>
             </a:r>
-            <a:r>
-              <a:rPr lang="de-DE" i="1" dirty="0" smtClean="0"/>
-              <a:t/>
-            </a:r>
             <a:br>
-              <a:rPr lang="de-DE" i="1" dirty="0" smtClean="0"/>
+              <a:rPr lang="de-DE" i="1" dirty="0"/>
             </a:br>
             <a:r>
-              <a:rPr lang="de-DE" dirty="0" smtClean="0"/>
+              <a:rPr lang="de-DE" dirty="0"/>
               <a:t>	# wenn </a:t>
             </a:r>
             <a:r>
@@ -21333,7 +20294,7 @@
               <a:t>Bedingung</a:t>
             </a:r>
             <a:r>
-              <a:rPr lang="de-DE" dirty="0" smtClean="0"/>
+              <a:rPr lang="de-DE" dirty="0"/>
               <a:t> nicht wahr aber </a:t>
             </a:r>
             <a:r>
@@ -21347,12 +20308,8 @@
               <a:t>Bedingung2</a:t>
             </a:r>
             <a:r>
-              <a:rPr lang="de-DE" dirty="0" smtClean="0"/>
+              <a:rPr lang="de-DE" dirty="0"/>
               <a:t> wahr ist</a:t>
-            </a:r>
-            <a:r>
-              <a:rPr lang="de-DE" dirty="0"/>
-              <a:t/>
             </a:r>
             <a:br>
               <a:rPr lang="de-DE" dirty="0"/>
@@ -21377,15 +20334,11 @@
               </a:rPr>
               <a:t> :</a:t>
             </a:r>
-            <a:r>
-              <a:rPr lang="de-DE" dirty="0" smtClean="0"/>
-              <a:t/>
-            </a:r>
             <a:br>
-              <a:rPr lang="de-DE" dirty="0" smtClean="0"/>
+              <a:rPr lang="de-DE" dirty="0"/>
             </a:br>
             <a:r>
-              <a:rPr lang="de-DE" dirty="0" smtClean="0"/>
+              <a:rPr lang="de-DE" dirty="0"/>
               <a:t>	# wenn weder </a:t>
             </a:r>
             <a:r>
@@ -21399,7 +20352,7 @@
               <a:t>Bedingung</a:t>
             </a:r>
             <a:r>
-              <a:rPr lang="de-DE" dirty="0" smtClean="0"/>
+              <a:rPr lang="de-DE" dirty="0"/>
               <a:t> noch </a:t>
             </a:r>
             <a:r>
@@ -21413,7 +20366,7 @@
               <a:t>Bedingung2</a:t>
             </a:r>
             <a:r>
-              <a:rPr lang="de-DE" dirty="0" smtClean="0"/>
+              <a:rPr lang="de-DE" dirty="0"/>
               <a:t> wahr sind</a:t>
             </a:r>
           </a:p>
@@ -21436,7 +20389,7 @@
           <a:p>
             <a:fld id="{49C6F141-7B96-497F-93A3-E688D5682946}" type="datetime1">
               <a:rPr lang="de-DE" smtClean="0"/>
-              <a:t>20.03.2019</a:t>
+              <a:t>12.03.2020</a:t>
             </a:fld>
             <a:endParaRPr lang="de-DE"/>
           </a:p>
@@ -21458,7 +20411,7 @@
           <a:lstStyle/>
           <a:p>
             <a:r>
-              <a:rPr lang="de-DE" smtClean="0"/>
+              <a:rPr lang="de-DE"/>
               <a:t>Python Einführung</a:t>
             </a:r>
             <a:endParaRPr lang="de-DE" dirty="0"/>
@@ -21534,21 +20487,6 @@
   <p:clrMapOvr>
     <a:masterClrMapping/>
   </p:clrMapOvr>
-  <mc:AlternateContent xmlns:mc="http://schemas.openxmlformats.org/markup-compatibility/2006" xmlns:p14="http://schemas.microsoft.com/office/powerpoint/2010/main">
-    <mc:Choice Requires="p14">
-      <p:transition p14:dur="0"/>
-    </mc:Choice>
-    <mc:Fallback xmlns="">
-      <p:transition/>
-    </mc:Fallback>
-  </mc:AlternateContent>
-  <p:timing>
-    <p:tnLst>
-      <p:par>
-        <p:cTn id="1" dur="indefinite" restart="never" nodeType="tmRoot"/>
-      </p:par>
-    </p:tnLst>
-  </p:timing>
 </p:sld>
 </file>
 
@@ -21587,18 +20525,14 @@
           <a:lstStyle/>
           <a:p>
             <a:r>
-              <a:rPr lang="de-DE" dirty="0" smtClean="0"/>
+              <a:rPr lang="de-DE" dirty="0"/>
               <a:t>Python Grundlagen</a:t>
             </a:r>
-            <a:r>
-              <a:rPr lang="de-DE" dirty="0"/>
-              <a:t/>
-            </a:r>
             <a:br>
               <a:rPr lang="de-DE" dirty="0"/>
             </a:br>
             <a:r>
-              <a:rPr lang="de-DE" dirty="0" smtClean="0"/>
+              <a:rPr lang="de-DE" dirty="0"/>
               <a:t>Verzweigungen</a:t>
             </a:r>
             <a:endParaRPr lang="de-DE" sz="2400" dirty="0">
@@ -21626,7 +20560,7 @@
           <a:p>
             <a:fld id="{1D88C1FA-871A-4A05-A6B3-E88443BF9D3D}" type="datetime1">
               <a:rPr lang="de-DE" smtClean="0"/>
-              <a:t>20.03.2019</a:t>
+              <a:t>12.03.2020</a:t>
             </a:fld>
             <a:endParaRPr lang="de-DE"/>
           </a:p>
@@ -21648,7 +20582,7 @@
           <a:lstStyle/>
           <a:p>
             <a:r>
-              <a:rPr lang="de-DE" smtClean="0"/>
+              <a:rPr lang="de-DE"/>
               <a:t>Python Einführung</a:t>
             </a:r>
             <a:endParaRPr lang="de-DE" dirty="0"/>
@@ -21701,12 +20635,8 @@
           <a:p>
             <a:pPr lvl="1"/>
             <a:r>
-              <a:rPr lang="de-DE" dirty="0" smtClean="0"/>
-              <a:t>Wie </a:t>
-            </a:r>
-            <a:r>
-              <a:rPr lang="de-DE" dirty="0"/>
-              <a:t>viele Zahlen zwischen 100 und 1000 enthalten die Ziffer 3?</a:t>
+              <a:rPr lang="de-DE" dirty="0"/>
+              <a:t>Wie viele Zahlen zwischen 100 und 1000 enthalten die Ziffer 3?</a:t>
             </a:r>
           </a:p>
           <a:p>
@@ -21753,7 +20683,7 @@
           <a:p>
             <a:pPr lvl="2"/>
             <a:r>
-              <a:rPr lang="de-DE" dirty="0" err="1" smtClean="0"/>
+              <a:rPr lang="de-DE" dirty="0" err="1"/>
               <a:t>if</a:t>
             </a:r>
             <a:endParaRPr lang="de-DE" dirty="0"/>
@@ -21776,13 +20706,8 @@
             <a:pPr lvl="2"/>
             <a:r>
               <a:rPr lang="de-DE" dirty="0"/>
-              <a:t>ist 1==3, 3==3, 7==</a:t>
-            </a:r>
-            <a:r>
-              <a:rPr lang="de-DE" dirty="0" smtClean="0"/>
-              <a:t>3</a:t>
-            </a:r>
-            <a:endParaRPr lang="de-DE" dirty="0"/>
+              <a:t>ist 1==3, 3==3, 7==3</a:t>
+            </a:r>
           </a:p>
         </p:txBody>
       </p:sp>
@@ -21796,14 +20721,6 @@
   <p:clrMapOvr>
     <a:masterClrMapping/>
   </p:clrMapOvr>
-  <mc:AlternateContent xmlns:mc="http://schemas.openxmlformats.org/markup-compatibility/2006" xmlns:p14="http://schemas.microsoft.com/office/powerpoint/2010/main">
-    <mc:Choice Requires="p14">
-      <p:transition p14:dur="0"/>
-    </mc:Choice>
-    <mc:Fallback xmlns="">
-      <p:transition/>
-    </mc:Fallback>
-  </mc:AlternateContent>
   <p:timing>
     <p:tnLst>
       <p:par>
@@ -22112,18 +21029,14 @@
           <a:lstStyle/>
           <a:p>
             <a:r>
-              <a:rPr lang="de-DE" dirty="0" smtClean="0"/>
+              <a:rPr lang="de-DE" dirty="0"/>
               <a:t>Python Grundlagen</a:t>
             </a:r>
-            <a:r>
-              <a:rPr lang="de-DE" dirty="0"/>
-              <a:t/>
-            </a:r>
             <a:br>
               <a:rPr lang="de-DE" dirty="0"/>
             </a:br>
             <a:r>
-              <a:rPr lang="de-DE" dirty="0" smtClean="0"/>
+              <a:rPr lang="de-DE" dirty="0"/>
               <a:t>Verzweigungen</a:t>
             </a:r>
             <a:endParaRPr lang="de-DE" sz="2400" dirty="0">
@@ -22157,14 +21070,14 @@
           <a:lstStyle/>
           <a:p>
             <a:r>
-              <a:rPr lang="de-DE" dirty="0" smtClean="0"/>
+              <a:rPr lang="de-DE" dirty="0"/>
               <a:t>Lösung</a:t>
             </a:r>
           </a:p>
           <a:p>
             <a:pPr lvl="1"/>
             <a:r>
-              <a:rPr lang="de-DE" dirty="0" smtClean="0"/>
+              <a:rPr lang="de-DE" dirty="0"/>
               <a:t>wie viele Zahlen zwischen 100 und 1000 enthalten die Ziffer 3?</a:t>
             </a:r>
           </a:p>
@@ -22187,7 +21100,7 @@
           <a:p>
             <a:fld id="{2E0FAE72-4302-4067-A7B4-5361ED9C2922}" type="datetime1">
               <a:rPr lang="de-DE" smtClean="0"/>
-              <a:t>20.03.2019</a:t>
+              <a:t>12.03.2020</a:t>
             </a:fld>
             <a:endParaRPr lang="de-DE"/>
           </a:p>
@@ -22209,7 +21122,7 @@
           <a:lstStyle/>
           <a:p>
             <a:r>
-              <a:rPr lang="de-DE" smtClean="0"/>
+              <a:rPr lang="de-DE"/>
               <a:t>Python Einführung</a:t>
             </a:r>
             <a:endParaRPr lang="de-DE" dirty="0"/>
@@ -22349,13 +21262,6 @@
       <p:transition/>
     </mc:Fallback>
   </mc:AlternateContent>
-  <p:timing>
-    <p:tnLst>
-      <p:par>
-        <p:cTn id="1" dur="indefinite" restart="never" nodeType="tmRoot"/>
-      </p:par>
-    </p:tnLst>
-  </p:timing>
 </p:sld>
 </file>
 
@@ -22399,18 +21305,14 @@
           <a:lstStyle/>
           <a:p>
             <a:r>
-              <a:rPr lang="de-DE" dirty="0" smtClean="0"/>
+              <a:rPr lang="de-DE" dirty="0"/>
               <a:t>Python Grundlagen</a:t>
             </a:r>
-            <a:r>
-              <a:rPr lang="de-DE" dirty="0"/>
-              <a:t/>
-            </a:r>
             <a:br>
               <a:rPr lang="de-DE" dirty="0"/>
             </a:br>
             <a:r>
-              <a:rPr lang="de-DE" dirty="0" smtClean="0"/>
+              <a:rPr lang="de-DE" dirty="0"/>
               <a:t>Methoden und Funktionen</a:t>
             </a:r>
             <a:endParaRPr lang="de-DE" sz="2400" dirty="0">
@@ -22444,7 +21346,7 @@
           <a:lstStyle/>
           <a:p>
             <a:r>
-              <a:rPr lang="de-DE" dirty="0" smtClean="0"/>
+              <a:rPr lang="de-DE" dirty="0"/>
               <a:t>Zur Wiederverwendung von Code</a:t>
             </a:r>
           </a:p>
@@ -22455,7 +21357,7 @@
               </a:buClr>
             </a:pPr>
             <a:r>
-              <a:rPr lang="de-DE" b="1" dirty="0" err="1" smtClean="0">
+              <a:rPr lang="de-DE" b="1" dirty="0" err="1">
                 <a:solidFill>
                   <a:schemeClr val="accent1">
                     <a:lumMod val="75000"/>
@@ -22465,7 +21367,7 @@
               <a:t>def</a:t>
             </a:r>
             <a:r>
-              <a:rPr lang="de-DE" b="1" dirty="0" smtClean="0">
+              <a:rPr lang="de-DE" b="1" dirty="0">
                 <a:solidFill>
                   <a:schemeClr val="accent1">
                     <a:lumMod val="75000"/>
@@ -22475,7 +21377,7 @@
               <a:t> </a:t>
             </a:r>
             <a:r>
-              <a:rPr lang="de-DE" i="1" dirty="0" err="1" smtClean="0">
+              <a:rPr lang="de-DE" i="1" dirty="0" err="1">
                 <a:solidFill>
                   <a:schemeClr val="accent2">
                     <a:lumMod val="75000"/>
@@ -22485,7 +21387,7 @@
               <a:t>methodenname</a:t>
             </a:r>
             <a:r>
-              <a:rPr lang="de-DE" i="1" dirty="0" smtClean="0">
+              <a:rPr lang="de-DE" i="1" dirty="0">
                 <a:solidFill>
                   <a:schemeClr val="accent2">
                     <a:lumMod val="75000"/>
@@ -22495,7 +21397,7 @@
               <a:t> (</a:t>
             </a:r>
             <a:r>
-              <a:rPr lang="de-DE" i="1" dirty="0" err="1" smtClean="0">
+              <a:rPr lang="de-DE" i="1" dirty="0" err="1">
                 <a:solidFill>
                   <a:schemeClr val="accent2">
                     <a:lumMod val="75000"/>
@@ -22505,7 +21407,7 @@
               <a:t>argument</a:t>
             </a:r>
             <a:r>
-              <a:rPr lang="de-DE" i="1" dirty="0" smtClean="0">
+              <a:rPr lang="de-DE" i="1" dirty="0">
                 <a:solidFill>
                   <a:schemeClr val="accent2">
                     <a:lumMod val="75000"/>
@@ -22524,15 +21426,11 @@
               </a:rPr>
               <a:t>:</a:t>
             </a:r>
-            <a:r>
-              <a:rPr lang="de-DE" i="1" dirty="0" smtClean="0"/>
-              <a:t/>
-            </a:r>
             <a:br>
-              <a:rPr lang="de-DE" i="1" dirty="0" smtClean="0"/>
+              <a:rPr lang="de-DE" i="1" dirty="0"/>
             </a:br>
             <a:r>
-              <a:rPr lang="de-DE" dirty="0" smtClean="0"/>
+              <a:rPr lang="de-DE" dirty="0"/>
               <a:t>	# irgendetwas tun</a:t>
             </a:r>
           </a:p>
@@ -22543,11 +21441,11 @@
               </a:buClr>
             </a:pPr>
             <a:r>
-              <a:rPr lang="de-DE" dirty="0" smtClean="0"/>
+              <a:rPr lang="de-DE" dirty="0"/>
               <a:t>Aufruf mit </a:t>
             </a:r>
             <a:r>
-              <a:rPr lang="de-DE" i="1" dirty="0" err="1" smtClean="0">
+              <a:rPr lang="de-DE" i="1" dirty="0" err="1">
                 <a:solidFill>
                   <a:schemeClr val="accent2">
                     <a:lumMod val="75000"/>
@@ -22557,7 +21455,7 @@
               <a:t>methodenname</a:t>
             </a:r>
             <a:r>
-              <a:rPr lang="de-DE" i="1" dirty="0" smtClean="0">
+              <a:rPr lang="de-DE" i="1" dirty="0">
                 <a:solidFill>
                   <a:schemeClr val="accent2">
                     <a:lumMod val="75000"/>
@@ -22566,7 +21464,7 @@
               </a:rPr>
               <a:t>()</a:t>
             </a:r>
-            <a:endParaRPr lang="de-DE" dirty="0" smtClean="0"/>
+            <a:endParaRPr lang="de-DE" dirty="0"/>
           </a:p>
         </p:txBody>
       </p:sp>
@@ -22587,7 +21485,7 @@
           <a:p>
             <a:fld id="{BB9862A8-04CB-49F3-B3A2-15F0F5882BD1}" type="datetime1">
               <a:rPr lang="de-DE" smtClean="0"/>
-              <a:t>20.03.2019</a:t>
+              <a:t>12.03.2020</a:t>
             </a:fld>
             <a:endParaRPr lang="de-DE"/>
           </a:p>
@@ -22609,7 +21507,7 @@
           <a:lstStyle/>
           <a:p>
             <a:r>
-              <a:rPr lang="de-DE" smtClean="0"/>
+              <a:rPr lang="de-DE"/>
               <a:t>Python Einführung</a:t>
             </a:r>
             <a:endParaRPr lang="de-DE" dirty="0"/>
@@ -22685,21 +21583,6 @@
   <p:clrMapOvr>
     <a:masterClrMapping/>
   </p:clrMapOvr>
-  <mc:AlternateContent xmlns:mc="http://schemas.openxmlformats.org/markup-compatibility/2006" xmlns:p14="http://schemas.microsoft.com/office/powerpoint/2010/main">
-    <mc:Choice Requires="p14">
-      <p:transition p14:dur="0"/>
-    </mc:Choice>
-    <mc:Fallback xmlns="">
-      <p:transition/>
-    </mc:Fallback>
-  </mc:AlternateContent>
-  <p:timing>
-    <p:tnLst>
-      <p:par>
-        <p:cTn id="1" dur="indefinite" restart="never" nodeType="tmRoot"/>
-      </p:par>
-    </p:tnLst>
-  </p:timing>
 </p:sld>
 </file>
 
@@ -22743,18 +21626,14 @@
           <a:lstStyle/>
           <a:p>
             <a:r>
-              <a:rPr lang="de-DE" dirty="0" smtClean="0"/>
+              <a:rPr lang="de-DE" dirty="0"/>
               <a:t>Python Grundlagen</a:t>
             </a:r>
-            <a:r>
-              <a:rPr lang="de-DE" dirty="0"/>
-              <a:t/>
-            </a:r>
             <a:br>
               <a:rPr lang="de-DE" dirty="0"/>
             </a:br>
             <a:r>
-              <a:rPr lang="de-DE" dirty="0" smtClean="0"/>
+              <a:rPr lang="de-DE" dirty="0"/>
               <a:t>Methoden und Funktionen</a:t>
             </a:r>
             <a:endParaRPr lang="de-DE" sz="2400" dirty="0">
@@ -22788,14 +21667,14 @@
           <a:lstStyle/>
           <a:p>
             <a:r>
-              <a:rPr lang="de-DE" dirty="0" smtClean="0"/>
+              <a:rPr lang="de-DE" dirty="0"/>
               <a:t>Zur Wiederverwendung von Code</a:t>
             </a:r>
           </a:p>
           <a:p>
             <a:pPr lvl="1"/>
             <a:r>
-              <a:rPr lang="de-DE" dirty="0" smtClean="0"/>
+              <a:rPr lang="de-DE" dirty="0"/>
               <a:t>Gibt ein Ergebnis zurück</a:t>
             </a:r>
           </a:p>
@@ -22806,7 +21685,7 @@
               </a:buClr>
             </a:pPr>
             <a:r>
-              <a:rPr lang="de-DE" b="1" dirty="0" err="1" smtClean="0">
+              <a:rPr lang="de-DE" b="1" dirty="0" err="1">
                 <a:solidFill>
                   <a:schemeClr val="accent1">
                     <a:lumMod val="75000"/>
@@ -22816,7 +21695,7 @@
               <a:t>def</a:t>
             </a:r>
             <a:r>
-              <a:rPr lang="de-DE" b="1" dirty="0" smtClean="0">
+              <a:rPr lang="de-DE" b="1" dirty="0">
                 <a:solidFill>
                   <a:schemeClr val="accent1">
                     <a:lumMod val="75000"/>
@@ -22826,7 +21705,7 @@
               <a:t> </a:t>
             </a:r>
             <a:r>
-              <a:rPr lang="de-DE" i="1" dirty="0" err="1" smtClean="0">
+              <a:rPr lang="de-DE" i="1" dirty="0" err="1">
                 <a:solidFill>
                   <a:schemeClr val="accent2">
                     <a:lumMod val="75000"/>
@@ -22836,7 +21715,7 @@
               <a:t>funktionsname</a:t>
             </a:r>
             <a:r>
-              <a:rPr lang="de-DE" i="1" dirty="0" smtClean="0">
+              <a:rPr lang="de-DE" i="1" dirty="0">
                 <a:solidFill>
                   <a:schemeClr val="accent2">
                     <a:lumMod val="75000"/>
@@ -22846,7 +21725,7 @@
               <a:t>(</a:t>
             </a:r>
             <a:r>
-              <a:rPr lang="de-DE" i="1" dirty="0" err="1" smtClean="0">
+              <a:rPr lang="de-DE" i="1" dirty="0" err="1">
                 <a:solidFill>
                   <a:schemeClr val="accent2">
                     <a:lumMod val="75000"/>
@@ -22856,7 +21735,7 @@
               <a:t>argument</a:t>
             </a:r>
             <a:r>
-              <a:rPr lang="de-DE" i="1" dirty="0" smtClean="0">
+              <a:rPr lang="de-DE" i="1" dirty="0">
                 <a:solidFill>
                   <a:schemeClr val="accent2">
                     <a:lumMod val="75000"/>
@@ -22875,22 +21754,18 @@
               </a:rPr>
               <a:t>:</a:t>
             </a:r>
-            <a:r>
-              <a:rPr lang="de-DE" i="1" dirty="0" smtClean="0"/>
-              <a:t/>
-            </a:r>
             <a:br>
-              <a:rPr lang="de-DE" i="1" dirty="0" smtClean="0"/>
+              <a:rPr lang="de-DE" i="1" dirty="0"/>
             </a:br>
             <a:r>
-              <a:rPr lang="de-DE" dirty="0" smtClean="0"/>
+              <a:rPr lang="de-DE" dirty="0"/>
               <a:t>	# irgendetwas tun</a:t>
             </a:r>
             <a:br>
-              <a:rPr lang="de-DE" dirty="0" smtClean="0"/>
+              <a:rPr lang="de-DE" dirty="0"/>
             </a:br>
             <a:r>
-              <a:rPr lang="de-DE" dirty="0" smtClean="0"/>
+              <a:rPr lang="de-DE" dirty="0"/>
               <a:t>	</a:t>
             </a:r>
             <a:r>
@@ -22904,7 +21779,7 @@
               <a:t>return</a:t>
             </a:r>
             <a:r>
-              <a:rPr lang="de-DE" dirty="0" smtClean="0"/>
+              <a:rPr lang="de-DE" dirty="0"/>
               <a:t> </a:t>
             </a:r>
             <a:r>
@@ -22932,11 +21807,11 @@
               </a:buClr>
             </a:pPr>
             <a:r>
-              <a:rPr lang="de-DE" dirty="0" smtClean="0"/>
+              <a:rPr lang="de-DE" dirty="0"/>
               <a:t>Aufruf mit </a:t>
             </a:r>
             <a:r>
-              <a:rPr lang="de-DE" i="1" dirty="0" err="1" smtClean="0">
+              <a:rPr lang="de-DE" i="1" dirty="0" err="1">
                 <a:solidFill>
                   <a:schemeClr val="accent2">
                     <a:lumMod val="75000"/>
@@ -22946,7 +21821,7 @@
               <a:t>funktionsname</a:t>
             </a:r>
             <a:r>
-              <a:rPr lang="de-DE" i="1" dirty="0" smtClean="0">
+              <a:rPr lang="de-DE" i="1" dirty="0">
                 <a:solidFill>
                   <a:schemeClr val="accent2">
                     <a:lumMod val="75000"/>
@@ -22955,7 +21830,7 @@
               </a:rPr>
               <a:t>()</a:t>
             </a:r>
-            <a:endParaRPr lang="de-DE" dirty="0" smtClean="0"/>
+            <a:endParaRPr lang="de-DE" dirty="0"/>
           </a:p>
         </p:txBody>
       </p:sp>
@@ -22976,7 +21851,7 @@
           <a:p>
             <a:fld id="{793655B7-CBEA-457D-BD5B-ACC421B4D76A}" type="datetime1">
               <a:rPr lang="de-DE" smtClean="0"/>
-              <a:t>20.03.2019</a:t>
+              <a:t>12.03.2020</a:t>
             </a:fld>
             <a:endParaRPr lang="de-DE"/>
           </a:p>
@@ -22998,7 +21873,7 @@
           <a:lstStyle/>
           <a:p>
             <a:r>
-              <a:rPr lang="de-DE" smtClean="0"/>
+              <a:rPr lang="de-DE"/>
               <a:t>Python Einführung</a:t>
             </a:r>
             <a:endParaRPr lang="de-DE" dirty="0"/>
@@ -23074,21 +21949,6 @@
   <p:clrMapOvr>
     <a:masterClrMapping/>
   </p:clrMapOvr>
-  <mc:AlternateContent xmlns:mc="http://schemas.openxmlformats.org/markup-compatibility/2006" xmlns:p14="http://schemas.microsoft.com/office/powerpoint/2010/main">
-    <mc:Choice Requires="p14">
-      <p:transition p14:dur="0"/>
-    </mc:Choice>
-    <mc:Fallback xmlns="">
-      <p:transition/>
-    </mc:Fallback>
-  </mc:AlternateContent>
-  <p:timing>
-    <p:tnLst>
-      <p:par>
-        <p:cTn id="1" dur="indefinite" restart="never" nodeType="tmRoot"/>
-      </p:par>
-    </p:tnLst>
-  </p:timing>
 </p:sld>
 </file>
 
@@ -23127,18 +21987,14 @@
           <a:lstStyle/>
           <a:p>
             <a:r>
-              <a:rPr lang="de-DE" dirty="0" smtClean="0"/>
+              <a:rPr lang="de-DE" dirty="0"/>
               <a:t>Python Grundlagen</a:t>
             </a:r>
-            <a:r>
-              <a:rPr lang="de-DE" dirty="0"/>
-              <a:t/>
-            </a:r>
             <a:br>
               <a:rPr lang="de-DE" dirty="0"/>
             </a:br>
             <a:r>
-              <a:rPr lang="de-DE" dirty="0" smtClean="0"/>
+              <a:rPr lang="de-DE" dirty="0"/>
               <a:t>Methoden und Funktionen</a:t>
             </a:r>
             <a:endParaRPr lang="de-DE" sz="2400" dirty="0">
@@ -23166,7 +22022,7 @@
           <a:p>
             <a:fld id="{FC061112-BDD9-4A67-BD62-58AEF83B3F31}" type="datetime1">
               <a:rPr lang="de-DE" smtClean="0"/>
-              <a:t>20.03.2019</a:t>
+              <a:t>12.03.2020</a:t>
             </a:fld>
             <a:endParaRPr lang="de-DE"/>
           </a:p>
@@ -23188,7 +22044,7 @@
           <a:lstStyle/>
           <a:p>
             <a:r>
-              <a:rPr lang="de-DE" smtClean="0"/>
+              <a:rPr lang="de-DE"/>
               <a:t>Python Einführung</a:t>
             </a:r>
             <a:endParaRPr lang="de-DE" dirty="0"/>
@@ -23228,7 +22084,12 @@
             <p:ph sz="quarter" idx="13"/>
           </p:nvPr>
         </p:nvSpPr>
-        <p:spPr/>
+        <p:spPr>
+          <a:xfrm>
+            <a:off x="838200" y="2008262"/>
+            <a:ext cx="7937310" cy="4136951"/>
+          </a:xfrm>
+        </p:spPr>
         <p:txBody>
           <a:bodyPr/>
           <a:lstStyle/>
@@ -23242,13 +22103,8 @@
             <a:pPr lvl="1"/>
             <a:r>
               <a:rPr lang="de-DE" dirty="0"/>
-              <a:t>Schreibe eine Funktion, die eine Liste mit beliebigen Ganzzahlen aufsteigend </a:t>
-            </a:r>
-            <a:r>
-              <a:rPr lang="de-DE" dirty="0" smtClean="0"/>
-              <a:t>sortiert</a:t>
-            </a:r>
-            <a:endParaRPr lang="de-DE" dirty="0"/>
+              <a:t>Schreibe eine Funktion, die aus einer Liste mit beliebigen Ganzzahlen die kleinste heraussucht</a:t>
+            </a:r>
           </a:p>
         </p:txBody>
       </p:sp>
@@ -23262,21 +22118,6 @@
   <p:clrMapOvr>
     <a:masterClrMapping/>
   </p:clrMapOvr>
-  <mc:AlternateContent xmlns:mc="http://schemas.openxmlformats.org/markup-compatibility/2006" xmlns:p14="http://schemas.microsoft.com/office/powerpoint/2010/main">
-    <mc:Choice Requires="p14">
-      <p:transition p14:dur="0"/>
-    </mc:Choice>
-    <mc:Fallback xmlns="">
-      <p:transition/>
-    </mc:Fallback>
-  </mc:AlternateContent>
-  <p:timing>
-    <p:tnLst>
-      <p:par>
-        <p:cTn id="1" dur="indefinite" restart="never" nodeType="tmRoot"/>
-      </p:par>
-    </p:tnLst>
-  </p:timing>
 </p:sld>
 </file>
 
@@ -23320,18 +22161,14 @@
           <a:lstStyle/>
           <a:p>
             <a:r>
-              <a:rPr lang="de-DE" dirty="0" smtClean="0"/>
+              <a:rPr lang="de-DE" dirty="0"/>
               <a:t>Python Grundlagen</a:t>
             </a:r>
-            <a:r>
-              <a:rPr lang="de-DE" dirty="0"/>
-              <a:t/>
-            </a:r>
             <a:br>
               <a:rPr lang="de-DE" dirty="0"/>
             </a:br>
             <a:r>
-              <a:rPr lang="de-DE" dirty="0" smtClean="0"/>
+              <a:rPr lang="de-DE" dirty="0"/>
               <a:t>Ein- und Ausgabe</a:t>
             </a:r>
             <a:endParaRPr lang="de-DE" sz="2800" b="1" dirty="0">
@@ -23374,7 +22211,7 @@
           <a:lstStyle/>
           <a:p>
             <a:r>
-              <a:rPr lang="de-DE" dirty="0" smtClean="0"/>
+              <a:rPr lang="de-DE" dirty="0"/>
               <a:t>Ausgabe: </a:t>
             </a:r>
             <a:r>
@@ -23398,7 +22235,7 @@
               <a:t>(</a:t>
             </a:r>
             <a:r>
-              <a:rPr lang="de-DE" dirty="0" smtClean="0"/>
+              <a:rPr lang="de-DE" dirty="0"/>
               <a:t>…</a:t>
             </a:r>
             <a:r>
@@ -23414,11 +22251,11 @@
           </a:p>
           <a:p>
             <a:r>
-              <a:rPr lang="de-DE" dirty="0" smtClean="0"/>
+              <a:rPr lang="de-DE" dirty="0"/>
               <a:t>Einfügen von Werten in eine Zeichenkette:</a:t>
             </a:r>
             <a:br>
-              <a:rPr lang="de-DE" dirty="0" smtClean="0"/>
+              <a:rPr lang="de-DE" dirty="0"/>
             </a:br>
             <a:r>
               <a:rPr lang="de-DE" b="1" dirty="0">
@@ -23501,11 +22338,11 @@
           </a:p>
           <a:p>
             <a:r>
-              <a:rPr lang="de-DE" dirty="0" smtClean="0"/>
+              <a:rPr lang="de-DE" dirty="0"/>
               <a:t>Eingabe</a:t>
             </a:r>
             <a:r>
-              <a:rPr lang="de-DE" i="1" dirty="0" smtClean="0">
+              <a:rPr lang="de-DE" i="1" dirty="0">
                 <a:solidFill>
                   <a:schemeClr val="accent2">
                     <a:lumMod val="75000"/>
@@ -23545,7 +22382,7 @@
               <a:t>(</a:t>
             </a:r>
             <a:r>
-              <a:rPr lang="de-DE" i="1" dirty="0" err="1" smtClean="0">
+              <a:rPr lang="de-DE" i="1" dirty="0" err="1">
                 <a:solidFill>
                   <a:schemeClr val="accent2">
                     <a:lumMod val="75000"/>
@@ -23584,7 +22421,7 @@
           <a:p>
             <a:fld id="{3B41BE4B-80DE-4C35-9D51-52DD4B79173A}" type="datetime1">
               <a:rPr lang="de-DE" smtClean="0"/>
-              <a:t>20.03.2019</a:t>
+              <a:t>12.03.2020</a:t>
             </a:fld>
             <a:endParaRPr lang="de-DE"/>
           </a:p>
@@ -23606,7 +22443,7 @@
           <a:lstStyle/>
           <a:p>
             <a:r>
-              <a:rPr lang="de-DE" smtClean="0"/>
+              <a:rPr lang="de-DE"/>
               <a:t>Python Einführung</a:t>
             </a:r>
             <a:endParaRPr lang="de-DE" dirty="0"/>
@@ -23682,21 +22519,6 @@
   <p:clrMapOvr>
     <a:masterClrMapping/>
   </p:clrMapOvr>
-  <mc:AlternateContent xmlns:mc="http://schemas.openxmlformats.org/markup-compatibility/2006" xmlns:p14="http://schemas.microsoft.com/office/powerpoint/2010/main">
-    <mc:Choice Requires="p14">
-      <p:transition p14:dur="0"/>
-    </mc:Choice>
-    <mc:Fallback xmlns="">
-      <p:transition/>
-    </mc:Fallback>
-  </mc:AlternateContent>
-  <p:timing>
-    <p:tnLst>
-      <p:par>
-        <p:cTn id="1" dur="indefinite" restart="never" nodeType="tmRoot"/>
-      </p:par>
-    </p:tnLst>
-  </p:timing>
 </p:sld>
 </file>
 
@@ -23735,18 +22557,14 @@
           <a:lstStyle/>
           <a:p>
             <a:r>
-              <a:rPr lang="de-DE" dirty="0" smtClean="0"/>
+              <a:rPr lang="de-DE" dirty="0"/>
               <a:t>Programmiersprachen</a:t>
             </a:r>
-            <a:r>
-              <a:rPr lang="de-DE" dirty="0"/>
-              <a:t/>
-            </a:r>
             <a:br>
               <a:rPr lang="de-DE" dirty="0"/>
             </a:br>
             <a:r>
-              <a:rPr lang="de-DE" dirty="0" smtClean="0"/>
+              <a:rPr lang="de-DE" dirty="0"/>
               <a:t>C</a:t>
             </a:r>
             <a:endParaRPr lang="de-DE" sz="3200" dirty="0">
@@ -23780,13 +22598,13 @@
           <a:lstStyle/>
           <a:p>
             <a:r>
-              <a:rPr lang="de-DE" dirty="0" smtClean="0"/>
+              <a:rPr lang="de-DE" dirty="0"/>
               <a:t>Programmiersprache von 1972</a:t>
             </a:r>
           </a:p>
           <a:p>
             <a:r>
-              <a:rPr lang="de-DE" dirty="0" smtClean="0"/>
+              <a:rPr lang="de-DE" dirty="0"/>
               <a:t>Gliederung in Funktionen, Variablen, …</a:t>
             </a:r>
           </a:p>
@@ -23809,7 +22627,7 @@
           <a:p>
             <a:fld id="{A6B8CC01-C994-4F6F-A4B1-704737F690FD}" type="datetime1">
               <a:rPr lang="de-DE" smtClean="0"/>
-              <a:t>20.03.2019</a:t>
+              <a:t>12.03.2020</a:t>
             </a:fld>
             <a:endParaRPr lang="de-DE"/>
           </a:p>
@@ -23831,10 +22649,9 @@
           <a:lstStyle/>
           <a:p>
             <a:r>
-              <a:rPr lang="de-DE" smtClean="0"/>
+              <a:rPr lang="de-DE"/>
               <a:t>Python Einführung</a:t>
             </a:r>
-            <a:endParaRPr lang="de-DE"/>
           </a:p>
         </p:txBody>
       </p:sp>
@@ -24099,21 +22916,6 @@
   <p:clrMapOvr>
     <a:masterClrMapping/>
   </p:clrMapOvr>
-  <mc:AlternateContent xmlns:mc="http://schemas.openxmlformats.org/markup-compatibility/2006" xmlns:p14="http://schemas.microsoft.com/office/powerpoint/2010/main">
-    <mc:Choice Requires="p14">
-      <p:transition p14:dur="0"/>
-    </mc:Choice>
-    <mc:Fallback xmlns="">
-      <p:transition/>
-    </mc:Fallback>
-  </mc:AlternateContent>
-  <p:timing>
-    <p:tnLst>
-      <p:par>
-        <p:cTn id="1" dur="indefinite" restart="never" nodeType="tmRoot"/>
-      </p:par>
-    </p:tnLst>
-  </p:timing>
 </p:sld>
 </file>
 
@@ -24157,18 +22959,14 @@
           <a:lstStyle/>
           <a:p>
             <a:r>
-              <a:rPr lang="de-DE" dirty="0" smtClean="0"/>
+              <a:rPr lang="de-DE" dirty="0"/>
               <a:t>Python Grundlagen</a:t>
             </a:r>
-            <a:r>
-              <a:rPr lang="de-DE" dirty="0"/>
-              <a:t/>
-            </a:r>
             <a:br>
               <a:rPr lang="de-DE" dirty="0"/>
             </a:br>
             <a:r>
-              <a:rPr lang="de-DE" dirty="0" smtClean="0"/>
+              <a:rPr lang="de-DE" dirty="0"/>
               <a:t>Ein- und Ausgabe</a:t>
             </a:r>
             <a:endParaRPr lang="de-DE" sz="2800" b="1" dirty="0">
@@ -24211,7 +23009,7 @@
           <a:lstStyle/>
           <a:p>
             <a:r>
-              <a:rPr lang="de-DE" dirty="0" smtClean="0"/>
+              <a:rPr lang="de-DE" dirty="0"/>
               <a:t>Dateien</a:t>
             </a:r>
           </a:p>
@@ -24503,7 +23301,7 @@
           <a:p>
             <a:fld id="{B5B31E73-7F2F-4C80-B0B3-B7B75D1A2D3F}" type="datetime1">
               <a:rPr lang="de-DE" smtClean="0"/>
-              <a:t>20.03.2019</a:t>
+              <a:t>12.03.2020</a:t>
             </a:fld>
             <a:endParaRPr lang="de-DE"/>
           </a:p>
@@ -24525,7 +23323,7 @@
           <a:lstStyle/>
           <a:p>
             <a:r>
-              <a:rPr lang="de-DE" smtClean="0"/>
+              <a:rPr lang="de-DE"/>
               <a:t>Python Einführung</a:t>
             </a:r>
             <a:endParaRPr lang="de-DE" dirty="0"/>
@@ -24601,21 +23399,6 @@
   <p:clrMapOvr>
     <a:masterClrMapping/>
   </p:clrMapOvr>
-  <mc:AlternateContent xmlns:mc="http://schemas.openxmlformats.org/markup-compatibility/2006" xmlns:p14="http://schemas.microsoft.com/office/powerpoint/2010/main">
-    <mc:Choice Requires="p14">
-      <p:transition p14:dur="0"/>
-    </mc:Choice>
-    <mc:Fallback xmlns="">
-      <p:transition/>
-    </mc:Fallback>
-  </mc:AlternateContent>
-  <p:timing>
-    <p:tnLst>
-      <p:par>
-        <p:cTn id="1" dur="indefinite" restart="never" nodeType="tmRoot"/>
-      </p:par>
-    </p:tnLst>
-  </p:timing>
 </p:sld>
 </file>
 
@@ -24654,18 +23437,14 @@
           <a:lstStyle/>
           <a:p>
             <a:r>
-              <a:rPr lang="de-DE" dirty="0" smtClean="0"/>
+              <a:rPr lang="de-DE" dirty="0"/>
               <a:t>Python Grundlagen</a:t>
             </a:r>
-            <a:r>
-              <a:rPr lang="de-DE" dirty="0"/>
-              <a:t/>
-            </a:r>
             <a:br>
               <a:rPr lang="de-DE" dirty="0"/>
             </a:br>
             <a:r>
-              <a:rPr lang="de-DE" dirty="0" smtClean="0"/>
+              <a:rPr lang="de-DE" dirty="0"/>
               <a:t>Ein- und Ausgabe</a:t>
             </a:r>
             <a:endParaRPr lang="de-DE" sz="2800" b="1" dirty="0">
@@ -24702,7 +23481,7 @@
           <a:p>
             <a:fld id="{BC49A95B-55CA-44C6-BB71-C8E504F09771}" type="datetime1">
               <a:rPr lang="de-DE" smtClean="0"/>
-              <a:t>20.03.2019</a:t>
+              <a:t>12.03.2020</a:t>
             </a:fld>
             <a:endParaRPr lang="de-DE"/>
           </a:p>
@@ -24724,7 +23503,7 @@
           <a:lstStyle/>
           <a:p>
             <a:r>
-              <a:rPr lang="de-DE" smtClean="0"/>
+              <a:rPr lang="de-DE"/>
               <a:t>Python Einführung</a:t>
             </a:r>
             <a:endParaRPr lang="de-DE" dirty="0"/>
@@ -24944,10 +23723,9 @@
           </a:p>
           <a:p>
             <a:r>
-              <a:rPr lang="de-DE" dirty="0" smtClean="0"/>
+              <a:rPr lang="de-DE" dirty="0"/>
               <a:t>Beispiel: </a:t>
             </a:r>
-            <a:endParaRPr lang="de-DE" dirty="0"/>
           </a:p>
           <a:p>
             <a:pPr lvl="1"/>
@@ -25018,7 +23796,7 @@
               <a:t>dritte Potenz: </a:t>
             </a:r>
             <a:r>
-              <a:rPr lang="de-DE" i="1" dirty="0" smtClean="0">
+              <a:rPr lang="de-DE" i="1" dirty="0">
                 <a:solidFill>
                   <a:schemeClr val="accent2">
                     <a:lumMod val="75000"/>
@@ -25027,13 +23805,6 @@
               </a:rPr>
               <a:t>27,64,125</a:t>
             </a:r>
-            <a:endParaRPr lang="de-DE" i="1" dirty="0">
-              <a:solidFill>
-                <a:schemeClr val="accent2">
-                  <a:lumMod val="75000"/>
-                </a:schemeClr>
-              </a:solidFill>
-            </a:endParaRPr>
           </a:p>
         </p:txBody>
       </p:sp>
@@ -25047,21 +23818,6 @@
   <p:clrMapOvr>
     <a:masterClrMapping/>
   </p:clrMapOvr>
-  <mc:AlternateContent xmlns:mc="http://schemas.openxmlformats.org/markup-compatibility/2006" xmlns:p14="http://schemas.microsoft.com/office/powerpoint/2010/main">
-    <mc:Choice Requires="p14">
-      <p:transition p14:dur="0"/>
-    </mc:Choice>
-    <mc:Fallback xmlns="">
-      <p:transition/>
-    </mc:Fallback>
-  </mc:AlternateContent>
-  <p:timing>
-    <p:tnLst>
-      <p:par>
-        <p:cTn id="1" dur="indefinite" restart="never" nodeType="tmRoot"/>
-      </p:par>
-    </p:tnLst>
-  </p:timing>
 </p:sld>
 </file>
 
@@ -25105,18 +23861,14 @@
           <a:lstStyle/>
           <a:p>
             <a:r>
-              <a:rPr lang="de-DE" dirty="0" smtClean="0"/>
+              <a:rPr lang="de-DE" dirty="0"/>
               <a:t>Erweitertes Python</a:t>
             </a:r>
-            <a:r>
-              <a:rPr lang="de-DE" dirty="0"/>
-              <a:t/>
-            </a:r>
             <a:br>
               <a:rPr lang="de-DE" dirty="0"/>
             </a:br>
             <a:r>
-              <a:rPr lang="de-DE" dirty="0" smtClean="0"/>
+              <a:rPr lang="de-DE" dirty="0"/>
               <a:t>Tupel</a:t>
             </a:r>
             <a:endParaRPr lang="de-DE" sz="2800" b="1" dirty="0">
@@ -25159,13 +23911,13 @@
           <a:lstStyle/>
           <a:p>
             <a:r>
-              <a:rPr lang="de-DE" dirty="0" smtClean="0"/>
+              <a:rPr lang="de-DE" dirty="0"/>
               <a:t>Mehrere Werten, die zusammen gehören</a:t>
             </a:r>
           </a:p>
           <a:p>
             <a:r>
-              <a:rPr lang="de-DE" dirty="0" smtClean="0"/>
+              <a:rPr lang="de-DE" dirty="0"/>
               <a:t>Einpacken: </a:t>
             </a:r>
             <a:r>
@@ -25179,11 +23931,11 @@
               <a:t>tupel</a:t>
             </a:r>
             <a:r>
-              <a:rPr lang="de-DE" dirty="0" smtClean="0"/>
+              <a:rPr lang="de-DE" dirty="0"/>
               <a:t> = </a:t>
             </a:r>
             <a:r>
-              <a:rPr lang="de-DE" b="1" dirty="0" smtClean="0">
+              <a:rPr lang="de-DE" b="1" dirty="0">
                 <a:solidFill>
                   <a:schemeClr val="accent1">
                     <a:lumMod val="75000"/>
@@ -25193,7 +23945,7 @@
               <a:t>(</a:t>
             </a:r>
             <a:r>
-              <a:rPr lang="de-DE" i="1" dirty="0" smtClean="0">
+              <a:rPr lang="de-DE" i="1" dirty="0">
                 <a:solidFill>
                   <a:schemeClr val="accent2">
                     <a:lumMod val="75000"/>
@@ -25203,7 +23955,7 @@
               <a:t>wert1</a:t>
             </a:r>
             <a:r>
-              <a:rPr lang="de-DE" b="1" dirty="0" smtClean="0">
+              <a:rPr lang="de-DE" b="1" dirty="0">
                 <a:solidFill>
                   <a:schemeClr val="accent1">
                     <a:lumMod val="75000"/>
@@ -25213,7 +23965,7 @@
               <a:t>,</a:t>
             </a:r>
             <a:r>
-              <a:rPr lang="de-DE" i="1" dirty="0" smtClean="0">
+              <a:rPr lang="de-DE" i="1" dirty="0">
                 <a:solidFill>
                   <a:schemeClr val="accent2">
                     <a:lumMod val="75000"/>
@@ -25223,7 +23975,7 @@
               <a:t> wert2</a:t>
             </a:r>
             <a:r>
-              <a:rPr lang="de-DE" b="1" dirty="0" smtClean="0">
+              <a:rPr lang="de-DE" b="1" dirty="0">
                 <a:solidFill>
                   <a:schemeClr val="accent1">
                     <a:lumMod val="75000"/>
@@ -25236,15 +23988,14 @@
               <a:rPr lang="de-DE" dirty="0"/>
               <a:t> </a:t>
             </a:r>
-            <a:endParaRPr lang="de-DE" dirty="0" smtClean="0"/>
-          </a:p>
-          <a:p>
-            <a:r>
-              <a:rPr lang="de-DE" dirty="0" smtClean="0"/>
+          </a:p>
+          <a:p>
+            <a:r>
+              <a:rPr lang="de-DE" dirty="0"/>
               <a:t>Auspacken: </a:t>
             </a:r>
             <a:r>
-              <a:rPr lang="de-DE" i="1" dirty="0" smtClean="0">
+              <a:rPr lang="de-DE" i="1" dirty="0">
                 <a:solidFill>
                   <a:schemeClr val="accent2">
                     <a:lumMod val="75000"/>
@@ -25271,25 +24022,11 @@
                   </a:schemeClr>
                 </a:solidFill>
               </a:rPr>
-              <a:t> </a:t>
-            </a:r>
-            <a:r>
-              <a:rPr lang="de-DE" i="1" dirty="0" smtClean="0">
-                <a:solidFill>
-                  <a:schemeClr val="accent2">
-                    <a:lumMod val="75000"/>
-                  </a:schemeClr>
-                </a:solidFill>
-              </a:rPr>
-              <a:t>wert2</a:t>
-            </a:r>
-            <a:r>
-              <a:rPr lang="de-DE" dirty="0" smtClean="0"/>
-              <a:t> </a:t>
-            </a:r>
-            <a:r>
-              <a:rPr lang="de-DE" dirty="0"/>
-              <a:t>= </a:t>
+              <a:t> wert2</a:t>
+            </a:r>
+            <a:r>
+              <a:rPr lang="de-DE" dirty="0"/>
+              <a:t> = </a:t>
             </a:r>
             <a:r>
               <a:rPr lang="de-DE" i="1" dirty="0" err="1">
@@ -25328,7 +24065,7 @@
           <a:p>
             <a:fld id="{F7E50691-51A9-4140-A0EE-65B13D20BDB0}" type="datetime1">
               <a:rPr lang="de-DE" smtClean="0"/>
-              <a:t>20.03.2019</a:t>
+              <a:t>12.03.2020</a:t>
             </a:fld>
             <a:endParaRPr lang="de-DE"/>
           </a:p>
@@ -25350,7 +24087,7 @@
           <a:lstStyle/>
           <a:p>
             <a:r>
-              <a:rPr lang="de-DE" smtClean="0"/>
+              <a:rPr lang="de-DE"/>
               <a:t>Python Einführung</a:t>
             </a:r>
             <a:endParaRPr lang="de-DE" dirty="0"/>
@@ -25420,21 +24157,6 @@
   <p:clrMapOvr>
     <a:masterClrMapping/>
   </p:clrMapOvr>
-  <mc:AlternateContent xmlns:mc="http://schemas.openxmlformats.org/markup-compatibility/2006" xmlns:p14="http://schemas.microsoft.com/office/powerpoint/2010/main">
-    <mc:Choice Requires="p14">
-      <p:transition p14:dur="0"/>
-    </mc:Choice>
-    <mc:Fallback xmlns="">
-      <p:transition/>
-    </mc:Fallback>
-  </mc:AlternateContent>
-  <p:timing>
-    <p:tnLst>
-      <p:par>
-        <p:cTn id="1" dur="indefinite" restart="never" nodeType="tmRoot"/>
-      </p:par>
-    </p:tnLst>
-  </p:timing>
 </p:sld>
 </file>
 
@@ -25478,18 +24200,14 @@
           <a:lstStyle/>
           <a:p>
             <a:r>
-              <a:rPr lang="de-DE" dirty="0" smtClean="0"/>
+              <a:rPr lang="de-DE" dirty="0"/>
               <a:t>Erweitertes Python</a:t>
             </a:r>
-            <a:r>
-              <a:rPr lang="de-DE" dirty="0"/>
-              <a:t/>
-            </a:r>
             <a:br>
               <a:rPr lang="de-DE" dirty="0"/>
             </a:br>
             <a:r>
-              <a:rPr lang="de-DE" dirty="0" smtClean="0"/>
+              <a:rPr lang="de-DE" dirty="0"/>
               <a:t>Mengen</a:t>
             </a:r>
             <a:endParaRPr lang="de-DE" sz="2800" b="1" dirty="0">
@@ -25532,15 +24250,15 @@
           <a:lstStyle/>
           <a:p>
             <a:r>
-              <a:rPr lang="de-DE" dirty="0" smtClean="0"/>
+              <a:rPr lang="de-DE" dirty="0"/>
               <a:t>Mengen („</a:t>
             </a:r>
             <a:r>
-              <a:rPr lang="de-DE" dirty="0" err="1" smtClean="0"/>
+              <a:rPr lang="de-DE" dirty="0" err="1"/>
               <a:t>set</a:t>
             </a:r>
             <a:r>
-              <a:rPr lang="de-DE" dirty="0" smtClean="0"/>
+              <a:rPr lang="de-DE" dirty="0"/>
               <a:t>“) können wie in der Mengenlehre verwendet werden</a:t>
             </a:r>
           </a:p>
@@ -25563,7 +24281,7 @@
           <a:p>
             <a:fld id="{4F38BD0A-546F-41BC-82E8-2F02A3E91B8C}" type="datetime1">
               <a:rPr lang="de-DE" smtClean="0"/>
-              <a:t>20.03.2019</a:t>
+              <a:t>12.03.2020</a:t>
             </a:fld>
             <a:endParaRPr lang="de-DE"/>
           </a:p>
@@ -25585,7 +24303,7 @@
           <a:lstStyle/>
           <a:p>
             <a:r>
-              <a:rPr lang="de-DE" smtClean="0"/>
+              <a:rPr lang="de-DE"/>
               <a:t>Python Einführung</a:t>
             </a:r>
             <a:endParaRPr lang="de-DE" dirty="0"/>
@@ -25661,21 +24379,6 @@
   <p:clrMapOvr>
     <a:masterClrMapping/>
   </p:clrMapOvr>
-  <mc:AlternateContent xmlns:mc="http://schemas.openxmlformats.org/markup-compatibility/2006" xmlns:p14="http://schemas.microsoft.com/office/powerpoint/2010/main">
-    <mc:Choice Requires="p14">
-      <p:transition p14:dur="0"/>
-    </mc:Choice>
-    <mc:Fallback xmlns="">
-      <p:transition/>
-    </mc:Fallback>
-  </mc:AlternateContent>
-  <p:timing>
-    <p:tnLst>
-      <p:par>
-        <p:cTn id="1" dur="indefinite" restart="never" nodeType="tmRoot"/>
-      </p:par>
-    </p:tnLst>
-  </p:timing>
 </p:sld>
 </file>
 
@@ -25719,18 +24422,14 @@
           <a:lstStyle/>
           <a:p>
             <a:r>
-              <a:rPr lang="de-DE" dirty="0" smtClean="0"/>
+              <a:rPr lang="de-DE" dirty="0"/>
               <a:t>Erweitertes Python</a:t>
             </a:r>
-            <a:r>
-              <a:rPr lang="de-DE" dirty="0"/>
-              <a:t/>
-            </a:r>
             <a:br>
               <a:rPr lang="de-DE" dirty="0"/>
             </a:br>
             <a:r>
-              <a:rPr lang="de-DE" dirty="0" smtClean="0"/>
+              <a:rPr lang="de-DE" dirty="0"/>
               <a:t>Wörterbuch</a:t>
             </a:r>
             <a:endParaRPr lang="de-DE" sz="2800" b="1" dirty="0">
@@ -25773,32 +24472,28 @@
           <a:lstStyle/>
           <a:p>
             <a:r>
-              <a:rPr lang="de-DE" dirty="0" smtClean="0"/>
+              <a:rPr lang="de-DE" dirty="0"/>
               <a:t>Wörterbuch („</a:t>
             </a:r>
             <a:r>
-              <a:rPr lang="de-DE" dirty="0" err="1" smtClean="0"/>
+              <a:rPr lang="de-DE" dirty="0" err="1"/>
               <a:t>dictionary</a:t>
             </a:r>
             <a:r>
-              <a:rPr lang="de-DE" dirty="0" smtClean="0"/>
+              <a:rPr lang="de-DE" dirty="0"/>
               <a:t>“) </a:t>
             </a:r>
           </a:p>
           <a:p>
             <a:r>
-              <a:rPr lang="de-DE" dirty="0" smtClean="0"/>
+              <a:rPr lang="de-DE" dirty="0"/>
               <a:t>Name + Wert – Beziehung</a:t>
             </a:r>
           </a:p>
           <a:p>
             <a:r>
-              <a:rPr lang="de-DE" dirty="0" smtClean="0"/>
+              <a:rPr lang="de-DE" dirty="0"/>
               <a:t>Name vorn, Wert hinten</a:t>
-            </a:r>
-            <a:r>
-              <a:rPr lang="de-DE" dirty="0"/>
-              <a:t/>
             </a:r>
             <a:br>
               <a:rPr lang="de-DE" dirty="0"/>
@@ -25897,14 +24592,10 @@
           <a:p>
             <a:r>
               <a:rPr lang="de-DE" dirty="0"/>
-              <a:t>Zugriff über den </a:t>
-            </a:r>
-            <a:r>
-              <a:rPr lang="de-DE" dirty="0" smtClean="0"/>
-              <a:t>Namen in </a:t>
-            </a:r>
-            <a:r>
-              <a:rPr lang="de-DE" sz="3200" b="1" dirty="0" smtClean="0">
+              <a:t>Zugriff über den Namen in </a:t>
+            </a:r>
+            <a:r>
+              <a:rPr lang="de-DE" sz="3200" b="1" dirty="0">
                 <a:solidFill>
                   <a:schemeClr val="accent1">
                     <a:lumMod val="75000"/>
@@ -25913,22 +24604,11 @@
               </a:rPr>
               <a:t>[ ]</a:t>
             </a:r>
-            <a:endParaRPr lang="de-DE" sz="3200" b="1" dirty="0">
-              <a:solidFill>
-                <a:schemeClr val="accent1">
-                  <a:lumMod val="75000"/>
-                </a:schemeClr>
-              </a:solidFill>
-            </a:endParaRPr>
-          </a:p>
-          <a:p>
-            <a:r>
-              <a:rPr lang="de-DE" dirty="0" smtClean="0"/>
-              <a:t>Enthält-Funktion </a:t>
-            </a:r>
-            <a:r>
-              <a:rPr lang="de-DE" dirty="0"/>
-              <a:t>(</a:t>
+          </a:p>
+          <a:p>
+            <a:r>
+              <a:rPr lang="de-DE" dirty="0"/>
+              <a:t>Enthält-Funktion (</a:t>
             </a:r>
             <a:r>
               <a:rPr lang="de-DE" sz="3200" b="1" dirty="0">
@@ -25944,22 +24624,17 @@
               <a:rPr lang="de-DE" dirty="0"/>
               <a:t>) </a:t>
             </a:r>
-            <a:r>
-              <a:rPr lang="de-DE" dirty="0" smtClean="0"/>
-              <a:t/>
-            </a:r>
             <a:br>
-              <a:rPr lang="de-DE" dirty="0" smtClean="0"/>
+              <a:rPr lang="de-DE" dirty="0"/>
             </a:br>
             <a:r>
-              <a:rPr lang="de-DE" dirty="0" smtClean="0"/>
+              <a:rPr lang="de-DE" dirty="0"/>
               <a:t>gilt für den Namen</a:t>
             </a:r>
+          </a:p>
+          <a:p>
+            <a:pPr lvl="1"/>
             <a:endParaRPr lang="de-DE" dirty="0"/>
-          </a:p>
-          <a:p>
-            <a:pPr lvl="1"/>
-            <a:endParaRPr lang="de-DE" dirty="0" smtClean="0"/>
           </a:p>
         </p:txBody>
       </p:sp>
@@ -25980,7 +24655,7 @@
           <a:p>
             <a:fld id="{93BDE5D8-0EF8-43C8-A803-F2A4680D245A}" type="datetime1">
               <a:rPr lang="de-DE" smtClean="0"/>
-              <a:t>20.03.2019</a:t>
+              <a:t>12.03.2020</a:t>
             </a:fld>
             <a:endParaRPr lang="de-DE"/>
           </a:p>
@@ -26002,7 +24677,7 @@
           <a:lstStyle/>
           <a:p>
             <a:r>
-              <a:rPr lang="de-DE" smtClean="0"/>
+              <a:rPr lang="de-DE"/>
               <a:t>Python Einführung</a:t>
             </a:r>
             <a:endParaRPr lang="de-DE" dirty="0"/>
@@ -26078,21 +24753,6 @@
   <p:clrMapOvr>
     <a:masterClrMapping/>
   </p:clrMapOvr>
-  <mc:AlternateContent xmlns:mc="http://schemas.openxmlformats.org/markup-compatibility/2006" xmlns:p14="http://schemas.microsoft.com/office/powerpoint/2010/main">
-    <mc:Choice Requires="p14">
-      <p:transition p14:dur="0"/>
-    </mc:Choice>
-    <mc:Fallback xmlns="">
-      <p:transition/>
-    </mc:Fallback>
-  </mc:AlternateContent>
-  <p:timing>
-    <p:tnLst>
-      <p:par>
-        <p:cTn id="1" dur="indefinite" restart="never" nodeType="tmRoot"/>
-      </p:par>
-    </p:tnLst>
-  </p:timing>
 </p:sld>
 </file>
 
@@ -26136,18 +24796,14 @@
           <a:lstStyle/>
           <a:p>
             <a:r>
-              <a:rPr lang="de-DE" dirty="0" smtClean="0"/>
+              <a:rPr lang="de-DE" dirty="0"/>
               <a:t>Erweitertes Python</a:t>
             </a:r>
-            <a:r>
-              <a:rPr lang="de-DE" dirty="0"/>
-              <a:t/>
-            </a:r>
             <a:br>
               <a:rPr lang="de-DE" dirty="0"/>
             </a:br>
             <a:r>
-              <a:rPr lang="de-DE" dirty="0" smtClean="0"/>
+              <a:rPr lang="de-DE" dirty="0"/>
               <a:t>Wörterbuch</a:t>
             </a:r>
             <a:endParaRPr lang="de-DE" sz="2800" b="1" dirty="0">
@@ -26190,12 +24846,8 @@
           <a:lstStyle/>
           <a:p>
             <a:r>
-              <a:rPr lang="de-DE" dirty="0" smtClean="0"/>
+              <a:rPr lang="de-DE" dirty="0"/>
               <a:t>Schleifen mit Name und Wert:</a:t>
-            </a:r>
-            <a:r>
-              <a:rPr lang="de-DE" dirty="0"/>
-              <a:t/>
             </a:r>
             <a:br>
               <a:rPr lang="de-DE" dirty="0"/>
@@ -26303,7 +24955,7 @@
           </a:p>
           <a:p>
             <a:pPr lvl="1"/>
-            <a:endParaRPr lang="de-DE" dirty="0" smtClean="0"/>
+            <a:endParaRPr lang="de-DE" dirty="0"/>
           </a:p>
         </p:txBody>
       </p:sp>
@@ -26324,7 +24976,7 @@
           <a:p>
             <a:fld id="{8D8B82FA-64B0-40BF-B50C-04C47CA9AC1D}" type="datetime1">
               <a:rPr lang="de-DE" smtClean="0"/>
-              <a:t>20.03.2019</a:t>
+              <a:t>12.03.2020</a:t>
             </a:fld>
             <a:endParaRPr lang="de-DE"/>
           </a:p>
@@ -26346,7 +24998,7 @@
           <a:lstStyle/>
           <a:p>
             <a:r>
-              <a:rPr lang="de-DE" smtClean="0"/>
+              <a:rPr lang="de-DE"/>
               <a:t>Python Einführung</a:t>
             </a:r>
             <a:endParaRPr lang="de-DE" dirty="0"/>
@@ -26422,21 +25074,6 @@
   <p:clrMapOvr>
     <a:masterClrMapping/>
   </p:clrMapOvr>
-  <mc:AlternateContent xmlns:mc="http://schemas.openxmlformats.org/markup-compatibility/2006" xmlns:p14="http://schemas.microsoft.com/office/powerpoint/2010/main">
-    <mc:Choice Requires="p14">
-      <p:transition p14:dur="0"/>
-    </mc:Choice>
-    <mc:Fallback xmlns="">
-      <p:transition/>
-    </mc:Fallback>
-  </mc:AlternateContent>
-  <p:timing>
-    <p:tnLst>
-      <p:par>
-        <p:cTn id="1" dur="indefinite" restart="never" nodeType="tmRoot"/>
-      </p:par>
-    </p:tnLst>
-  </p:timing>
 </p:sld>
 </file>
 
@@ -26480,18 +25117,14 @@
           <a:lstStyle/>
           <a:p>
             <a:r>
-              <a:rPr lang="de-DE" dirty="0" smtClean="0"/>
+              <a:rPr lang="de-DE" dirty="0"/>
               <a:t>Erweitertes Python</a:t>
             </a:r>
-            <a:r>
-              <a:rPr lang="de-DE" dirty="0"/>
-              <a:t/>
-            </a:r>
             <a:br>
               <a:rPr lang="de-DE" dirty="0"/>
             </a:br>
             <a:r>
-              <a:rPr lang="de-DE" dirty="0" smtClean="0"/>
+              <a:rPr lang="de-DE" dirty="0"/>
               <a:t>Bibliotheken</a:t>
             </a:r>
             <a:endParaRPr lang="de-DE" sz="2800" b="1" dirty="0">
@@ -26534,12 +25167,8 @@
           <a:lstStyle/>
           <a:p>
             <a:r>
-              <a:rPr lang="de-DE" dirty="0" smtClean="0"/>
-              <a:t>Bibliothek </a:t>
-            </a:r>
-            <a:r>
-              <a:rPr lang="de-DE" dirty="0"/>
-              <a:t>einbinden: </a:t>
+              <a:rPr lang="de-DE" dirty="0"/>
+              <a:t>Bibliothek einbinden: </a:t>
             </a:r>
             <a:r>
               <a:rPr lang="de-DE" b="1" dirty="0" err="1">
@@ -26639,7 +25268,7 @@
           </a:p>
           <a:p>
             <a:pPr lvl="1"/>
-            <a:endParaRPr lang="de-DE" dirty="0" smtClean="0"/>
+            <a:endParaRPr lang="de-DE" dirty="0"/>
           </a:p>
         </p:txBody>
       </p:sp>
@@ -26660,7 +25289,7 @@
           <a:p>
             <a:fld id="{FE3EABC3-5E07-44ED-B9F0-0D657265B4EC}" type="datetime1">
               <a:rPr lang="de-DE" smtClean="0"/>
-              <a:t>20.03.2019</a:t>
+              <a:t>12.03.2020</a:t>
             </a:fld>
             <a:endParaRPr lang="de-DE"/>
           </a:p>
@@ -26682,7 +25311,7 @@
           <a:lstStyle/>
           <a:p>
             <a:r>
-              <a:rPr lang="de-DE" smtClean="0"/>
+              <a:rPr lang="de-DE"/>
               <a:t>Python Einführung</a:t>
             </a:r>
             <a:endParaRPr lang="de-DE" dirty="0"/>
@@ -26758,21 +25387,6 @@
   <p:clrMapOvr>
     <a:masterClrMapping/>
   </p:clrMapOvr>
-  <mc:AlternateContent xmlns:mc="http://schemas.openxmlformats.org/markup-compatibility/2006" xmlns:p14="http://schemas.microsoft.com/office/powerpoint/2010/main">
-    <mc:Choice Requires="p14">
-      <p:transition p14:dur="0"/>
-    </mc:Choice>
-    <mc:Fallback xmlns="">
-      <p:transition/>
-    </mc:Fallback>
-  </mc:AlternateContent>
-  <p:timing>
-    <p:tnLst>
-      <p:par>
-        <p:cTn id="1" dur="indefinite" restart="never" nodeType="tmRoot"/>
-      </p:par>
-    </p:tnLst>
-  </p:timing>
 </p:sld>
 </file>
 
@@ -26816,11 +25430,11 @@
           <a:lstStyle/>
           <a:p>
             <a:r>
-              <a:rPr lang="de-DE" dirty="0" smtClean="0"/>
+              <a:rPr lang="de-DE" dirty="0"/>
               <a:t>Ausblick</a:t>
             </a:r>
             <a:br>
-              <a:rPr lang="de-DE" dirty="0" smtClean="0"/>
+              <a:rPr lang="de-DE" dirty="0"/>
             </a:br>
             <a:endParaRPr lang="de-DE" sz="2800" b="1" dirty="0">
               <a:solidFill>
@@ -26862,33 +25476,33 @@
           <a:lstStyle/>
           <a:p>
             <a:r>
-              <a:rPr lang="de-DE" dirty="0" smtClean="0"/>
+              <a:rPr lang="de-DE" dirty="0"/>
               <a:t>Klassen und Objekte</a:t>
             </a:r>
           </a:p>
           <a:p>
             <a:r>
-              <a:rPr lang="de-DE" dirty="0" smtClean="0"/>
+              <a:rPr lang="de-DE" dirty="0"/>
               <a:t>Ausnahmen („</a:t>
             </a:r>
             <a:r>
-              <a:rPr lang="de-DE" dirty="0" err="1" smtClean="0"/>
+              <a:rPr lang="de-DE" dirty="0" err="1"/>
               <a:t>exceptions</a:t>
             </a:r>
             <a:r>
-              <a:rPr lang="de-DE" dirty="0" smtClean="0"/>
+              <a:rPr lang="de-DE" dirty="0"/>
               <a:t>“)</a:t>
             </a:r>
           </a:p>
           <a:p>
             <a:r>
-              <a:rPr lang="de-DE" dirty="0" smtClean="0"/>
+              <a:rPr lang="de-DE" dirty="0"/>
               <a:t>Standardbibliothek</a:t>
             </a:r>
           </a:p>
           <a:p>
             <a:r>
-              <a:rPr lang="de-DE" dirty="0" smtClean="0"/>
+              <a:rPr lang="de-DE" dirty="0"/>
               <a:t>…</a:t>
             </a:r>
           </a:p>
@@ -26911,7 +25525,7 @@
           <a:p>
             <a:fld id="{EB4AC1AA-53E0-448A-B2F2-C4EF9442D4CA}" type="datetime1">
               <a:rPr lang="de-DE" smtClean="0"/>
-              <a:t>20.03.2019</a:t>
+              <a:t>12.03.2020</a:t>
             </a:fld>
             <a:endParaRPr lang="de-DE"/>
           </a:p>
@@ -26933,7 +25547,7 @@
           <a:lstStyle/>
           <a:p>
             <a:r>
-              <a:rPr lang="de-DE" smtClean="0"/>
+              <a:rPr lang="de-DE"/>
               <a:t>Python Einführung</a:t>
             </a:r>
             <a:endParaRPr lang="de-DE" dirty="0"/>
@@ -26973,21 +25587,6 @@
   <p:clrMapOvr>
     <a:masterClrMapping/>
   </p:clrMapOvr>
-  <mc:AlternateContent xmlns:mc="http://schemas.openxmlformats.org/markup-compatibility/2006" xmlns:p14="http://schemas.microsoft.com/office/powerpoint/2010/main">
-    <mc:Choice Requires="p14">
-      <p:transition p14:dur="0"/>
-    </mc:Choice>
-    <mc:Fallback xmlns="">
-      <p:transition/>
-    </mc:Fallback>
-  </mc:AlternateContent>
-  <p:timing>
-    <p:tnLst>
-      <p:par>
-        <p:cTn id="1" dur="indefinite" restart="never" nodeType="tmRoot"/>
-      </p:par>
-    </p:tnLst>
-  </p:timing>
 </p:sld>
 </file>
 
@@ -27024,10 +25623,9 @@
           <a:lstStyle/>
           <a:p>
             <a:r>
-              <a:rPr lang="de-DE" dirty="0" smtClean="0"/>
+              <a:rPr lang="de-DE" dirty="0"/>
               <a:t>Zusammenfassung</a:t>
             </a:r>
-            <a:endParaRPr lang="de-DE" dirty="0"/>
           </a:p>
         </p:txBody>
       </p:sp>
@@ -27308,7 +25906,7 @@
               <a:t>Listen / Tupel / </a:t>
             </a:r>
             <a:r>
-              <a:rPr lang="de-DE" dirty="0" err="1" smtClean="0"/>
+              <a:rPr lang="de-DE" dirty="0" err="1"/>
               <a:t>Dictionaries</a:t>
             </a:r>
             <a:r>
@@ -27423,14 +26021,10 @@
             </a:r>
             <a:r>
               <a:rPr lang="de-DE" dirty="0"/>
-              <a:t> </a:t>
-            </a:r>
-            <a:r>
-              <a:rPr lang="de-DE" dirty="0" smtClean="0"/>
-              <a:t>…</a:t>
-            </a:r>
-            <a:r>
-              <a:rPr lang="de-DE" sz="2600" b="1" dirty="0" smtClean="0">
+              <a:t> …</a:t>
+            </a:r>
+            <a:r>
+              <a:rPr lang="de-DE" sz="2600" b="1" dirty="0">
                 <a:solidFill>
                   <a:schemeClr val="accent1">
                     <a:lumMod val="75000"/>
@@ -27439,13 +26033,6 @@
               </a:rPr>
               <a:t>}</a:t>
             </a:r>
-            <a:endParaRPr lang="de-DE" sz="2600" b="1" dirty="0">
-              <a:solidFill>
-                <a:schemeClr val="accent1">
-                  <a:lumMod val="75000"/>
-                </a:schemeClr>
-              </a:solidFill>
-            </a:endParaRPr>
           </a:p>
         </p:txBody>
       </p:sp>
@@ -27466,7 +26053,7 @@
           <a:p>
             <a:fld id="{52E05894-614A-4FA2-8964-A13B04AD0751}" type="datetime1">
               <a:rPr lang="de-DE" smtClean="0"/>
-              <a:t>20.03.2019</a:t>
+              <a:t>12.03.2020</a:t>
             </a:fld>
             <a:endParaRPr lang="de-DE"/>
           </a:p>
@@ -27488,10 +26075,9 @@
           <a:lstStyle/>
           <a:p>
             <a:r>
-              <a:rPr lang="de-DE" smtClean="0"/>
+              <a:rPr lang="de-DE"/>
               <a:t>Python Einführung</a:t>
             </a:r>
-            <a:endParaRPr lang="de-DE"/>
           </a:p>
         </p:txBody>
       </p:sp>
@@ -27528,21 +26114,6 @@
   <p:clrMapOvr>
     <a:masterClrMapping/>
   </p:clrMapOvr>
-  <mc:AlternateContent xmlns:mc="http://schemas.openxmlformats.org/markup-compatibility/2006" xmlns:p14="http://schemas.microsoft.com/office/powerpoint/2010/main">
-    <mc:Choice Requires="p14">
-      <p:transition p14:dur="0"/>
-    </mc:Choice>
-    <mc:Fallback xmlns="">
-      <p:transition/>
-    </mc:Fallback>
-  </mc:AlternateContent>
-  <p:timing>
-    <p:tnLst>
-      <p:par>
-        <p:cTn id="1" dur="indefinite" restart="never" nodeType="tmRoot"/>
-      </p:par>
-    </p:tnLst>
-  </p:timing>
 </p:sld>
 </file>
 
@@ -27579,10 +26150,9 @@
           <a:lstStyle/>
           <a:p>
             <a:r>
-              <a:rPr lang="de-DE" dirty="0" smtClean="0"/>
+              <a:rPr lang="de-DE" dirty="0"/>
               <a:t>Fragen</a:t>
             </a:r>
-            <a:endParaRPr lang="de-DE" dirty="0"/>
           </a:p>
         </p:txBody>
       </p:sp>
@@ -27627,7 +26197,7 @@
           <a:p>
             <a:fld id="{ED3B93CF-AB26-4C9F-AAA0-3F7550F03D02}" type="datetime1">
               <a:rPr lang="de-DE" smtClean="0"/>
-              <a:t>20.03.2019</a:t>
+              <a:t>12.03.2020</a:t>
             </a:fld>
             <a:endParaRPr lang="de-DE"/>
           </a:p>
@@ -27649,10 +26219,9 @@
           <a:lstStyle/>
           <a:p>
             <a:r>
-              <a:rPr lang="de-DE" smtClean="0"/>
+              <a:rPr lang="de-DE"/>
               <a:t>Python Einführung</a:t>
             </a:r>
-            <a:endParaRPr lang="de-DE"/>
           </a:p>
         </p:txBody>
       </p:sp>
@@ -27689,21 +26258,6 @@
   <p:clrMapOvr>
     <a:masterClrMapping/>
   </p:clrMapOvr>
-  <mc:AlternateContent xmlns:mc="http://schemas.openxmlformats.org/markup-compatibility/2006" xmlns:p14="http://schemas.microsoft.com/office/powerpoint/2010/main">
-    <mc:Choice Requires="p14">
-      <p:transition p14:dur="0"/>
-    </mc:Choice>
-    <mc:Fallback xmlns="">
-      <p:transition/>
-    </mc:Fallback>
-  </mc:AlternateContent>
-  <p:timing>
-    <p:tnLst>
-      <p:par>
-        <p:cTn id="1" dur="indefinite" restart="never" nodeType="tmRoot"/>
-      </p:par>
-    </p:tnLst>
-  </p:timing>
 </p:sld>
 </file>
 
@@ -27742,18 +26296,14 @@
           <a:lstStyle/>
           <a:p>
             <a:r>
-              <a:rPr lang="de-DE" dirty="0" smtClean="0"/>
+              <a:rPr lang="de-DE" dirty="0"/>
               <a:t>Programmiersprachen</a:t>
             </a:r>
-            <a:r>
-              <a:rPr lang="de-DE" dirty="0"/>
-              <a:t/>
-            </a:r>
             <a:br>
               <a:rPr lang="de-DE" dirty="0"/>
             </a:br>
             <a:r>
-              <a:rPr lang="de-DE" dirty="0" smtClean="0"/>
+              <a:rPr lang="de-DE" dirty="0"/>
               <a:t>Python</a:t>
             </a:r>
             <a:endParaRPr lang="de-DE" sz="2800" b="1" dirty="0">
@@ -27796,93 +26346,93 @@
           <a:lstStyle/>
           <a:p>
             <a:r>
-              <a:rPr lang="de-DE" dirty="0" smtClean="0"/>
+              <a:rPr lang="de-DE" dirty="0"/>
               <a:t>Hochsprache</a:t>
             </a:r>
           </a:p>
           <a:p>
             <a:pPr lvl="1"/>
             <a:r>
-              <a:rPr lang="de-DE" dirty="0" smtClean="0"/>
+              <a:rPr lang="de-DE" dirty="0"/>
               <a:t>leicht(er) verständlich</a:t>
             </a:r>
           </a:p>
           <a:p>
             <a:pPr lvl="1"/>
             <a:r>
-              <a:rPr lang="de-DE" dirty="0" smtClean="0"/>
+              <a:rPr lang="de-DE" dirty="0"/>
               <a:t>nicht so nah am Prozessor orientiert</a:t>
             </a:r>
           </a:p>
           <a:p>
             <a:r>
-              <a:rPr lang="de-DE" dirty="0" smtClean="0"/>
+              <a:rPr lang="de-DE" dirty="0"/>
               <a:t>Kostenlos verfügbar</a:t>
             </a:r>
           </a:p>
           <a:p>
             <a:pPr lvl="1"/>
             <a:r>
-              <a:rPr lang="de-DE" dirty="0" smtClean="0"/>
+              <a:rPr lang="de-DE" dirty="0"/>
               <a:t>für den Raspberry PI</a:t>
             </a:r>
           </a:p>
           <a:p>
             <a:pPr lvl="1"/>
             <a:r>
-              <a:rPr lang="de-DE" dirty="0" smtClean="0"/>
+              <a:rPr lang="de-DE" dirty="0"/>
               <a:t>für den PC</a:t>
             </a:r>
           </a:p>
           <a:p>
             <a:pPr lvl="1"/>
             <a:r>
-              <a:rPr lang="de-DE" dirty="0" smtClean="0"/>
+              <a:rPr lang="de-DE" dirty="0"/>
               <a:t>online</a:t>
             </a:r>
           </a:p>
           <a:p>
             <a:r>
-              <a:rPr lang="de-DE" dirty="0" smtClean="0"/>
+              <a:rPr lang="de-DE" dirty="0"/>
               <a:t>Universalsprache („</a:t>
             </a:r>
             <a:r>
-              <a:rPr lang="de-DE" dirty="0" err="1" smtClean="0"/>
+              <a:rPr lang="de-DE" dirty="0" err="1"/>
               <a:t>general</a:t>
             </a:r>
             <a:r>
-              <a:rPr lang="de-DE" dirty="0" smtClean="0"/>
+              <a:rPr lang="de-DE" dirty="0"/>
               <a:t> </a:t>
             </a:r>
             <a:r>
-              <a:rPr lang="de-DE" dirty="0" err="1" smtClean="0"/>
+              <a:rPr lang="de-DE" dirty="0" err="1"/>
               <a:t>purpose</a:t>
             </a:r>
             <a:r>
-              <a:rPr lang="de-DE" dirty="0" smtClean="0"/>
+              <a:rPr lang="de-DE" dirty="0"/>
               <a:t> </a:t>
             </a:r>
             <a:r>
-              <a:rPr lang="de-DE" dirty="0" err="1" smtClean="0"/>
+              <a:rPr lang="de-DE" dirty="0" err="1"/>
               <a:t>programming</a:t>
             </a:r>
             <a:r>
-              <a:rPr lang="de-DE" dirty="0" smtClean="0"/>
+              <a:rPr lang="de-DE" dirty="0"/>
               <a:t> </a:t>
             </a:r>
             <a:r>
-              <a:rPr lang="de-DE" dirty="0" err="1" smtClean="0"/>
+              <a:rPr lang="de-DE" dirty="0" err="1"/>
               <a:t>language</a:t>
             </a:r>
             <a:r>
-              <a:rPr lang="de-DE" dirty="0" smtClean="0"/>
+              <a:rPr lang="de-DE" dirty="0"/>
               <a:t>“)</a:t>
             </a:r>
           </a:p>
           <a:p>
             <a:pPr lvl="1"/>
             <a:r>
-              <a:rPr lang="de-DE" dirty="0" smtClean="0"/>
+              <a:rPr lang="de-DE" dirty="0"/>
               <a:t>kann viele verschiedene Probleme lösen</a:t>
             </a:r>
           </a:p>
@@ -27905,7 +26455,7 @@
           <a:p>
             <a:fld id="{892083D9-D1FB-4795-8ED9-565B4526F86A}" type="datetime1">
               <a:rPr lang="de-DE" smtClean="0"/>
-              <a:t>20.03.2019</a:t>
+              <a:t>12.03.2020</a:t>
             </a:fld>
             <a:endParaRPr lang="de-DE"/>
           </a:p>
@@ -27927,10 +26477,9 @@
           <a:lstStyle/>
           <a:p>
             <a:r>
-              <a:rPr lang="de-DE" smtClean="0"/>
+              <a:rPr lang="de-DE"/>
               <a:t>Python Einführung</a:t>
             </a:r>
-            <a:endParaRPr lang="de-DE"/>
           </a:p>
         </p:txBody>
       </p:sp>
@@ -27967,21 +26516,6 @@
   <p:clrMapOvr>
     <a:masterClrMapping/>
   </p:clrMapOvr>
-  <mc:AlternateContent xmlns:mc="http://schemas.openxmlformats.org/markup-compatibility/2006" xmlns:p14="http://schemas.microsoft.com/office/powerpoint/2010/main">
-    <mc:Choice Requires="p14">
-      <p:transition p14:dur="0"/>
-    </mc:Choice>
-    <mc:Fallback xmlns="">
-      <p:transition/>
-    </mc:Fallback>
-  </mc:AlternateContent>
-  <p:timing>
-    <p:tnLst>
-      <p:par>
-        <p:cTn id="1" dur="indefinite" restart="never" nodeType="tmRoot"/>
-      </p:par>
-    </p:tnLst>
-  </p:timing>
 </p:sld>
 </file>
 
@@ -28020,18 +26554,14 @@
           <a:lstStyle/>
           <a:p>
             <a:r>
-              <a:rPr lang="de-DE" dirty="0" smtClean="0"/>
+              <a:rPr lang="de-DE" dirty="0"/>
               <a:t>Programmiersprachen</a:t>
             </a:r>
-            <a:r>
-              <a:rPr lang="de-DE" dirty="0"/>
-              <a:t/>
-            </a:r>
             <a:br>
               <a:rPr lang="de-DE" dirty="0"/>
             </a:br>
             <a:r>
-              <a:rPr lang="de-DE" dirty="0" smtClean="0"/>
+              <a:rPr lang="de-DE" dirty="0"/>
               <a:t>Python</a:t>
             </a:r>
             <a:endParaRPr lang="de-DE" sz="2800" b="1" dirty="0">
@@ -28074,84 +26604,76 @@
           <a:lstStyle/>
           <a:p>
             <a:r>
-              <a:rPr lang="de-DE" dirty="0" smtClean="0"/>
+              <a:rPr lang="de-DE" dirty="0"/>
               <a:t>Bibliotheken verfügbar</a:t>
             </a:r>
           </a:p>
           <a:p>
             <a:pPr lvl="1"/>
             <a:r>
-              <a:rPr lang="de-DE" dirty="0" smtClean="0"/>
+              <a:rPr lang="de-DE" dirty="0"/>
               <a:t>man muss das Rad nicht neu erfinden</a:t>
             </a:r>
           </a:p>
           <a:p>
             <a:pPr lvl="1"/>
             <a:r>
-              <a:rPr lang="de-DE" dirty="0" smtClean="0"/>
+              <a:rPr lang="de-DE" dirty="0"/>
               <a:t>man kommt schneller zum Ergebnis</a:t>
             </a:r>
           </a:p>
           <a:p>
             <a:r>
-              <a:rPr lang="de-DE" dirty="0" smtClean="0"/>
-              <a:t>Unterstützt zwei grundlegende Paradigmen (</a:t>
-            </a:r>
-            <a:r>
-              <a:rPr lang="de-DE" dirty="0"/>
-              <a:t>D</a:t>
-            </a:r>
-            <a:r>
-              <a:rPr lang="de-DE" dirty="0" smtClean="0"/>
-              <a:t>enkweisen)</a:t>
+              <a:rPr lang="de-DE" dirty="0"/>
+              <a:t>Unterstützt zwei grundlegende Paradigmen (Denkweisen)</a:t>
             </a:r>
           </a:p>
           <a:p>
             <a:pPr lvl="1"/>
             <a:r>
-              <a:rPr lang="de-DE" dirty="0" smtClean="0"/>
+              <a:rPr lang="de-DE" dirty="0"/>
               <a:t>objektorientiert („alles ist ein Ding“, z.B. ein Bild)</a:t>
             </a:r>
           </a:p>
           <a:p>
             <a:pPr lvl="1"/>
             <a:r>
-              <a:rPr lang="de-DE" dirty="0" smtClean="0"/>
+              <a:rPr lang="de-DE" dirty="0"/>
               <a:t>prozedural („alles ist ein Algorithmus“, z.B. eine Funktion)</a:t>
             </a:r>
           </a:p>
           <a:p>
             <a:r>
-              <a:rPr lang="de-DE" dirty="0" smtClean="0"/>
+              <a:rPr lang="de-DE" dirty="0"/>
               <a:t>interpretierte Programmiersprache</a:t>
             </a:r>
           </a:p>
           <a:p>
             <a:pPr lvl="1"/>
             <a:r>
-              <a:rPr lang="de-DE" dirty="0" smtClean="0"/>
+              <a:rPr lang="de-DE" dirty="0"/>
               <a:t>Gegensatz zu </a:t>
             </a:r>
             <a:r>
-              <a:rPr lang="de-DE" dirty="0" err="1" smtClean="0"/>
+              <a:rPr lang="de-DE" dirty="0" err="1"/>
               <a:t>compilierten</a:t>
             </a:r>
             <a:r>
-              <a:rPr lang="de-DE" dirty="0" smtClean="0"/>
+              <a:rPr lang="de-DE" dirty="0"/>
               <a:t> Sprachen</a:t>
             </a:r>
           </a:p>
           <a:p>
             <a:pPr lvl="1"/>
             <a:r>
-              <a:rPr lang="de-DE" dirty="0" smtClean="0"/>
+              <a:rPr lang="de-DE" dirty="0"/>
               <a:t>langsam(er)</a:t>
             </a:r>
           </a:p>
           <a:p>
             <a:pPr lvl="1"/>
             <a:r>
-              <a:rPr lang="de-DE" dirty="0" smtClean="0"/>
+              <a:rPr lang="de-DE" dirty="0"/>
               <a:t>plattformunabhängig</a:t>
             </a:r>
           </a:p>
@@ -28174,7 +26696,7 @@
           <a:p>
             <a:fld id="{F67820BC-C8FF-45AD-B49D-D36E11B23538}" type="datetime1">
               <a:rPr lang="de-DE" smtClean="0"/>
-              <a:t>20.03.2019</a:t>
+              <a:t>12.03.2020</a:t>
             </a:fld>
             <a:endParaRPr lang="de-DE"/>
           </a:p>
@@ -28196,10 +26718,9 @@
           <a:lstStyle/>
           <a:p>
             <a:r>
-              <a:rPr lang="de-DE" smtClean="0"/>
+              <a:rPr lang="de-DE"/>
               <a:t>Python Einführung</a:t>
             </a:r>
-            <a:endParaRPr lang="de-DE"/>
           </a:p>
         </p:txBody>
       </p:sp>
@@ -28236,21 +26757,6 @@
   <p:clrMapOvr>
     <a:masterClrMapping/>
   </p:clrMapOvr>
-  <mc:AlternateContent xmlns:mc="http://schemas.openxmlformats.org/markup-compatibility/2006" xmlns:p14="http://schemas.microsoft.com/office/powerpoint/2010/main">
-    <mc:Choice Requires="p14">
-      <p:transition p14:dur="0"/>
-    </mc:Choice>
-    <mc:Fallback xmlns="">
-      <p:transition/>
-    </mc:Fallback>
-  </mc:AlternateContent>
-  <p:timing>
-    <p:tnLst>
-      <p:par>
-        <p:cTn id="1" dur="indefinite" restart="never" nodeType="tmRoot"/>
-      </p:par>
-    </p:tnLst>
-  </p:timing>
 </p:sld>
 </file>
 
@@ -28289,14 +26795,14 @@
           <a:lstStyle/>
           <a:p>
             <a:r>
-              <a:rPr lang="de-DE" dirty="0" smtClean="0"/>
+              <a:rPr lang="de-DE" dirty="0"/>
               <a:t>Programmiersprachen</a:t>
             </a:r>
             <a:br>
-              <a:rPr lang="de-DE" dirty="0" smtClean="0"/>
+              <a:rPr lang="de-DE" dirty="0"/>
             </a:br>
             <a:r>
-              <a:rPr lang="de-DE" dirty="0" smtClean="0"/>
+              <a:rPr lang="de-DE" dirty="0"/>
               <a:t>Python</a:t>
             </a:r>
             <a:endParaRPr lang="de-DE" sz="2800" b="1" dirty="0">
@@ -28339,7 +26845,7 @@
           <a:lstStyle/>
           <a:p>
             <a:r>
-              <a:rPr lang="de-DE" dirty="0" smtClean="0"/>
+              <a:rPr lang="de-DE" dirty="0"/>
               <a:t>Namensgebung</a:t>
             </a:r>
           </a:p>
@@ -28347,17 +26853,13 @@
             <a:pPr lvl="1"/>
             <a:r>
               <a:rPr lang="de-DE" dirty="0"/>
-              <a:t>Logo enthält zwei </a:t>
-            </a:r>
-            <a:r>
-              <a:rPr lang="de-DE" dirty="0" smtClean="0"/>
-              <a:t>Schlangen</a:t>
+              <a:t>Logo enthält zwei Schlangen</a:t>
             </a:r>
           </a:p>
           <a:p>
             <a:pPr lvl="1"/>
             <a:r>
-              <a:rPr lang="de-DE" dirty="0" smtClean="0"/>
+              <a:rPr lang="de-DE" dirty="0"/>
               <a:t>Name stammt von Monty Python</a:t>
             </a:r>
           </a:p>
@@ -28380,7 +26882,7 @@
           <a:p>
             <a:fld id="{5B0789DE-66C1-462D-B123-D68992F3079E}" type="datetime1">
               <a:rPr lang="de-DE" smtClean="0"/>
-              <a:t>20.03.2019</a:t>
+              <a:t>12.03.2020</a:t>
             </a:fld>
             <a:endParaRPr lang="de-DE"/>
           </a:p>
@@ -28402,10 +26904,9 @@
           <a:lstStyle/>
           <a:p>
             <a:r>
-              <a:rPr lang="de-DE" smtClean="0"/>
+              <a:rPr lang="de-DE"/>
               <a:t>Python Einführung</a:t>
             </a:r>
-            <a:endParaRPr lang="de-DE"/>
           </a:p>
         </p:txBody>
       </p:sp>
@@ -28532,21 +27033,6 @@
   <p:clrMapOvr>
     <a:masterClrMapping/>
   </p:clrMapOvr>
-  <mc:AlternateContent xmlns:mc="http://schemas.openxmlformats.org/markup-compatibility/2006" xmlns:p14="http://schemas.microsoft.com/office/powerpoint/2010/main">
-    <mc:Choice Requires="p14">
-      <p:transition p14:dur="0"/>
-    </mc:Choice>
-    <mc:Fallback xmlns="">
-      <p:transition/>
-    </mc:Fallback>
-  </mc:AlternateContent>
-  <p:timing>
-    <p:tnLst>
-      <p:par>
-        <p:cTn id="1" dur="indefinite" restart="never" nodeType="tmRoot"/>
-      </p:par>
-    </p:tnLst>
-  </p:timing>
 </p:sld>
 </file>
 
@@ -28585,18 +27071,18 @@
           <a:lstStyle/>
           <a:p>
             <a:r>
-              <a:rPr lang="de-DE" dirty="0" smtClean="0"/>
+              <a:rPr lang="de-DE" dirty="0"/>
               <a:t>Installation</a:t>
             </a:r>
             <a:br>
-              <a:rPr lang="de-DE" dirty="0" smtClean="0"/>
+              <a:rPr lang="de-DE" dirty="0"/>
             </a:br>
             <a:r>
-              <a:rPr lang="de-DE" dirty="0" err="1" smtClean="0"/>
+              <a:rPr lang="de-DE" dirty="0" err="1"/>
               <a:t>Raspberry</a:t>
             </a:r>
             <a:r>
-              <a:rPr lang="de-DE" dirty="0" smtClean="0"/>
+              <a:rPr lang="de-DE" dirty="0"/>
               <a:t> Pi</a:t>
             </a:r>
             <a:endParaRPr lang="de-DE" sz="2800" b="1" dirty="0">
@@ -28639,7 +27125,7 @@
           <a:lstStyle/>
           <a:p>
             <a:r>
-              <a:rPr lang="de-DE" dirty="0" smtClean="0"/>
+              <a:rPr lang="de-DE" dirty="0"/>
               <a:t>Python 2 und 3 sind bereits installiert</a:t>
             </a:r>
           </a:p>
@@ -28662,7 +27148,7 @@
           <a:p>
             <a:fld id="{9D3752BF-127A-43A1-9997-CD734D7352E5}" type="datetime1">
               <a:rPr lang="de-DE" smtClean="0"/>
-              <a:t>20.03.2019</a:t>
+              <a:t>12.03.2020</a:t>
             </a:fld>
             <a:endParaRPr lang="de-DE"/>
           </a:p>
@@ -28684,7 +27170,7 @@
           <a:lstStyle/>
           <a:p>
             <a:r>
-              <a:rPr lang="de-DE" smtClean="0"/>
+              <a:rPr lang="de-DE"/>
               <a:t>Python Einführung</a:t>
             </a:r>
             <a:endParaRPr lang="de-DE" dirty="0"/>
@@ -28754,21 +27240,6 @@
   <p:clrMapOvr>
     <a:masterClrMapping/>
   </p:clrMapOvr>
-  <mc:AlternateContent xmlns:mc="http://schemas.openxmlformats.org/markup-compatibility/2006" xmlns:p14="http://schemas.microsoft.com/office/powerpoint/2010/main">
-    <mc:Choice Requires="p14">
-      <p:transition p14:dur="0"/>
-    </mc:Choice>
-    <mc:Fallback xmlns="">
-      <p:transition/>
-    </mc:Fallback>
-  </mc:AlternateContent>
-  <p:timing>
-    <p:tnLst>
-      <p:par>
-        <p:cTn id="1" dur="indefinite" restart="never" nodeType="tmRoot"/>
-      </p:par>
-    </p:tnLst>
-  </p:timing>
 </p:sld>
 </file>
 
